--- a/Brett_branch/Madness_Power_Point.pptx
+++ b/Brett_branch/Madness_Power_Point.pptx
@@ -11,11 +11,15 @@
     <p:sldId id="261" r:id="rId5"/>
     <p:sldId id="259" r:id="rId6"/>
     <p:sldId id="260" r:id="rId7"/>
-    <p:sldId id="262" r:id="rId8"/>
-    <p:sldId id="263" r:id="rId9"/>
-    <p:sldId id="264" r:id="rId10"/>
-    <p:sldId id="265" r:id="rId11"/>
-    <p:sldId id="266" r:id="rId12"/>
+    <p:sldId id="268" r:id="rId8"/>
+    <p:sldId id="269" r:id="rId9"/>
+    <p:sldId id="270" r:id="rId10"/>
+    <p:sldId id="272" r:id="rId11"/>
+    <p:sldId id="271" r:id="rId12"/>
+    <p:sldId id="264" r:id="rId13"/>
+    <p:sldId id="265" r:id="rId14"/>
+    <p:sldId id="267" r:id="rId15"/>
+    <p:sldId id="266" r:id="rId16"/>
   </p:sldIdLst>
   <p:sldSz cx="12192000" cy="6858000"/>
   <p:notesSz cx="6858000" cy="9144000"/>
@@ -114,7 +118,3412 @@
       </a:defRPr>
     </a:lvl9pPr>
   </p:defaultTextStyle>
+  <p:extLst>
+    <p:ext uri="{EFAFB233-063F-42B5-8137-9DF3F51BA10A}">
+      <p15:sldGuideLst xmlns:p15="http://schemas.microsoft.com/office/powerpoint/2012/main"/>
+    </p:ext>
+  </p:extLst>
 </p:presentation>
+</file>
+
+<file path=ppt/diagrams/colors1.xml><?xml version="1.0" encoding="utf-8"?>
+<dgm:colorsDef xmlns:dgm="http://schemas.openxmlformats.org/drawingml/2006/diagram" xmlns:a="http://schemas.openxmlformats.org/drawingml/2006/main" uniqueId="urn:microsoft.com/office/officeart/2005/8/colors/accent0_3">
+  <dgm:title val=""/>
+  <dgm:desc val=""/>
+  <dgm:catLst>
+    <dgm:cat type="mainScheme" pri="10300"/>
+  </dgm:catLst>
+  <dgm:styleLbl name="node0">
+    <dgm:fillClrLst meth="repeat">
+      <a:schemeClr val="dk2"/>
+    </dgm:fillClrLst>
+    <dgm:linClrLst meth="repeat">
+      <a:schemeClr val="lt2"/>
+    </dgm:linClrLst>
+    <dgm:effectClrLst/>
+    <dgm:txLinClrLst/>
+    <dgm:txFillClrLst/>
+    <dgm:txEffectClrLst/>
+  </dgm:styleLbl>
+  <dgm:styleLbl name="alignNode1">
+    <dgm:fillClrLst meth="repeat">
+      <a:schemeClr val="dk2"/>
+    </dgm:fillClrLst>
+    <dgm:linClrLst meth="repeat">
+      <a:schemeClr val="dk2"/>
+    </dgm:linClrLst>
+    <dgm:effectClrLst/>
+    <dgm:txLinClrLst/>
+    <dgm:txFillClrLst/>
+    <dgm:txEffectClrLst/>
+  </dgm:styleLbl>
+  <dgm:styleLbl name="node1">
+    <dgm:fillClrLst meth="repeat">
+      <a:schemeClr val="dk2"/>
+    </dgm:fillClrLst>
+    <dgm:linClrLst meth="repeat">
+      <a:schemeClr val="lt2"/>
+    </dgm:linClrLst>
+    <dgm:effectClrLst/>
+    <dgm:txLinClrLst/>
+    <dgm:txFillClrLst/>
+    <dgm:txEffectClrLst/>
+  </dgm:styleLbl>
+  <dgm:styleLbl name="lnNode1">
+    <dgm:fillClrLst meth="repeat">
+      <a:schemeClr val="dk2"/>
+    </dgm:fillClrLst>
+    <dgm:linClrLst meth="repeat">
+      <a:schemeClr val="lt2"/>
+    </dgm:linClrLst>
+    <dgm:effectClrLst/>
+    <dgm:txLinClrLst/>
+    <dgm:txFillClrLst/>
+    <dgm:txEffectClrLst/>
+  </dgm:styleLbl>
+  <dgm:styleLbl name="vennNode1">
+    <dgm:fillClrLst meth="repeat">
+      <a:schemeClr val="dk2">
+        <a:alpha val="50000"/>
+      </a:schemeClr>
+    </dgm:fillClrLst>
+    <dgm:linClrLst meth="repeat">
+      <a:schemeClr val="lt2"/>
+    </dgm:linClrLst>
+    <dgm:effectClrLst/>
+    <dgm:txLinClrLst/>
+    <dgm:txFillClrLst/>
+    <dgm:txEffectClrLst/>
+  </dgm:styleLbl>
+  <dgm:styleLbl name="node2">
+    <dgm:fillClrLst meth="repeat">
+      <a:schemeClr val="dk2"/>
+    </dgm:fillClrLst>
+    <dgm:linClrLst meth="repeat">
+      <a:schemeClr val="lt2"/>
+    </dgm:linClrLst>
+    <dgm:effectClrLst/>
+    <dgm:txLinClrLst/>
+    <dgm:txFillClrLst/>
+    <dgm:txEffectClrLst/>
+  </dgm:styleLbl>
+  <dgm:styleLbl name="node3">
+    <dgm:fillClrLst meth="repeat">
+      <a:schemeClr val="dk2"/>
+    </dgm:fillClrLst>
+    <dgm:linClrLst meth="repeat">
+      <a:schemeClr val="lt2"/>
+    </dgm:linClrLst>
+    <dgm:effectClrLst/>
+    <dgm:txLinClrLst/>
+    <dgm:txFillClrLst/>
+    <dgm:txEffectClrLst/>
+  </dgm:styleLbl>
+  <dgm:styleLbl name="node4">
+    <dgm:fillClrLst meth="repeat">
+      <a:schemeClr val="dk2"/>
+    </dgm:fillClrLst>
+    <dgm:linClrLst meth="repeat">
+      <a:schemeClr val="lt2"/>
+    </dgm:linClrLst>
+    <dgm:effectClrLst/>
+    <dgm:txLinClrLst/>
+    <dgm:txFillClrLst/>
+    <dgm:txEffectClrLst/>
+  </dgm:styleLbl>
+  <dgm:styleLbl name="fgImgPlace1">
+    <dgm:fillClrLst meth="repeat">
+      <a:schemeClr val="dk2">
+        <a:tint val="50000"/>
+      </a:schemeClr>
+    </dgm:fillClrLst>
+    <dgm:linClrLst meth="repeat">
+      <a:schemeClr val="lt2"/>
+    </dgm:linClrLst>
+    <dgm:effectClrLst/>
+    <dgm:txLinClrLst/>
+    <dgm:txFillClrLst meth="repeat">
+      <a:schemeClr val="lt2"/>
+    </dgm:txFillClrLst>
+    <dgm:txEffectClrLst/>
+  </dgm:styleLbl>
+  <dgm:styleLbl name="alignImgPlace1">
+    <dgm:fillClrLst meth="repeat">
+      <a:schemeClr val="dk2">
+        <a:tint val="50000"/>
+      </a:schemeClr>
+    </dgm:fillClrLst>
+    <dgm:linClrLst meth="repeat">
+      <a:schemeClr val="dk2">
+        <a:shade val="80000"/>
+      </a:schemeClr>
+    </dgm:linClrLst>
+    <dgm:effectClrLst/>
+    <dgm:txLinClrLst/>
+    <dgm:txFillClrLst meth="repeat">
+      <a:schemeClr val="lt2"/>
+    </dgm:txFillClrLst>
+    <dgm:txEffectClrLst/>
+  </dgm:styleLbl>
+  <dgm:styleLbl name="bgImgPlace1">
+    <dgm:fillClrLst meth="repeat">
+      <a:schemeClr val="dk2">
+        <a:tint val="50000"/>
+      </a:schemeClr>
+    </dgm:fillClrLst>
+    <dgm:linClrLst meth="repeat">
+      <a:schemeClr val="dk2">
+        <a:shade val="80000"/>
+      </a:schemeClr>
+    </dgm:linClrLst>
+    <dgm:effectClrLst/>
+    <dgm:txLinClrLst/>
+    <dgm:txFillClrLst meth="repeat">
+      <a:schemeClr val="lt2"/>
+    </dgm:txFillClrLst>
+    <dgm:txEffectClrLst/>
+  </dgm:styleLbl>
+  <dgm:styleLbl name="sibTrans2D1">
+    <dgm:fillClrLst meth="repeat">
+      <a:schemeClr val="dk2">
+        <a:tint val="60000"/>
+      </a:schemeClr>
+    </dgm:fillClrLst>
+    <dgm:linClrLst meth="repeat">
+      <a:schemeClr val="dk2">
+        <a:tint val="60000"/>
+      </a:schemeClr>
+    </dgm:linClrLst>
+    <dgm:effectClrLst/>
+    <dgm:txLinClrLst/>
+    <dgm:txFillClrLst/>
+    <dgm:txEffectClrLst/>
+  </dgm:styleLbl>
+  <dgm:styleLbl name="fgSibTrans2D1">
+    <dgm:fillClrLst meth="repeat">
+      <a:schemeClr val="dk2">
+        <a:tint val="60000"/>
+      </a:schemeClr>
+    </dgm:fillClrLst>
+    <dgm:linClrLst meth="repeat">
+      <a:schemeClr val="dk2">
+        <a:tint val="60000"/>
+      </a:schemeClr>
+    </dgm:linClrLst>
+    <dgm:effectClrLst/>
+    <dgm:txLinClrLst/>
+    <dgm:txFillClrLst/>
+    <dgm:txEffectClrLst/>
+  </dgm:styleLbl>
+  <dgm:styleLbl name="bgSibTrans2D1">
+    <dgm:fillClrLst meth="repeat">
+      <a:schemeClr val="dk2">
+        <a:tint val="60000"/>
+      </a:schemeClr>
+    </dgm:fillClrLst>
+    <dgm:linClrLst meth="repeat">
+      <a:schemeClr val="dk2">
+        <a:tint val="60000"/>
+      </a:schemeClr>
+    </dgm:linClrLst>
+    <dgm:effectClrLst/>
+    <dgm:txLinClrLst/>
+    <dgm:txFillClrLst/>
+    <dgm:txEffectClrLst/>
+  </dgm:styleLbl>
+  <dgm:styleLbl name="sibTrans1D1">
+    <dgm:fillClrLst meth="repeat">
+      <a:schemeClr val="dk2"/>
+    </dgm:fillClrLst>
+    <dgm:linClrLst meth="repeat">
+      <a:schemeClr val="dk2"/>
+    </dgm:linClrLst>
+    <dgm:effectClrLst/>
+    <dgm:txLinClrLst/>
+    <dgm:txFillClrLst meth="repeat">
+      <a:schemeClr val="lt2"/>
+    </dgm:txFillClrLst>
+    <dgm:txEffectClrLst/>
+  </dgm:styleLbl>
+  <dgm:styleLbl name="callout">
+    <dgm:fillClrLst meth="repeat">
+      <a:schemeClr val="dk2"/>
+    </dgm:fillClrLst>
+    <dgm:linClrLst meth="repeat">
+      <a:schemeClr val="dk2">
+        <a:tint val="50000"/>
+      </a:schemeClr>
+    </dgm:linClrLst>
+    <dgm:effectClrLst/>
+    <dgm:txLinClrLst/>
+    <dgm:txFillClrLst meth="repeat">
+      <a:schemeClr val="lt2"/>
+    </dgm:txFillClrLst>
+    <dgm:txEffectClrLst/>
+  </dgm:styleLbl>
+  <dgm:styleLbl name="asst0">
+    <dgm:fillClrLst meth="repeat">
+      <a:schemeClr val="dk2"/>
+    </dgm:fillClrLst>
+    <dgm:linClrLst meth="repeat">
+      <a:schemeClr val="lt2"/>
+    </dgm:linClrLst>
+    <dgm:effectClrLst/>
+    <dgm:txLinClrLst/>
+    <dgm:txFillClrLst/>
+    <dgm:txEffectClrLst/>
+  </dgm:styleLbl>
+  <dgm:styleLbl name="asst1">
+    <dgm:fillClrLst meth="repeat">
+      <a:schemeClr val="dk2"/>
+    </dgm:fillClrLst>
+    <dgm:linClrLst meth="repeat">
+      <a:schemeClr val="lt2"/>
+    </dgm:linClrLst>
+    <dgm:effectClrLst/>
+    <dgm:txLinClrLst/>
+    <dgm:txFillClrLst/>
+    <dgm:txEffectClrLst/>
+  </dgm:styleLbl>
+  <dgm:styleLbl name="asst2">
+    <dgm:fillClrLst meth="repeat">
+      <a:schemeClr val="dk2"/>
+    </dgm:fillClrLst>
+    <dgm:linClrLst meth="repeat">
+      <a:schemeClr val="lt2"/>
+    </dgm:linClrLst>
+    <dgm:effectClrLst/>
+    <dgm:txLinClrLst/>
+    <dgm:txFillClrLst/>
+    <dgm:txEffectClrLst/>
+  </dgm:styleLbl>
+  <dgm:styleLbl name="asst3">
+    <dgm:fillClrLst meth="repeat">
+      <a:schemeClr val="dk2"/>
+    </dgm:fillClrLst>
+    <dgm:linClrLst meth="repeat">
+      <a:schemeClr val="lt2"/>
+    </dgm:linClrLst>
+    <dgm:effectClrLst/>
+    <dgm:txLinClrLst/>
+    <dgm:txFillClrLst/>
+    <dgm:txEffectClrLst/>
+  </dgm:styleLbl>
+  <dgm:styleLbl name="asst4">
+    <dgm:fillClrLst meth="repeat">
+      <a:schemeClr val="dk2"/>
+    </dgm:fillClrLst>
+    <dgm:linClrLst meth="repeat">
+      <a:schemeClr val="lt2"/>
+    </dgm:linClrLst>
+    <dgm:effectClrLst/>
+    <dgm:txLinClrLst/>
+    <dgm:txFillClrLst/>
+    <dgm:txEffectClrLst/>
+  </dgm:styleLbl>
+  <dgm:styleLbl name="parChTrans2D1">
+    <dgm:fillClrLst meth="repeat">
+      <a:schemeClr val="dk2">
+        <a:tint val="60000"/>
+      </a:schemeClr>
+    </dgm:fillClrLst>
+    <dgm:linClrLst meth="repeat">
+      <a:schemeClr val="dk2">
+        <a:tint val="60000"/>
+      </a:schemeClr>
+    </dgm:linClrLst>
+    <dgm:effectClrLst/>
+    <dgm:txLinClrLst/>
+    <dgm:txFillClrLst meth="repeat">
+      <a:schemeClr val="lt2"/>
+    </dgm:txFillClrLst>
+    <dgm:txEffectClrLst/>
+  </dgm:styleLbl>
+  <dgm:styleLbl name="parChTrans2D2">
+    <dgm:fillClrLst meth="repeat">
+      <a:schemeClr val="dk2"/>
+    </dgm:fillClrLst>
+    <dgm:linClrLst meth="repeat">
+      <a:schemeClr val="dk2"/>
+    </dgm:linClrLst>
+    <dgm:effectClrLst/>
+    <dgm:txLinClrLst/>
+    <dgm:txFillClrLst meth="repeat">
+      <a:schemeClr val="lt2"/>
+    </dgm:txFillClrLst>
+    <dgm:txEffectClrLst/>
+  </dgm:styleLbl>
+  <dgm:styleLbl name="parChTrans2D3">
+    <dgm:fillClrLst meth="repeat">
+      <a:schemeClr val="dk2"/>
+    </dgm:fillClrLst>
+    <dgm:linClrLst meth="repeat">
+      <a:schemeClr val="dk2"/>
+    </dgm:linClrLst>
+    <dgm:effectClrLst/>
+    <dgm:txLinClrLst/>
+    <dgm:txFillClrLst meth="repeat">
+      <a:schemeClr val="lt2"/>
+    </dgm:txFillClrLst>
+    <dgm:txEffectClrLst/>
+  </dgm:styleLbl>
+  <dgm:styleLbl name="parChTrans2D4">
+    <dgm:fillClrLst meth="repeat">
+      <a:schemeClr val="dk2"/>
+    </dgm:fillClrLst>
+    <dgm:linClrLst meth="repeat">
+      <a:schemeClr val="dk2"/>
+    </dgm:linClrLst>
+    <dgm:effectClrLst/>
+    <dgm:txLinClrLst/>
+    <dgm:txFillClrLst meth="repeat">
+      <a:schemeClr val="lt2"/>
+    </dgm:txFillClrLst>
+    <dgm:txEffectClrLst/>
+  </dgm:styleLbl>
+  <dgm:styleLbl name="parChTrans1D1">
+    <dgm:fillClrLst meth="repeat">
+      <a:schemeClr val="dk2"/>
+    </dgm:fillClrLst>
+    <dgm:linClrLst meth="repeat">
+      <a:schemeClr val="dk2">
+        <a:shade val="60000"/>
+      </a:schemeClr>
+    </dgm:linClrLst>
+    <dgm:effectClrLst/>
+    <dgm:txLinClrLst/>
+    <dgm:txFillClrLst meth="repeat">
+      <a:schemeClr val="tx1"/>
+    </dgm:txFillClrLst>
+    <dgm:txEffectClrLst/>
+  </dgm:styleLbl>
+  <dgm:styleLbl name="parChTrans1D2">
+    <dgm:fillClrLst meth="repeat">
+      <a:schemeClr val="dk2"/>
+    </dgm:fillClrLst>
+    <dgm:linClrLst meth="repeat">
+      <a:schemeClr val="dk2">
+        <a:shade val="60000"/>
+      </a:schemeClr>
+    </dgm:linClrLst>
+    <dgm:effectClrLst/>
+    <dgm:txLinClrLst/>
+    <dgm:txFillClrLst meth="repeat">
+      <a:schemeClr val="tx1"/>
+    </dgm:txFillClrLst>
+    <dgm:txEffectClrLst/>
+  </dgm:styleLbl>
+  <dgm:styleLbl name="parChTrans1D3">
+    <dgm:fillClrLst meth="repeat">
+      <a:schemeClr val="dk2"/>
+    </dgm:fillClrLst>
+    <dgm:linClrLst meth="repeat">
+      <a:schemeClr val="dk2">
+        <a:shade val="80000"/>
+      </a:schemeClr>
+    </dgm:linClrLst>
+    <dgm:effectClrLst/>
+    <dgm:txLinClrLst/>
+    <dgm:txFillClrLst meth="repeat">
+      <a:schemeClr val="tx1"/>
+    </dgm:txFillClrLst>
+    <dgm:txEffectClrLst/>
+  </dgm:styleLbl>
+  <dgm:styleLbl name="parChTrans1D4">
+    <dgm:fillClrLst meth="repeat">
+      <a:schemeClr val="dk2"/>
+    </dgm:fillClrLst>
+    <dgm:linClrLst meth="repeat">
+      <a:schemeClr val="dk2">
+        <a:shade val="80000"/>
+      </a:schemeClr>
+    </dgm:linClrLst>
+    <dgm:effectClrLst/>
+    <dgm:txLinClrLst/>
+    <dgm:txFillClrLst meth="repeat">
+      <a:schemeClr val="tx1"/>
+    </dgm:txFillClrLst>
+    <dgm:txEffectClrLst/>
+  </dgm:styleLbl>
+  <dgm:styleLbl name="fgAcc1">
+    <dgm:fillClrLst meth="repeat">
+      <a:schemeClr val="lt2">
+        <a:alpha val="90000"/>
+      </a:schemeClr>
+    </dgm:fillClrLst>
+    <dgm:linClrLst meth="repeat">
+      <a:schemeClr val="dk2"/>
+    </dgm:linClrLst>
+    <dgm:effectClrLst/>
+    <dgm:txLinClrLst/>
+    <dgm:txFillClrLst meth="repeat">
+      <a:schemeClr val="dk1"/>
+    </dgm:txFillClrLst>
+    <dgm:txEffectClrLst/>
+  </dgm:styleLbl>
+  <dgm:styleLbl name="conFgAcc1">
+    <dgm:fillClrLst meth="repeat">
+      <a:schemeClr val="lt2">
+        <a:alpha val="90000"/>
+      </a:schemeClr>
+    </dgm:fillClrLst>
+    <dgm:linClrLst meth="repeat">
+      <a:schemeClr val="dk2"/>
+    </dgm:linClrLst>
+    <dgm:effectClrLst/>
+    <dgm:txLinClrLst/>
+    <dgm:txFillClrLst meth="repeat">
+      <a:schemeClr val="dk1"/>
+    </dgm:txFillClrLst>
+    <dgm:txEffectClrLst/>
+  </dgm:styleLbl>
+  <dgm:styleLbl name="alignAcc1">
+    <dgm:fillClrLst meth="repeat">
+      <a:schemeClr val="lt2">
+        <a:alpha val="90000"/>
+      </a:schemeClr>
+    </dgm:fillClrLst>
+    <dgm:linClrLst meth="repeat">
+      <a:schemeClr val="dk2"/>
+    </dgm:linClrLst>
+    <dgm:effectClrLst/>
+    <dgm:txLinClrLst/>
+    <dgm:txFillClrLst meth="repeat">
+      <a:schemeClr val="dk1"/>
+    </dgm:txFillClrLst>
+    <dgm:txEffectClrLst/>
+  </dgm:styleLbl>
+  <dgm:styleLbl name="trAlignAcc1">
+    <dgm:fillClrLst meth="repeat">
+      <a:schemeClr val="lt2">
+        <a:alpha val="40000"/>
+      </a:schemeClr>
+    </dgm:fillClrLst>
+    <dgm:linClrLst meth="repeat">
+      <a:schemeClr val="dk2"/>
+    </dgm:linClrLst>
+    <dgm:effectClrLst/>
+    <dgm:txLinClrLst/>
+    <dgm:txFillClrLst meth="repeat">
+      <a:schemeClr val="dk1"/>
+    </dgm:txFillClrLst>
+    <dgm:txEffectClrLst/>
+  </dgm:styleLbl>
+  <dgm:styleLbl name="bgAcc1">
+    <dgm:fillClrLst meth="repeat">
+      <a:schemeClr val="lt2">
+        <a:alpha val="90000"/>
+      </a:schemeClr>
+    </dgm:fillClrLst>
+    <dgm:linClrLst meth="repeat">
+      <a:schemeClr val="dk2"/>
+    </dgm:linClrLst>
+    <dgm:effectClrLst/>
+    <dgm:txLinClrLst/>
+    <dgm:txFillClrLst meth="repeat">
+      <a:schemeClr val="dk1"/>
+    </dgm:txFillClrLst>
+    <dgm:txEffectClrLst/>
+  </dgm:styleLbl>
+  <dgm:styleLbl name="solidFgAcc1">
+    <dgm:fillClrLst meth="repeat">
+      <a:schemeClr val="lt2"/>
+    </dgm:fillClrLst>
+    <dgm:linClrLst meth="repeat">
+      <a:schemeClr val="dk2"/>
+    </dgm:linClrLst>
+    <dgm:effectClrLst/>
+    <dgm:txLinClrLst/>
+    <dgm:txFillClrLst meth="repeat">
+      <a:schemeClr val="dk1"/>
+    </dgm:txFillClrLst>
+    <dgm:txEffectClrLst/>
+  </dgm:styleLbl>
+  <dgm:styleLbl name="solidAlignAcc1">
+    <dgm:fillClrLst meth="repeat">
+      <a:schemeClr val="lt2"/>
+    </dgm:fillClrLst>
+    <dgm:linClrLst meth="repeat">
+      <a:schemeClr val="dk2"/>
+    </dgm:linClrLst>
+    <dgm:effectClrLst/>
+    <dgm:txLinClrLst/>
+    <dgm:txFillClrLst meth="repeat">
+      <a:schemeClr val="dk1"/>
+    </dgm:txFillClrLst>
+    <dgm:txEffectClrLst/>
+  </dgm:styleLbl>
+  <dgm:styleLbl name="solidBgAcc1">
+    <dgm:fillClrLst meth="repeat">
+      <a:schemeClr val="lt2"/>
+    </dgm:fillClrLst>
+    <dgm:linClrLst meth="repeat">
+      <a:schemeClr val="dk2"/>
+    </dgm:linClrLst>
+    <dgm:effectClrLst/>
+    <dgm:txLinClrLst/>
+    <dgm:txFillClrLst meth="repeat">
+      <a:schemeClr val="dk1"/>
+    </dgm:txFillClrLst>
+    <dgm:txEffectClrLst/>
+  </dgm:styleLbl>
+  <dgm:styleLbl name="fgAccFollowNode1">
+    <dgm:fillClrLst meth="repeat">
+      <a:schemeClr val="dk2">
+        <a:alpha val="90000"/>
+        <a:tint val="40000"/>
+      </a:schemeClr>
+    </dgm:fillClrLst>
+    <dgm:linClrLst meth="repeat">
+      <a:schemeClr val="dk2">
+        <a:alpha val="90000"/>
+        <a:tint val="40000"/>
+      </a:schemeClr>
+    </dgm:linClrLst>
+    <dgm:effectClrLst/>
+    <dgm:txLinClrLst/>
+    <dgm:txFillClrLst meth="repeat">
+      <a:schemeClr val="dk1"/>
+    </dgm:txFillClrLst>
+    <dgm:txEffectClrLst/>
+  </dgm:styleLbl>
+  <dgm:styleLbl name="alignAccFollowNode1">
+    <dgm:fillClrLst meth="repeat">
+      <a:schemeClr val="dk2">
+        <a:alpha val="90000"/>
+        <a:tint val="40000"/>
+      </a:schemeClr>
+    </dgm:fillClrLst>
+    <dgm:linClrLst meth="repeat">
+      <a:schemeClr val="dk2">
+        <a:alpha val="90000"/>
+        <a:tint val="40000"/>
+      </a:schemeClr>
+    </dgm:linClrLst>
+    <dgm:effectClrLst/>
+    <dgm:txLinClrLst/>
+    <dgm:txFillClrLst meth="repeat">
+      <a:schemeClr val="dk1"/>
+    </dgm:txFillClrLst>
+    <dgm:txEffectClrLst/>
+  </dgm:styleLbl>
+  <dgm:styleLbl name="bgAccFollowNode1">
+    <dgm:fillClrLst meth="repeat">
+      <a:schemeClr val="dk2">
+        <a:alpha val="90000"/>
+        <a:tint val="40000"/>
+      </a:schemeClr>
+    </dgm:fillClrLst>
+    <dgm:linClrLst meth="repeat">
+      <a:schemeClr val="dk2">
+        <a:alpha val="90000"/>
+        <a:tint val="40000"/>
+      </a:schemeClr>
+    </dgm:linClrLst>
+    <dgm:effectClrLst/>
+    <dgm:txLinClrLst/>
+    <dgm:txFillClrLst meth="repeat">
+      <a:schemeClr val="dk1"/>
+    </dgm:txFillClrLst>
+    <dgm:txEffectClrLst/>
+  </dgm:styleLbl>
+  <dgm:styleLbl name="fgAcc0">
+    <dgm:fillClrLst meth="repeat">
+      <a:schemeClr val="lt2">
+        <a:alpha val="90000"/>
+      </a:schemeClr>
+    </dgm:fillClrLst>
+    <dgm:linClrLst meth="repeat">
+      <a:schemeClr val="dk2"/>
+    </dgm:linClrLst>
+    <dgm:effectClrLst/>
+    <dgm:txLinClrLst/>
+    <dgm:txFillClrLst meth="repeat">
+      <a:schemeClr val="dk1"/>
+    </dgm:txFillClrLst>
+    <dgm:txEffectClrLst/>
+  </dgm:styleLbl>
+  <dgm:styleLbl name="fgAcc2">
+    <dgm:fillClrLst meth="repeat">
+      <a:schemeClr val="lt2">
+        <a:alpha val="90000"/>
+      </a:schemeClr>
+    </dgm:fillClrLst>
+    <dgm:linClrLst meth="repeat">
+      <a:schemeClr val="dk2"/>
+    </dgm:linClrLst>
+    <dgm:effectClrLst/>
+    <dgm:txLinClrLst/>
+    <dgm:txFillClrLst meth="repeat">
+      <a:schemeClr val="dk1"/>
+    </dgm:txFillClrLst>
+    <dgm:txEffectClrLst/>
+  </dgm:styleLbl>
+  <dgm:styleLbl name="fgAcc3">
+    <dgm:fillClrLst meth="repeat">
+      <a:schemeClr val="lt2">
+        <a:alpha val="90000"/>
+      </a:schemeClr>
+    </dgm:fillClrLst>
+    <dgm:linClrLst meth="repeat">
+      <a:schemeClr val="dk2"/>
+    </dgm:linClrLst>
+    <dgm:effectClrLst/>
+    <dgm:txLinClrLst/>
+    <dgm:txFillClrLst meth="repeat">
+      <a:schemeClr val="dk1"/>
+    </dgm:txFillClrLst>
+    <dgm:txEffectClrLst/>
+  </dgm:styleLbl>
+  <dgm:styleLbl name="fgAcc4">
+    <dgm:fillClrLst meth="repeat">
+      <a:schemeClr val="lt2">
+        <a:alpha val="90000"/>
+      </a:schemeClr>
+    </dgm:fillClrLst>
+    <dgm:linClrLst meth="repeat">
+      <a:schemeClr val="dk2"/>
+    </dgm:linClrLst>
+    <dgm:effectClrLst/>
+    <dgm:txLinClrLst/>
+    <dgm:txFillClrLst meth="repeat">
+      <a:schemeClr val="dk1"/>
+    </dgm:txFillClrLst>
+    <dgm:txEffectClrLst/>
+  </dgm:styleLbl>
+  <dgm:styleLbl name="bgShp">
+    <dgm:fillClrLst meth="repeat">
+      <a:schemeClr val="dk2">
+        <a:tint val="40000"/>
+      </a:schemeClr>
+    </dgm:fillClrLst>
+    <dgm:linClrLst meth="repeat">
+      <a:schemeClr val="dk2"/>
+    </dgm:linClrLst>
+    <dgm:effectClrLst/>
+    <dgm:txLinClrLst/>
+    <dgm:txFillClrLst meth="repeat">
+      <a:schemeClr val="dk1"/>
+    </dgm:txFillClrLst>
+    <dgm:txEffectClrLst/>
+  </dgm:styleLbl>
+  <dgm:styleLbl name="dkBgShp">
+    <dgm:fillClrLst meth="repeat">
+      <a:schemeClr val="dk2">
+        <a:shade val="80000"/>
+      </a:schemeClr>
+    </dgm:fillClrLst>
+    <dgm:linClrLst meth="repeat">
+      <a:schemeClr val="dk2"/>
+    </dgm:linClrLst>
+    <dgm:effectClrLst/>
+    <dgm:txLinClrLst/>
+    <dgm:txFillClrLst meth="repeat">
+      <a:schemeClr val="lt1"/>
+    </dgm:txFillClrLst>
+    <dgm:txEffectClrLst/>
+  </dgm:styleLbl>
+  <dgm:styleLbl name="trBgShp">
+    <dgm:fillClrLst meth="repeat">
+      <a:schemeClr val="dk2">
+        <a:tint val="50000"/>
+        <a:alpha val="40000"/>
+      </a:schemeClr>
+    </dgm:fillClrLst>
+    <dgm:linClrLst meth="repeat">
+      <a:schemeClr val="dk2"/>
+    </dgm:linClrLst>
+    <dgm:effectClrLst/>
+    <dgm:txLinClrLst/>
+    <dgm:txFillClrLst meth="repeat">
+      <a:schemeClr val="lt1"/>
+    </dgm:txFillClrLst>
+    <dgm:txEffectClrLst/>
+  </dgm:styleLbl>
+  <dgm:styleLbl name="fgShp">
+    <dgm:fillClrLst meth="repeat">
+      <a:schemeClr val="dk2">
+        <a:tint val="60000"/>
+      </a:schemeClr>
+    </dgm:fillClrLst>
+    <dgm:linClrLst meth="repeat">
+      <a:schemeClr val="lt2"/>
+    </dgm:linClrLst>
+    <dgm:effectClrLst/>
+    <dgm:txLinClrLst/>
+    <dgm:txFillClrLst meth="repeat">
+      <a:schemeClr val="dk1"/>
+    </dgm:txFillClrLst>
+    <dgm:txEffectClrLst/>
+  </dgm:styleLbl>
+  <dgm:styleLbl name="revTx">
+    <dgm:fillClrLst meth="repeat">
+      <a:schemeClr val="lt2">
+        <a:alpha val="0"/>
+      </a:schemeClr>
+    </dgm:fillClrLst>
+    <dgm:linClrLst meth="repeat">
+      <a:schemeClr val="dk1">
+        <a:alpha val="0"/>
+      </a:schemeClr>
+    </dgm:linClrLst>
+    <dgm:effectClrLst/>
+    <dgm:txLinClrLst/>
+    <dgm:txFillClrLst meth="repeat">
+      <a:schemeClr val="tx1"/>
+    </dgm:txFillClrLst>
+    <dgm:txEffectClrLst/>
+  </dgm:styleLbl>
+</dgm:colorsDef>
+</file>
+
+<file path=ppt/diagrams/data1.xml><?xml version="1.0" encoding="utf-8"?>
+<dgm:dataModel xmlns:dgm="http://schemas.openxmlformats.org/drawingml/2006/diagram" xmlns:a="http://schemas.openxmlformats.org/drawingml/2006/main">
+  <dgm:ptLst>
+    <dgm:pt modelId="{0A83673A-2046-441F-99F8-26F0AB6F8DA8}" type="doc">
+      <dgm:prSet loTypeId="urn:microsoft.com/office/officeart/2018/2/layout/IconVerticalSolidList" loCatId="icon" qsTypeId="urn:microsoft.com/office/officeart/2005/8/quickstyle/simple1" qsCatId="simple" csTypeId="urn:microsoft.com/office/officeart/2005/8/colors/accent0_3" csCatId="mainScheme" phldr="1"/>
+      <dgm:spPr/>
+      <dgm:t>
+        <a:bodyPr/>
+        <a:lstStyle/>
+        <a:p>
+          <a:endParaRPr lang="en-US"/>
+        </a:p>
+      </dgm:t>
+    </dgm:pt>
+    <dgm:pt modelId="{18DB5134-B599-40E1-9618-6BFF947B93EF}">
+      <dgm:prSet/>
+      <dgm:spPr/>
+      <dgm:t>
+        <a:bodyPr/>
+        <a:lstStyle/>
+        <a:p>
+          <a:pPr>
+            <a:lnSpc>
+              <a:spcPct val="100000"/>
+            </a:lnSpc>
+          </a:pPr>
+          <a:r>
+            <a:rPr lang="en-US"/>
+            <a:t>Pull in additional years (pre-2016) to refine model.</a:t>
+          </a:r>
+        </a:p>
+      </dgm:t>
+    </dgm:pt>
+    <dgm:pt modelId="{13A8AA29-B5C8-4C92-94D1-EEB6E5D555D9}" type="parTrans" cxnId="{8D3F9348-1283-49EC-B299-68436267758A}">
+      <dgm:prSet/>
+      <dgm:spPr/>
+      <dgm:t>
+        <a:bodyPr/>
+        <a:lstStyle/>
+        <a:p>
+          <a:endParaRPr lang="en-US"/>
+        </a:p>
+      </dgm:t>
+    </dgm:pt>
+    <dgm:pt modelId="{76DD161D-D6DB-4042-8F9B-69297D608BC6}" type="sibTrans" cxnId="{8D3F9348-1283-49EC-B299-68436267758A}">
+      <dgm:prSet/>
+      <dgm:spPr/>
+      <dgm:t>
+        <a:bodyPr/>
+        <a:lstStyle/>
+        <a:p>
+          <a:endParaRPr lang="en-US"/>
+        </a:p>
+      </dgm:t>
+    </dgm:pt>
+    <dgm:pt modelId="{097D4F9E-B8C8-494C-A03C-2258FEBBDEF7}">
+      <dgm:prSet/>
+      <dgm:spPr/>
+      <dgm:t>
+        <a:bodyPr/>
+        <a:lstStyle/>
+        <a:p>
+          <a:pPr>
+            <a:lnSpc>
+              <a:spcPct val="100000"/>
+            </a:lnSpc>
+          </a:pPr>
+          <a:r>
+            <a:rPr lang="en-US"/>
+            <a:t>Optimize/recommend first round matchups to improve tournament quality. </a:t>
+          </a:r>
+        </a:p>
+      </dgm:t>
+    </dgm:pt>
+    <dgm:pt modelId="{5FF4885C-1F8B-4624-9BC7-B80CAE86F154}" type="parTrans" cxnId="{38C75579-9B07-4776-8989-E343314A5171}">
+      <dgm:prSet/>
+      <dgm:spPr/>
+      <dgm:t>
+        <a:bodyPr/>
+        <a:lstStyle/>
+        <a:p>
+          <a:endParaRPr lang="en-US"/>
+        </a:p>
+      </dgm:t>
+    </dgm:pt>
+    <dgm:pt modelId="{E50D8EB0-D836-4D28-9DB3-B9DC932B81CD}" type="sibTrans" cxnId="{38C75579-9B07-4776-8989-E343314A5171}">
+      <dgm:prSet/>
+      <dgm:spPr/>
+      <dgm:t>
+        <a:bodyPr/>
+        <a:lstStyle/>
+        <a:p>
+          <a:endParaRPr lang="en-US"/>
+        </a:p>
+      </dgm:t>
+    </dgm:pt>
+    <dgm:pt modelId="{934A6A1D-D707-4DFB-B15F-1BD64087DF68}">
+      <dgm:prSet/>
+      <dgm:spPr/>
+      <dgm:t>
+        <a:bodyPr/>
+        <a:lstStyle/>
+        <a:p>
+          <a:pPr>
+            <a:lnSpc>
+              <a:spcPct val="100000"/>
+            </a:lnSpc>
+          </a:pPr>
+          <a:r>
+            <a:rPr lang="en-US"/>
+            <a:t>Create a bracket that would auto-complete based on the model. </a:t>
+          </a:r>
+        </a:p>
+      </dgm:t>
+    </dgm:pt>
+    <dgm:pt modelId="{43E989F0-D95D-4649-BDDC-D1AD6B2ED74B}" type="parTrans" cxnId="{D1066743-0AB6-45B9-9B57-E60EDDE1115D}">
+      <dgm:prSet/>
+      <dgm:spPr/>
+      <dgm:t>
+        <a:bodyPr/>
+        <a:lstStyle/>
+        <a:p>
+          <a:endParaRPr lang="en-US"/>
+        </a:p>
+      </dgm:t>
+    </dgm:pt>
+    <dgm:pt modelId="{A3BB4954-507A-4E05-AFD9-0969D16BB7E3}" type="sibTrans" cxnId="{D1066743-0AB6-45B9-9B57-E60EDDE1115D}">
+      <dgm:prSet/>
+      <dgm:spPr/>
+      <dgm:t>
+        <a:bodyPr/>
+        <a:lstStyle/>
+        <a:p>
+          <a:endParaRPr lang="en-US"/>
+        </a:p>
+      </dgm:t>
+    </dgm:pt>
+    <dgm:pt modelId="{37488D56-9633-4F54-AE92-66101117BAC9}">
+      <dgm:prSet/>
+      <dgm:spPr/>
+      <dgm:t>
+        <a:bodyPr/>
+        <a:lstStyle/>
+        <a:p>
+          <a:pPr>
+            <a:lnSpc>
+              <a:spcPct val="100000"/>
+            </a:lnSpc>
+          </a:pPr>
+          <a:r>
+            <a:rPr lang="en-US"/>
+            <a:t>Add players to game-by-game data to improve the model.</a:t>
+          </a:r>
+        </a:p>
+      </dgm:t>
+    </dgm:pt>
+    <dgm:pt modelId="{0A1F1821-89BF-4EDA-8614-6E52102E7F2A}" type="parTrans" cxnId="{64C2D463-3707-4B1C-9F23-149326EAEE7F}">
+      <dgm:prSet/>
+      <dgm:spPr/>
+      <dgm:t>
+        <a:bodyPr/>
+        <a:lstStyle/>
+        <a:p>
+          <a:endParaRPr lang="en-US"/>
+        </a:p>
+      </dgm:t>
+    </dgm:pt>
+    <dgm:pt modelId="{6087C638-ED1B-4E9E-ABA7-833A87525D80}" type="sibTrans" cxnId="{64C2D463-3707-4B1C-9F23-149326EAEE7F}">
+      <dgm:prSet/>
+      <dgm:spPr/>
+      <dgm:t>
+        <a:bodyPr/>
+        <a:lstStyle/>
+        <a:p>
+          <a:endParaRPr lang="en-US"/>
+        </a:p>
+      </dgm:t>
+    </dgm:pt>
+    <dgm:pt modelId="{D77D0152-1189-4252-A235-1125D13981C5}">
+      <dgm:prSet/>
+      <dgm:spPr/>
+      <dgm:t>
+        <a:bodyPr/>
+        <a:lstStyle/>
+        <a:p>
+          <a:pPr>
+            <a:lnSpc>
+              <a:spcPct val="100000"/>
+            </a:lnSpc>
+          </a:pPr>
+          <a:r>
+            <a:rPr lang="en-US"/>
+            <a:t>Further refine features to reduce model complexity.  </a:t>
+          </a:r>
+        </a:p>
+      </dgm:t>
+    </dgm:pt>
+    <dgm:pt modelId="{E4D27CD4-BE87-4C45-8BCD-42933D1F4ED7}" type="parTrans" cxnId="{0890219B-3745-43D0-9389-CC6BC3D858F5}">
+      <dgm:prSet/>
+      <dgm:spPr/>
+      <dgm:t>
+        <a:bodyPr/>
+        <a:lstStyle/>
+        <a:p>
+          <a:endParaRPr lang="en-US"/>
+        </a:p>
+      </dgm:t>
+    </dgm:pt>
+    <dgm:pt modelId="{A2241E39-EE1E-4C34-8839-AA9EDB77E5AF}" type="sibTrans" cxnId="{0890219B-3745-43D0-9389-CC6BC3D858F5}">
+      <dgm:prSet/>
+      <dgm:spPr/>
+      <dgm:t>
+        <a:bodyPr/>
+        <a:lstStyle/>
+        <a:p>
+          <a:endParaRPr lang="en-US"/>
+        </a:p>
+      </dgm:t>
+    </dgm:pt>
+    <dgm:pt modelId="{B4184F2D-EF4A-47A5-8D64-3AE77E3F2432}" type="pres">
+      <dgm:prSet presAssocID="{0A83673A-2046-441F-99F8-26F0AB6F8DA8}" presName="root" presStyleCnt="0">
+        <dgm:presLayoutVars>
+          <dgm:dir/>
+          <dgm:resizeHandles val="exact"/>
+        </dgm:presLayoutVars>
+      </dgm:prSet>
+      <dgm:spPr/>
+    </dgm:pt>
+    <dgm:pt modelId="{B6484517-6081-463D-B250-F58407315A61}" type="pres">
+      <dgm:prSet presAssocID="{18DB5134-B599-40E1-9618-6BFF947B93EF}" presName="compNode" presStyleCnt="0"/>
+      <dgm:spPr/>
+    </dgm:pt>
+    <dgm:pt modelId="{36486187-4E5A-49BC-A153-9C2360C3294B}" type="pres">
+      <dgm:prSet presAssocID="{18DB5134-B599-40E1-9618-6BFF947B93EF}" presName="bgRect" presStyleLbl="bgShp" presStyleIdx="0" presStyleCnt="5"/>
+      <dgm:spPr/>
+    </dgm:pt>
+    <dgm:pt modelId="{91FD55E2-4174-41C4-A867-955D765A1DDA}" type="pres">
+      <dgm:prSet presAssocID="{18DB5134-B599-40E1-9618-6BFF947B93EF}" presName="iconRect" presStyleLbl="node1" presStyleIdx="0" presStyleCnt="5"/>
+      <dgm:spPr>
+        <a:blipFill>
+          <a:blip xmlns:r="http://schemas.openxmlformats.org/officeDocument/2006/relationships" r:embed="rId1">
+            <a:extLst>
+              <a:ext uri="{28A0092B-C50C-407E-A947-70E740481C1C}">
+                <a14:useLocalDpi xmlns:a14="http://schemas.microsoft.com/office/drawing/2010/main" val="0"/>
+              </a:ext>
+              <a:ext uri="{96DAC541-7B7A-43D3-8B79-37D633B846F1}">
+                <asvg:svgBlip xmlns:asvg="http://schemas.microsoft.com/office/drawing/2016/SVG/main" r:embed="rId2"/>
+              </a:ext>
+            </a:extLst>
+          </a:blip>
+          <a:stretch>
+            <a:fillRect/>
+          </a:stretch>
+        </a:blipFill>
+      </dgm:spPr>
+      <dgm:extLst>
+        <a:ext uri="{E40237B7-FDA0-4F09-8148-C483321AD2D9}">
+          <dgm14:cNvPr xmlns:dgm14="http://schemas.microsoft.com/office/drawing/2010/diagram" id="0" name="" descr="Beginning"/>
+        </a:ext>
+      </dgm:extLst>
+    </dgm:pt>
+    <dgm:pt modelId="{AB562852-BCDB-452E-ACC8-C09557908680}" type="pres">
+      <dgm:prSet presAssocID="{18DB5134-B599-40E1-9618-6BFF947B93EF}" presName="spaceRect" presStyleCnt="0"/>
+      <dgm:spPr/>
+    </dgm:pt>
+    <dgm:pt modelId="{F9D44F21-AF61-4915-B302-CFFDD12957AD}" type="pres">
+      <dgm:prSet presAssocID="{18DB5134-B599-40E1-9618-6BFF947B93EF}" presName="parTx" presStyleLbl="revTx" presStyleIdx="0" presStyleCnt="5">
+        <dgm:presLayoutVars>
+          <dgm:chMax val="0"/>
+          <dgm:chPref val="0"/>
+        </dgm:presLayoutVars>
+      </dgm:prSet>
+      <dgm:spPr/>
+    </dgm:pt>
+    <dgm:pt modelId="{7DB5B7BD-302A-459B-A7B8-FF2A00CA65AD}" type="pres">
+      <dgm:prSet presAssocID="{76DD161D-D6DB-4042-8F9B-69297D608BC6}" presName="sibTrans" presStyleCnt="0"/>
+      <dgm:spPr/>
+    </dgm:pt>
+    <dgm:pt modelId="{07D1EAFB-E64C-441B-89F7-8F45A1935AF3}" type="pres">
+      <dgm:prSet presAssocID="{097D4F9E-B8C8-494C-A03C-2258FEBBDEF7}" presName="compNode" presStyleCnt="0"/>
+      <dgm:spPr/>
+    </dgm:pt>
+    <dgm:pt modelId="{DCD70B1B-3486-441A-A26E-6026660203AC}" type="pres">
+      <dgm:prSet presAssocID="{097D4F9E-B8C8-494C-A03C-2258FEBBDEF7}" presName="bgRect" presStyleLbl="bgShp" presStyleIdx="1" presStyleCnt="5"/>
+      <dgm:spPr/>
+    </dgm:pt>
+    <dgm:pt modelId="{BF599D5D-D5DB-4376-A6E6-745B4356A560}" type="pres">
+      <dgm:prSet presAssocID="{097D4F9E-B8C8-494C-A03C-2258FEBBDEF7}" presName="iconRect" presStyleLbl="node1" presStyleIdx="1" presStyleCnt="5"/>
+      <dgm:spPr>
+        <a:blipFill>
+          <a:blip xmlns:r="http://schemas.openxmlformats.org/officeDocument/2006/relationships" r:embed="rId3">
+            <a:extLst>
+              <a:ext uri="{28A0092B-C50C-407E-A947-70E740481C1C}">
+                <a14:useLocalDpi xmlns:a14="http://schemas.microsoft.com/office/drawing/2010/main" val="0"/>
+              </a:ext>
+              <a:ext uri="{96DAC541-7B7A-43D3-8B79-37D633B846F1}">
+                <asvg:svgBlip xmlns:asvg="http://schemas.microsoft.com/office/drawing/2016/SVG/main" r:embed="rId4"/>
+              </a:ext>
+            </a:extLst>
+          </a:blip>
+          <a:stretch>
+            <a:fillRect/>
+          </a:stretch>
+        </a:blipFill>
+      </dgm:spPr>
+      <dgm:extLst>
+        <a:ext uri="{E40237B7-FDA0-4F09-8148-C483321AD2D9}">
+          <dgm14:cNvPr xmlns:dgm14="http://schemas.microsoft.com/office/drawing/2010/diagram" id="0" name="" descr="Trophy"/>
+        </a:ext>
+      </dgm:extLst>
+    </dgm:pt>
+    <dgm:pt modelId="{76304D0B-FB2C-4459-B64A-691B4E83E81C}" type="pres">
+      <dgm:prSet presAssocID="{097D4F9E-B8C8-494C-A03C-2258FEBBDEF7}" presName="spaceRect" presStyleCnt="0"/>
+      <dgm:spPr/>
+    </dgm:pt>
+    <dgm:pt modelId="{63B04A78-E5F2-4114-9B57-7535343F248C}" type="pres">
+      <dgm:prSet presAssocID="{097D4F9E-B8C8-494C-A03C-2258FEBBDEF7}" presName="parTx" presStyleLbl="revTx" presStyleIdx="1" presStyleCnt="5">
+        <dgm:presLayoutVars>
+          <dgm:chMax val="0"/>
+          <dgm:chPref val="0"/>
+        </dgm:presLayoutVars>
+      </dgm:prSet>
+      <dgm:spPr/>
+    </dgm:pt>
+    <dgm:pt modelId="{09E317BC-AB34-4797-AC6A-49394CD6C66D}" type="pres">
+      <dgm:prSet presAssocID="{E50D8EB0-D836-4D28-9DB3-B9DC932B81CD}" presName="sibTrans" presStyleCnt="0"/>
+      <dgm:spPr/>
+    </dgm:pt>
+    <dgm:pt modelId="{2B08CA30-DCB0-4219-9591-9AC3EA721F25}" type="pres">
+      <dgm:prSet presAssocID="{934A6A1D-D707-4DFB-B15F-1BD64087DF68}" presName="compNode" presStyleCnt="0"/>
+      <dgm:spPr/>
+    </dgm:pt>
+    <dgm:pt modelId="{E0771E6C-D58A-45AB-BC13-F5215CDF3986}" type="pres">
+      <dgm:prSet presAssocID="{934A6A1D-D707-4DFB-B15F-1BD64087DF68}" presName="bgRect" presStyleLbl="bgShp" presStyleIdx="2" presStyleCnt="5"/>
+      <dgm:spPr/>
+    </dgm:pt>
+    <dgm:pt modelId="{AE1F9F07-F290-430B-804C-A08867B0EDDE}" type="pres">
+      <dgm:prSet presAssocID="{934A6A1D-D707-4DFB-B15F-1BD64087DF68}" presName="iconRect" presStyleLbl="node1" presStyleIdx="2" presStyleCnt="5"/>
+      <dgm:spPr>
+        <a:blipFill>
+          <a:blip xmlns:r="http://schemas.openxmlformats.org/officeDocument/2006/relationships" r:embed="rId5">
+            <a:extLst>
+              <a:ext uri="{96DAC541-7B7A-43D3-8B79-37D633B846F1}">
+                <asvg:svgBlip xmlns:asvg="http://schemas.microsoft.com/office/drawing/2016/SVG/main" r:embed="rId6"/>
+              </a:ext>
+            </a:extLst>
+          </a:blip>
+          <a:srcRect/>
+          <a:stretch>
+            <a:fillRect/>
+          </a:stretch>
+        </a:blipFill>
+      </dgm:spPr>
+      <dgm:extLst>
+        <a:ext uri="{E40237B7-FDA0-4F09-8148-C483321AD2D9}">
+          <dgm14:cNvPr xmlns:dgm14="http://schemas.microsoft.com/office/drawing/2010/diagram" id="0" name="" descr="Completed with solid fill"/>
+        </a:ext>
+      </dgm:extLst>
+    </dgm:pt>
+    <dgm:pt modelId="{CDCABCEA-3102-45BE-961E-4F8A97A18F36}" type="pres">
+      <dgm:prSet presAssocID="{934A6A1D-D707-4DFB-B15F-1BD64087DF68}" presName="spaceRect" presStyleCnt="0"/>
+      <dgm:spPr/>
+    </dgm:pt>
+    <dgm:pt modelId="{2E593BC8-3762-4298-90CC-CE8C0A0FB203}" type="pres">
+      <dgm:prSet presAssocID="{934A6A1D-D707-4DFB-B15F-1BD64087DF68}" presName="parTx" presStyleLbl="revTx" presStyleIdx="2" presStyleCnt="5">
+        <dgm:presLayoutVars>
+          <dgm:chMax val="0"/>
+          <dgm:chPref val="0"/>
+        </dgm:presLayoutVars>
+      </dgm:prSet>
+      <dgm:spPr/>
+    </dgm:pt>
+    <dgm:pt modelId="{EA634B8B-46E3-40AD-B9FA-BD4C27C4CE15}" type="pres">
+      <dgm:prSet presAssocID="{A3BB4954-507A-4E05-AFD9-0969D16BB7E3}" presName="sibTrans" presStyleCnt="0"/>
+      <dgm:spPr/>
+    </dgm:pt>
+    <dgm:pt modelId="{879FAC04-4CF8-4CD3-9271-16DC27CF0F48}" type="pres">
+      <dgm:prSet presAssocID="{37488D56-9633-4F54-AE92-66101117BAC9}" presName="compNode" presStyleCnt="0"/>
+      <dgm:spPr/>
+    </dgm:pt>
+    <dgm:pt modelId="{F900266D-4B41-4B80-AF38-D8698A376B82}" type="pres">
+      <dgm:prSet presAssocID="{37488D56-9633-4F54-AE92-66101117BAC9}" presName="bgRect" presStyleLbl="bgShp" presStyleIdx="3" presStyleCnt="5"/>
+      <dgm:spPr/>
+    </dgm:pt>
+    <dgm:pt modelId="{327400DB-59EE-460B-8B71-D0396BAD82DE}" type="pres">
+      <dgm:prSet presAssocID="{37488D56-9633-4F54-AE92-66101117BAC9}" presName="iconRect" presStyleLbl="node1" presStyleIdx="3" presStyleCnt="5"/>
+      <dgm:spPr>
+        <a:blipFill>
+          <a:blip xmlns:r="http://schemas.openxmlformats.org/officeDocument/2006/relationships" r:embed="rId7">
+            <a:extLst>
+              <a:ext uri="{96DAC541-7B7A-43D3-8B79-37D633B846F1}">
+                <asvg:svgBlip xmlns:asvg="http://schemas.microsoft.com/office/drawing/2016/SVG/main" r:embed="rId8"/>
+              </a:ext>
+            </a:extLst>
+          </a:blip>
+          <a:srcRect/>
+          <a:stretch>
+            <a:fillRect/>
+          </a:stretch>
+        </a:blipFill>
+      </dgm:spPr>
+    </dgm:pt>
+    <dgm:pt modelId="{3823333F-07FE-4A19-B6DC-FFF332D74FC7}" type="pres">
+      <dgm:prSet presAssocID="{37488D56-9633-4F54-AE92-66101117BAC9}" presName="spaceRect" presStyleCnt="0"/>
+      <dgm:spPr/>
+    </dgm:pt>
+    <dgm:pt modelId="{18125151-C5A6-4C8C-8361-7EF1F3D97A00}" type="pres">
+      <dgm:prSet presAssocID="{37488D56-9633-4F54-AE92-66101117BAC9}" presName="parTx" presStyleLbl="revTx" presStyleIdx="3" presStyleCnt="5">
+        <dgm:presLayoutVars>
+          <dgm:chMax val="0"/>
+          <dgm:chPref val="0"/>
+        </dgm:presLayoutVars>
+      </dgm:prSet>
+      <dgm:spPr/>
+    </dgm:pt>
+    <dgm:pt modelId="{86DA8051-C392-4653-9437-1FD6D91AAEB0}" type="pres">
+      <dgm:prSet presAssocID="{6087C638-ED1B-4E9E-ABA7-833A87525D80}" presName="sibTrans" presStyleCnt="0"/>
+      <dgm:spPr/>
+    </dgm:pt>
+    <dgm:pt modelId="{CBF6D4BD-5712-4FCF-935D-745C7DD042A6}" type="pres">
+      <dgm:prSet presAssocID="{D77D0152-1189-4252-A235-1125D13981C5}" presName="compNode" presStyleCnt="0"/>
+      <dgm:spPr/>
+    </dgm:pt>
+    <dgm:pt modelId="{BBC7A298-A0C6-4566-B0E2-B841ACB2CA83}" type="pres">
+      <dgm:prSet presAssocID="{D77D0152-1189-4252-A235-1125D13981C5}" presName="bgRect" presStyleLbl="bgShp" presStyleIdx="4" presStyleCnt="5"/>
+      <dgm:spPr/>
+    </dgm:pt>
+    <dgm:pt modelId="{ED16C4A8-5214-43D8-8E9E-41C7DDB5A442}" type="pres">
+      <dgm:prSet presAssocID="{D77D0152-1189-4252-A235-1125D13981C5}" presName="iconRect" presStyleLbl="node1" presStyleIdx="4" presStyleCnt="5"/>
+      <dgm:spPr>
+        <a:blipFill>
+          <a:blip xmlns:r="http://schemas.openxmlformats.org/officeDocument/2006/relationships" r:embed="rId9">
+            <a:extLst>
+              <a:ext uri="{28A0092B-C50C-407E-A947-70E740481C1C}">
+                <a14:useLocalDpi xmlns:a14="http://schemas.microsoft.com/office/drawing/2010/main" val="0"/>
+              </a:ext>
+              <a:ext uri="{96DAC541-7B7A-43D3-8B79-37D633B846F1}">
+                <asvg:svgBlip xmlns:asvg="http://schemas.microsoft.com/office/drawing/2016/SVG/main" r:embed="rId10"/>
+              </a:ext>
+            </a:extLst>
+          </a:blip>
+          <a:stretch>
+            <a:fillRect/>
+          </a:stretch>
+        </a:blipFill>
+      </dgm:spPr>
+      <dgm:extLst>
+        <a:ext uri="{E40237B7-FDA0-4F09-8148-C483321AD2D9}">
+          <dgm14:cNvPr xmlns:dgm14="http://schemas.microsoft.com/office/drawing/2010/diagram" id="0" name="" descr="Workflow"/>
+        </a:ext>
+      </dgm:extLst>
+    </dgm:pt>
+    <dgm:pt modelId="{60A48A11-EB1C-4DF6-8F9D-39A94E2C0E14}" type="pres">
+      <dgm:prSet presAssocID="{D77D0152-1189-4252-A235-1125D13981C5}" presName="spaceRect" presStyleCnt="0"/>
+      <dgm:spPr/>
+    </dgm:pt>
+    <dgm:pt modelId="{7215D5D6-DBB1-4EC1-AF49-1D8C424D3F90}" type="pres">
+      <dgm:prSet presAssocID="{D77D0152-1189-4252-A235-1125D13981C5}" presName="parTx" presStyleLbl="revTx" presStyleIdx="4" presStyleCnt="5">
+        <dgm:presLayoutVars>
+          <dgm:chMax val="0"/>
+          <dgm:chPref val="0"/>
+        </dgm:presLayoutVars>
+      </dgm:prSet>
+      <dgm:spPr/>
+    </dgm:pt>
+  </dgm:ptLst>
+  <dgm:cxnLst>
+    <dgm:cxn modelId="{BE812B06-2D26-48F3-85F3-2D0F58467872}" type="presOf" srcId="{37488D56-9633-4F54-AE92-66101117BAC9}" destId="{18125151-C5A6-4C8C-8361-7EF1F3D97A00}" srcOrd="0" destOrd="0" presId="urn:microsoft.com/office/officeart/2018/2/layout/IconVerticalSolidList"/>
+    <dgm:cxn modelId="{F77DAB21-8016-41A0-AE79-F365E109A99A}" type="presOf" srcId="{0A83673A-2046-441F-99F8-26F0AB6F8DA8}" destId="{B4184F2D-EF4A-47A5-8D64-3AE77E3F2432}" srcOrd="0" destOrd="0" presId="urn:microsoft.com/office/officeart/2018/2/layout/IconVerticalSolidList"/>
+    <dgm:cxn modelId="{D1066743-0AB6-45B9-9B57-E60EDDE1115D}" srcId="{0A83673A-2046-441F-99F8-26F0AB6F8DA8}" destId="{934A6A1D-D707-4DFB-B15F-1BD64087DF68}" srcOrd="2" destOrd="0" parTransId="{43E989F0-D95D-4649-BDDC-D1AD6B2ED74B}" sibTransId="{A3BB4954-507A-4E05-AFD9-0969D16BB7E3}"/>
+    <dgm:cxn modelId="{64C2D463-3707-4B1C-9F23-149326EAEE7F}" srcId="{0A83673A-2046-441F-99F8-26F0AB6F8DA8}" destId="{37488D56-9633-4F54-AE92-66101117BAC9}" srcOrd="3" destOrd="0" parTransId="{0A1F1821-89BF-4EDA-8614-6E52102E7F2A}" sibTransId="{6087C638-ED1B-4E9E-ABA7-833A87525D80}"/>
+    <dgm:cxn modelId="{8D3F9348-1283-49EC-B299-68436267758A}" srcId="{0A83673A-2046-441F-99F8-26F0AB6F8DA8}" destId="{18DB5134-B599-40E1-9618-6BFF947B93EF}" srcOrd="0" destOrd="0" parTransId="{13A8AA29-B5C8-4C92-94D1-EEB6E5D555D9}" sibTransId="{76DD161D-D6DB-4042-8F9B-69297D608BC6}"/>
+    <dgm:cxn modelId="{38C75579-9B07-4776-8989-E343314A5171}" srcId="{0A83673A-2046-441F-99F8-26F0AB6F8DA8}" destId="{097D4F9E-B8C8-494C-A03C-2258FEBBDEF7}" srcOrd="1" destOrd="0" parTransId="{5FF4885C-1F8B-4624-9BC7-B80CAE86F154}" sibTransId="{E50D8EB0-D836-4D28-9DB3-B9DC932B81CD}"/>
+    <dgm:cxn modelId="{0890219B-3745-43D0-9389-CC6BC3D858F5}" srcId="{0A83673A-2046-441F-99F8-26F0AB6F8DA8}" destId="{D77D0152-1189-4252-A235-1125D13981C5}" srcOrd="4" destOrd="0" parTransId="{E4D27CD4-BE87-4C45-8BCD-42933D1F4ED7}" sibTransId="{A2241E39-EE1E-4C34-8839-AA9EDB77E5AF}"/>
+    <dgm:cxn modelId="{9DFEA1A0-0A91-433A-82F9-7C7FF32D4D8D}" type="presOf" srcId="{18DB5134-B599-40E1-9618-6BFF947B93EF}" destId="{F9D44F21-AF61-4915-B302-CFFDD12957AD}" srcOrd="0" destOrd="0" presId="urn:microsoft.com/office/officeart/2018/2/layout/IconVerticalSolidList"/>
+    <dgm:cxn modelId="{AECE1FCB-9742-4C96-8097-BDFCEB0472C0}" type="presOf" srcId="{D77D0152-1189-4252-A235-1125D13981C5}" destId="{7215D5D6-DBB1-4EC1-AF49-1D8C424D3F90}" srcOrd="0" destOrd="0" presId="urn:microsoft.com/office/officeart/2018/2/layout/IconVerticalSolidList"/>
+    <dgm:cxn modelId="{2CEE10D7-1D8A-483D-B681-0FA32DB9BC7D}" type="presOf" srcId="{934A6A1D-D707-4DFB-B15F-1BD64087DF68}" destId="{2E593BC8-3762-4298-90CC-CE8C0A0FB203}" srcOrd="0" destOrd="0" presId="urn:microsoft.com/office/officeart/2018/2/layout/IconVerticalSolidList"/>
+    <dgm:cxn modelId="{B47FEFFF-4386-4C14-B9B2-A9726ED5AE2F}" type="presOf" srcId="{097D4F9E-B8C8-494C-A03C-2258FEBBDEF7}" destId="{63B04A78-E5F2-4114-9B57-7535343F248C}" srcOrd="0" destOrd="0" presId="urn:microsoft.com/office/officeart/2018/2/layout/IconVerticalSolidList"/>
+    <dgm:cxn modelId="{B92191D6-42F3-43AD-89B9-ED70C2437212}" type="presParOf" srcId="{B4184F2D-EF4A-47A5-8D64-3AE77E3F2432}" destId="{B6484517-6081-463D-B250-F58407315A61}" srcOrd="0" destOrd="0" presId="urn:microsoft.com/office/officeart/2018/2/layout/IconVerticalSolidList"/>
+    <dgm:cxn modelId="{C120A80E-45EA-4D95-82FF-4681348CE45F}" type="presParOf" srcId="{B6484517-6081-463D-B250-F58407315A61}" destId="{36486187-4E5A-49BC-A153-9C2360C3294B}" srcOrd="0" destOrd="0" presId="urn:microsoft.com/office/officeart/2018/2/layout/IconVerticalSolidList"/>
+    <dgm:cxn modelId="{193FF2D6-EEEE-4016-B79F-49CFB60B2286}" type="presParOf" srcId="{B6484517-6081-463D-B250-F58407315A61}" destId="{91FD55E2-4174-41C4-A867-955D765A1DDA}" srcOrd="1" destOrd="0" presId="urn:microsoft.com/office/officeart/2018/2/layout/IconVerticalSolidList"/>
+    <dgm:cxn modelId="{D2B0E3E3-B9BF-4BE1-B227-2ABD352B1A1A}" type="presParOf" srcId="{B6484517-6081-463D-B250-F58407315A61}" destId="{AB562852-BCDB-452E-ACC8-C09557908680}" srcOrd="2" destOrd="0" presId="urn:microsoft.com/office/officeart/2018/2/layout/IconVerticalSolidList"/>
+    <dgm:cxn modelId="{EE9F1AB9-2167-409E-ADF3-FC14479D39A0}" type="presParOf" srcId="{B6484517-6081-463D-B250-F58407315A61}" destId="{F9D44F21-AF61-4915-B302-CFFDD12957AD}" srcOrd="3" destOrd="0" presId="urn:microsoft.com/office/officeart/2018/2/layout/IconVerticalSolidList"/>
+    <dgm:cxn modelId="{2B57F19F-1C7D-43DD-B6D2-6CEC8E8CABFD}" type="presParOf" srcId="{B4184F2D-EF4A-47A5-8D64-3AE77E3F2432}" destId="{7DB5B7BD-302A-459B-A7B8-FF2A00CA65AD}" srcOrd="1" destOrd="0" presId="urn:microsoft.com/office/officeart/2018/2/layout/IconVerticalSolidList"/>
+    <dgm:cxn modelId="{1B4BC2AC-7E6A-4976-ACF9-0DF457974148}" type="presParOf" srcId="{B4184F2D-EF4A-47A5-8D64-3AE77E3F2432}" destId="{07D1EAFB-E64C-441B-89F7-8F45A1935AF3}" srcOrd="2" destOrd="0" presId="urn:microsoft.com/office/officeart/2018/2/layout/IconVerticalSolidList"/>
+    <dgm:cxn modelId="{68A52FF9-8323-4DDC-A644-00A3ACBC60FE}" type="presParOf" srcId="{07D1EAFB-E64C-441B-89F7-8F45A1935AF3}" destId="{DCD70B1B-3486-441A-A26E-6026660203AC}" srcOrd="0" destOrd="0" presId="urn:microsoft.com/office/officeart/2018/2/layout/IconVerticalSolidList"/>
+    <dgm:cxn modelId="{6574A1A1-8AF0-4237-B171-3D847DE9B038}" type="presParOf" srcId="{07D1EAFB-E64C-441B-89F7-8F45A1935AF3}" destId="{BF599D5D-D5DB-4376-A6E6-745B4356A560}" srcOrd="1" destOrd="0" presId="urn:microsoft.com/office/officeart/2018/2/layout/IconVerticalSolidList"/>
+    <dgm:cxn modelId="{0AF22238-5025-434A-9F5F-08967D0BF85B}" type="presParOf" srcId="{07D1EAFB-E64C-441B-89F7-8F45A1935AF3}" destId="{76304D0B-FB2C-4459-B64A-691B4E83E81C}" srcOrd="2" destOrd="0" presId="urn:microsoft.com/office/officeart/2018/2/layout/IconVerticalSolidList"/>
+    <dgm:cxn modelId="{3136E291-145F-4537-A645-DF92C6671ED1}" type="presParOf" srcId="{07D1EAFB-E64C-441B-89F7-8F45A1935AF3}" destId="{63B04A78-E5F2-4114-9B57-7535343F248C}" srcOrd="3" destOrd="0" presId="urn:microsoft.com/office/officeart/2018/2/layout/IconVerticalSolidList"/>
+    <dgm:cxn modelId="{C508DBA2-8461-421F-AE96-777C09825D3F}" type="presParOf" srcId="{B4184F2D-EF4A-47A5-8D64-3AE77E3F2432}" destId="{09E317BC-AB34-4797-AC6A-49394CD6C66D}" srcOrd="3" destOrd="0" presId="urn:microsoft.com/office/officeart/2018/2/layout/IconVerticalSolidList"/>
+    <dgm:cxn modelId="{AA7FF4E0-2754-414E-8AD3-1266D6225D15}" type="presParOf" srcId="{B4184F2D-EF4A-47A5-8D64-3AE77E3F2432}" destId="{2B08CA30-DCB0-4219-9591-9AC3EA721F25}" srcOrd="4" destOrd="0" presId="urn:microsoft.com/office/officeart/2018/2/layout/IconVerticalSolidList"/>
+    <dgm:cxn modelId="{EA227A83-54B8-444E-9021-C8DF3E7E5E19}" type="presParOf" srcId="{2B08CA30-DCB0-4219-9591-9AC3EA721F25}" destId="{E0771E6C-D58A-45AB-BC13-F5215CDF3986}" srcOrd="0" destOrd="0" presId="urn:microsoft.com/office/officeart/2018/2/layout/IconVerticalSolidList"/>
+    <dgm:cxn modelId="{B1D79A56-6804-47D9-8DE4-6575B0D60F27}" type="presParOf" srcId="{2B08CA30-DCB0-4219-9591-9AC3EA721F25}" destId="{AE1F9F07-F290-430B-804C-A08867B0EDDE}" srcOrd="1" destOrd="0" presId="urn:microsoft.com/office/officeart/2018/2/layout/IconVerticalSolidList"/>
+    <dgm:cxn modelId="{CB84B335-D2CB-4FB8-A7EB-D816B3C50FE1}" type="presParOf" srcId="{2B08CA30-DCB0-4219-9591-9AC3EA721F25}" destId="{CDCABCEA-3102-45BE-961E-4F8A97A18F36}" srcOrd="2" destOrd="0" presId="urn:microsoft.com/office/officeart/2018/2/layout/IconVerticalSolidList"/>
+    <dgm:cxn modelId="{88F888A8-25ED-4FF7-890C-2168B813E88A}" type="presParOf" srcId="{2B08CA30-DCB0-4219-9591-9AC3EA721F25}" destId="{2E593BC8-3762-4298-90CC-CE8C0A0FB203}" srcOrd="3" destOrd="0" presId="urn:microsoft.com/office/officeart/2018/2/layout/IconVerticalSolidList"/>
+    <dgm:cxn modelId="{2138EA9B-F7C2-44F2-9913-E859F40C6E23}" type="presParOf" srcId="{B4184F2D-EF4A-47A5-8D64-3AE77E3F2432}" destId="{EA634B8B-46E3-40AD-B9FA-BD4C27C4CE15}" srcOrd="5" destOrd="0" presId="urn:microsoft.com/office/officeart/2018/2/layout/IconVerticalSolidList"/>
+    <dgm:cxn modelId="{332B4449-4EDE-46BF-8970-0EDF21F49691}" type="presParOf" srcId="{B4184F2D-EF4A-47A5-8D64-3AE77E3F2432}" destId="{879FAC04-4CF8-4CD3-9271-16DC27CF0F48}" srcOrd="6" destOrd="0" presId="urn:microsoft.com/office/officeart/2018/2/layout/IconVerticalSolidList"/>
+    <dgm:cxn modelId="{B7984416-3744-4E81-9C0A-3FB8D42170DA}" type="presParOf" srcId="{879FAC04-4CF8-4CD3-9271-16DC27CF0F48}" destId="{F900266D-4B41-4B80-AF38-D8698A376B82}" srcOrd="0" destOrd="0" presId="urn:microsoft.com/office/officeart/2018/2/layout/IconVerticalSolidList"/>
+    <dgm:cxn modelId="{D414F33F-E2F2-4F71-9704-28EC84A2BBD9}" type="presParOf" srcId="{879FAC04-4CF8-4CD3-9271-16DC27CF0F48}" destId="{327400DB-59EE-460B-8B71-D0396BAD82DE}" srcOrd="1" destOrd="0" presId="urn:microsoft.com/office/officeart/2018/2/layout/IconVerticalSolidList"/>
+    <dgm:cxn modelId="{11F6FAA6-6DF6-44A1-B6A5-2558505C26F0}" type="presParOf" srcId="{879FAC04-4CF8-4CD3-9271-16DC27CF0F48}" destId="{3823333F-07FE-4A19-B6DC-FFF332D74FC7}" srcOrd="2" destOrd="0" presId="urn:microsoft.com/office/officeart/2018/2/layout/IconVerticalSolidList"/>
+    <dgm:cxn modelId="{921FCD8F-621B-4621-BB96-E1D4E9E173AC}" type="presParOf" srcId="{879FAC04-4CF8-4CD3-9271-16DC27CF0F48}" destId="{18125151-C5A6-4C8C-8361-7EF1F3D97A00}" srcOrd="3" destOrd="0" presId="urn:microsoft.com/office/officeart/2018/2/layout/IconVerticalSolidList"/>
+    <dgm:cxn modelId="{F4CAFD8A-C8E8-4A67-820F-6296D9DCACA4}" type="presParOf" srcId="{B4184F2D-EF4A-47A5-8D64-3AE77E3F2432}" destId="{86DA8051-C392-4653-9437-1FD6D91AAEB0}" srcOrd="7" destOrd="0" presId="urn:microsoft.com/office/officeart/2018/2/layout/IconVerticalSolidList"/>
+    <dgm:cxn modelId="{1BDE52B2-2491-42F8-B2C7-E5C57511E4B9}" type="presParOf" srcId="{B4184F2D-EF4A-47A5-8D64-3AE77E3F2432}" destId="{CBF6D4BD-5712-4FCF-935D-745C7DD042A6}" srcOrd="8" destOrd="0" presId="urn:microsoft.com/office/officeart/2018/2/layout/IconVerticalSolidList"/>
+    <dgm:cxn modelId="{BFDAC2CA-A44E-40EE-B8EE-3C1F359403FE}" type="presParOf" srcId="{CBF6D4BD-5712-4FCF-935D-745C7DD042A6}" destId="{BBC7A298-A0C6-4566-B0E2-B841ACB2CA83}" srcOrd="0" destOrd="0" presId="urn:microsoft.com/office/officeart/2018/2/layout/IconVerticalSolidList"/>
+    <dgm:cxn modelId="{D8B71255-C258-4DBA-BECC-19C30C1E3A5B}" type="presParOf" srcId="{CBF6D4BD-5712-4FCF-935D-745C7DD042A6}" destId="{ED16C4A8-5214-43D8-8E9E-41C7DDB5A442}" srcOrd="1" destOrd="0" presId="urn:microsoft.com/office/officeart/2018/2/layout/IconVerticalSolidList"/>
+    <dgm:cxn modelId="{ECB56C8D-F21A-4984-8047-C53BC5B5F1C2}" type="presParOf" srcId="{CBF6D4BD-5712-4FCF-935D-745C7DD042A6}" destId="{60A48A11-EB1C-4DF6-8F9D-39A94E2C0E14}" srcOrd="2" destOrd="0" presId="urn:microsoft.com/office/officeart/2018/2/layout/IconVerticalSolidList"/>
+    <dgm:cxn modelId="{26DD4B5B-5CCC-429B-9A0A-212720C3B9B9}" type="presParOf" srcId="{CBF6D4BD-5712-4FCF-935D-745C7DD042A6}" destId="{7215D5D6-DBB1-4EC1-AF49-1D8C424D3F90}" srcOrd="3" destOrd="0" presId="urn:microsoft.com/office/officeart/2018/2/layout/IconVerticalSolidList"/>
+  </dgm:cxnLst>
+  <dgm:bg/>
+  <dgm:whole/>
+  <dgm:extLst>
+    <a:ext uri="http://schemas.microsoft.com/office/drawing/2008/diagram">
+      <dsp:dataModelExt xmlns:dsp="http://schemas.microsoft.com/office/drawing/2008/diagram" relId="rId6" minVer="http://schemas.openxmlformats.org/drawingml/2006/diagram"/>
+    </a:ext>
+  </dgm:extLst>
+</dgm:dataModel>
+</file>
+
+<file path=ppt/diagrams/drawing1.xml><?xml version="1.0" encoding="utf-8"?>
+<dsp:drawing xmlns:dgm="http://schemas.openxmlformats.org/drawingml/2006/diagram" xmlns:dsp="http://schemas.microsoft.com/office/drawing/2008/diagram" xmlns:a="http://schemas.openxmlformats.org/drawingml/2006/main">
+  <dsp:spTree>
+    <dsp:nvGrpSpPr>
+      <dsp:cNvPr id="0" name=""/>
+      <dsp:cNvGrpSpPr/>
+    </dsp:nvGrpSpPr>
+    <dsp:grpSpPr/>
+    <dsp:sp modelId="{36486187-4E5A-49BC-A153-9C2360C3294B}">
+      <dsp:nvSpPr>
+        <dsp:cNvPr id="0" name=""/>
+        <dsp:cNvSpPr/>
+      </dsp:nvSpPr>
+      <dsp:spPr>
+        <a:xfrm>
+          <a:off x="0" y="4418"/>
+          <a:ext cx="6248400" cy="941237"/>
+        </a:xfrm>
+        <a:prstGeom prst="roundRect">
+          <a:avLst>
+            <a:gd name="adj" fmla="val 10000"/>
+          </a:avLst>
+        </a:prstGeom>
+        <a:solidFill>
+          <a:schemeClr val="dk2">
+            <a:tint val="40000"/>
+            <a:hueOff val="0"/>
+            <a:satOff val="0"/>
+            <a:lumOff val="0"/>
+            <a:alphaOff val="0"/>
+          </a:schemeClr>
+        </a:solidFill>
+        <a:ln>
+          <a:noFill/>
+        </a:ln>
+        <a:effectLst/>
+      </dsp:spPr>
+      <dsp:style>
+        <a:lnRef idx="0">
+          <a:scrgbClr r="0" g="0" b="0"/>
+        </a:lnRef>
+        <a:fillRef idx="1">
+          <a:scrgbClr r="0" g="0" b="0"/>
+        </a:fillRef>
+        <a:effectRef idx="0">
+          <a:scrgbClr r="0" g="0" b="0"/>
+        </a:effectRef>
+        <a:fontRef idx="minor"/>
+      </dsp:style>
+    </dsp:sp>
+    <dsp:sp modelId="{91FD55E2-4174-41C4-A867-955D765A1DDA}">
+      <dsp:nvSpPr>
+        <dsp:cNvPr id="0" name=""/>
+        <dsp:cNvSpPr/>
+      </dsp:nvSpPr>
+      <dsp:spPr>
+        <a:xfrm>
+          <a:off x="284724" y="216197"/>
+          <a:ext cx="517680" cy="517680"/>
+        </a:xfrm>
+        <a:prstGeom prst="rect">
+          <a:avLst/>
+        </a:prstGeom>
+        <a:blipFill>
+          <a:blip xmlns:r="http://schemas.openxmlformats.org/officeDocument/2006/relationships" r:embed="rId1">
+            <a:extLst>
+              <a:ext uri="{28A0092B-C50C-407E-A947-70E740481C1C}">
+                <a14:useLocalDpi xmlns:a14="http://schemas.microsoft.com/office/drawing/2010/main" val="0"/>
+              </a:ext>
+              <a:ext uri="{96DAC541-7B7A-43D3-8B79-37D633B846F1}">
+                <asvg:svgBlip xmlns:asvg="http://schemas.microsoft.com/office/drawing/2016/SVG/main" r:embed="rId2"/>
+              </a:ext>
+            </a:extLst>
+          </a:blip>
+          <a:stretch>
+            <a:fillRect/>
+          </a:stretch>
+        </a:blipFill>
+        <a:ln w="12700" cap="flat" cmpd="sng" algn="ctr">
+          <a:solidFill>
+            <a:schemeClr val="lt2">
+              <a:hueOff val="0"/>
+              <a:satOff val="0"/>
+              <a:lumOff val="0"/>
+              <a:alphaOff val="0"/>
+            </a:schemeClr>
+          </a:solidFill>
+          <a:prstDash val="solid"/>
+          <a:miter lim="800000"/>
+        </a:ln>
+        <a:effectLst/>
+      </dsp:spPr>
+      <dsp:style>
+        <a:lnRef idx="2">
+          <a:scrgbClr r="0" g="0" b="0"/>
+        </a:lnRef>
+        <a:fillRef idx="1">
+          <a:scrgbClr r="0" g="0" b="0"/>
+        </a:fillRef>
+        <a:effectRef idx="0">
+          <a:scrgbClr r="0" g="0" b="0"/>
+        </a:effectRef>
+        <a:fontRef idx="minor">
+          <a:schemeClr val="lt1"/>
+        </a:fontRef>
+      </dsp:style>
+    </dsp:sp>
+    <dsp:sp modelId="{F9D44F21-AF61-4915-B302-CFFDD12957AD}">
+      <dsp:nvSpPr>
+        <dsp:cNvPr id="0" name=""/>
+        <dsp:cNvSpPr/>
+      </dsp:nvSpPr>
+      <dsp:spPr>
+        <a:xfrm>
+          <a:off x="1087129" y="4418"/>
+          <a:ext cx="5161270" cy="941237"/>
+        </a:xfrm>
+        <a:prstGeom prst="rect">
+          <a:avLst/>
+        </a:prstGeom>
+        <a:noFill/>
+        <a:ln>
+          <a:noFill/>
+        </a:ln>
+        <a:effectLst/>
+      </dsp:spPr>
+      <dsp:style>
+        <a:lnRef idx="0">
+          <a:scrgbClr r="0" g="0" b="0"/>
+        </a:lnRef>
+        <a:fillRef idx="0">
+          <a:scrgbClr r="0" g="0" b="0"/>
+        </a:fillRef>
+        <a:effectRef idx="0">
+          <a:scrgbClr r="0" g="0" b="0"/>
+        </a:effectRef>
+        <a:fontRef idx="minor"/>
+      </dsp:style>
+      <dsp:txBody>
+        <a:bodyPr spcFirstLastPara="0" vert="horz" wrap="square" lIns="99614" tIns="99614" rIns="99614" bIns="99614" numCol="1" spcCol="1270" anchor="ctr" anchorCtr="0">
+          <a:noAutofit/>
+        </a:bodyPr>
+        <a:lstStyle/>
+        <a:p>
+          <a:pPr marL="0" lvl="0" indent="0" algn="l" defTabSz="844550">
+            <a:lnSpc>
+              <a:spcPct val="100000"/>
+            </a:lnSpc>
+            <a:spcBef>
+              <a:spcPct val="0"/>
+            </a:spcBef>
+            <a:spcAft>
+              <a:spcPct val="35000"/>
+            </a:spcAft>
+            <a:buNone/>
+          </a:pPr>
+          <a:r>
+            <a:rPr lang="en-US" sz="1900" kern="1200"/>
+            <a:t>Pull in additional years (pre-2016) to refine model.</a:t>
+          </a:r>
+        </a:p>
+      </dsp:txBody>
+      <dsp:txXfrm>
+        <a:off x="1087129" y="4418"/>
+        <a:ext cx="5161270" cy="941237"/>
+      </dsp:txXfrm>
+    </dsp:sp>
+    <dsp:sp modelId="{DCD70B1B-3486-441A-A26E-6026660203AC}">
+      <dsp:nvSpPr>
+        <dsp:cNvPr id="0" name=""/>
+        <dsp:cNvSpPr/>
+      </dsp:nvSpPr>
+      <dsp:spPr>
+        <a:xfrm>
+          <a:off x="0" y="1180965"/>
+          <a:ext cx="6248400" cy="941237"/>
+        </a:xfrm>
+        <a:prstGeom prst="roundRect">
+          <a:avLst>
+            <a:gd name="adj" fmla="val 10000"/>
+          </a:avLst>
+        </a:prstGeom>
+        <a:solidFill>
+          <a:schemeClr val="dk2">
+            <a:tint val="40000"/>
+            <a:hueOff val="0"/>
+            <a:satOff val="0"/>
+            <a:lumOff val="0"/>
+            <a:alphaOff val="0"/>
+          </a:schemeClr>
+        </a:solidFill>
+        <a:ln>
+          <a:noFill/>
+        </a:ln>
+        <a:effectLst/>
+      </dsp:spPr>
+      <dsp:style>
+        <a:lnRef idx="0">
+          <a:scrgbClr r="0" g="0" b="0"/>
+        </a:lnRef>
+        <a:fillRef idx="1">
+          <a:scrgbClr r="0" g="0" b="0"/>
+        </a:fillRef>
+        <a:effectRef idx="0">
+          <a:scrgbClr r="0" g="0" b="0"/>
+        </a:effectRef>
+        <a:fontRef idx="minor"/>
+      </dsp:style>
+    </dsp:sp>
+    <dsp:sp modelId="{BF599D5D-D5DB-4376-A6E6-745B4356A560}">
+      <dsp:nvSpPr>
+        <dsp:cNvPr id="0" name=""/>
+        <dsp:cNvSpPr/>
+      </dsp:nvSpPr>
+      <dsp:spPr>
+        <a:xfrm>
+          <a:off x="284724" y="1392744"/>
+          <a:ext cx="517680" cy="517680"/>
+        </a:xfrm>
+        <a:prstGeom prst="rect">
+          <a:avLst/>
+        </a:prstGeom>
+        <a:blipFill>
+          <a:blip xmlns:r="http://schemas.openxmlformats.org/officeDocument/2006/relationships" r:embed="rId3">
+            <a:extLst>
+              <a:ext uri="{28A0092B-C50C-407E-A947-70E740481C1C}">
+                <a14:useLocalDpi xmlns:a14="http://schemas.microsoft.com/office/drawing/2010/main" val="0"/>
+              </a:ext>
+              <a:ext uri="{96DAC541-7B7A-43D3-8B79-37D633B846F1}">
+                <asvg:svgBlip xmlns:asvg="http://schemas.microsoft.com/office/drawing/2016/SVG/main" r:embed="rId4"/>
+              </a:ext>
+            </a:extLst>
+          </a:blip>
+          <a:stretch>
+            <a:fillRect/>
+          </a:stretch>
+        </a:blipFill>
+        <a:ln w="12700" cap="flat" cmpd="sng" algn="ctr">
+          <a:solidFill>
+            <a:schemeClr val="lt2">
+              <a:hueOff val="0"/>
+              <a:satOff val="0"/>
+              <a:lumOff val="0"/>
+              <a:alphaOff val="0"/>
+            </a:schemeClr>
+          </a:solidFill>
+          <a:prstDash val="solid"/>
+          <a:miter lim="800000"/>
+        </a:ln>
+        <a:effectLst/>
+      </dsp:spPr>
+      <dsp:style>
+        <a:lnRef idx="2">
+          <a:scrgbClr r="0" g="0" b="0"/>
+        </a:lnRef>
+        <a:fillRef idx="1">
+          <a:scrgbClr r="0" g="0" b="0"/>
+        </a:fillRef>
+        <a:effectRef idx="0">
+          <a:scrgbClr r="0" g="0" b="0"/>
+        </a:effectRef>
+        <a:fontRef idx="minor">
+          <a:schemeClr val="lt1"/>
+        </a:fontRef>
+      </dsp:style>
+    </dsp:sp>
+    <dsp:sp modelId="{63B04A78-E5F2-4114-9B57-7535343F248C}">
+      <dsp:nvSpPr>
+        <dsp:cNvPr id="0" name=""/>
+        <dsp:cNvSpPr/>
+      </dsp:nvSpPr>
+      <dsp:spPr>
+        <a:xfrm>
+          <a:off x="1087129" y="1180965"/>
+          <a:ext cx="5161270" cy="941237"/>
+        </a:xfrm>
+        <a:prstGeom prst="rect">
+          <a:avLst/>
+        </a:prstGeom>
+        <a:noFill/>
+        <a:ln>
+          <a:noFill/>
+        </a:ln>
+        <a:effectLst/>
+      </dsp:spPr>
+      <dsp:style>
+        <a:lnRef idx="0">
+          <a:scrgbClr r="0" g="0" b="0"/>
+        </a:lnRef>
+        <a:fillRef idx="0">
+          <a:scrgbClr r="0" g="0" b="0"/>
+        </a:fillRef>
+        <a:effectRef idx="0">
+          <a:scrgbClr r="0" g="0" b="0"/>
+        </a:effectRef>
+        <a:fontRef idx="minor"/>
+      </dsp:style>
+      <dsp:txBody>
+        <a:bodyPr spcFirstLastPara="0" vert="horz" wrap="square" lIns="99614" tIns="99614" rIns="99614" bIns="99614" numCol="1" spcCol="1270" anchor="ctr" anchorCtr="0">
+          <a:noAutofit/>
+        </a:bodyPr>
+        <a:lstStyle/>
+        <a:p>
+          <a:pPr marL="0" lvl="0" indent="0" algn="l" defTabSz="844550">
+            <a:lnSpc>
+              <a:spcPct val="100000"/>
+            </a:lnSpc>
+            <a:spcBef>
+              <a:spcPct val="0"/>
+            </a:spcBef>
+            <a:spcAft>
+              <a:spcPct val="35000"/>
+            </a:spcAft>
+            <a:buNone/>
+          </a:pPr>
+          <a:r>
+            <a:rPr lang="en-US" sz="1900" kern="1200"/>
+            <a:t>Optimize/recommend first round matchups to improve tournament quality. </a:t>
+          </a:r>
+        </a:p>
+      </dsp:txBody>
+      <dsp:txXfrm>
+        <a:off x="1087129" y="1180965"/>
+        <a:ext cx="5161270" cy="941237"/>
+      </dsp:txXfrm>
+    </dsp:sp>
+    <dsp:sp modelId="{E0771E6C-D58A-45AB-BC13-F5215CDF3986}">
+      <dsp:nvSpPr>
+        <dsp:cNvPr id="0" name=""/>
+        <dsp:cNvSpPr/>
+      </dsp:nvSpPr>
+      <dsp:spPr>
+        <a:xfrm>
+          <a:off x="0" y="2357512"/>
+          <a:ext cx="6248400" cy="941237"/>
+        </a:xfrm>
+        <a:prstGeom prst="roundRect">
+          <a:avLst>
+            <a:gd name="adj" fmla="val 10000"/>
+          </a:avLst>
+        </a:prstGeom>
+        <a:solidFill>
+          <a:schemeClr val="dk2">
+            <a:tint val="40000"/>
+            <a:hueOff val="0"/>
+            <a:satOff val="0"/>
+            <a:lumOff val="0"/>
+            <a:alphaOff val="0"/>
+          </a:schemeClr>
+        </a:solidFill>
+        <a:ln>
+          <a:noFill/>
+        </a:ln>
+        <a:effectLst/>
+      </dsp:spPr>
+      <dsp:style>
+        <a:lnRef idx="0">
+          <a:scrgbClr r="0" g="0" b="0"/>
+        </a:lnRef>
+        <a:fillRef idx="1">
+          <a:scrgbClr r="0" g="0" b="0"/>
+        </a:fillRef>
+        <a:effectRef idx="0">
+          <a:scrgbClr r="0" g="0" b="0"/>
+        </a:effectRef>
+        <a:fontRef idx="minor"/>
+      </dsp:style>
+    </dsp:sp>
+    <dsp:sp modelId="{AE1F9F07-F290-430B-804C-A08867B0EDDE}">
+      <dsp:nvSpPr>
+        <dsp:cNvPr id="0" name=""/>
+        <dsp:cNvSpPr/>
+      </dsp:nvSpPr>
+      <dsp:spPr>
+        <a:xfrm>
+          <a:off x="284724" y="2569291"/>
+          <a:ext cx="517680" cy="517680"/>
+        </a:xfrm>
+        <a:prstGeom prst="rect">
+          <a:avLst/>
+        </a:prstGeom>
+        <a:blipFill>
+          <a:blip xmlns:r="http://schemas.openxmlformats.org/officeDocument/2006/relationships" r:embed="rId5">
+            <a:extLst>
+              <a:ext uri="{96DAC541-7B7A-43D3-8B79-37D633B846F1}">
+                <asvg:svgBlip xmlns:asvg="http://schemas.microsoft.com/office/drawing/2016/SVG/main" r:embed="rId6"/>
+              </a:ext>
+            </a:extLst>
+          </a:blip>
+          <a:srcRect/>
+          <a:stretch>
+            <a:fillRect/>
+          </a:stretch>
+        </a:blipFill>
+        <a:ln w="12700" cap="flat" cmpd="sng" algn="ctr">
+          <a:solidFill>
+            <a:schemeClr val="lt2">
+              <a:hueOff val="0"/>
+              <a:satOff val="0"/>
+              <a:lumOff val="0"/>
+              <a:alphaOff val="0"/>
+            </a:schemeClr>
+          </a:solidFill>
+          <a:prstDash val="solid"/>
+          <a:miter lim="800000"/>
+        </a:ln>
+        <a:effectLst/>
+      </dsp:spPr>
+      <dsp:style>
+        <a:lnRef idx="2">
+          <a:scrgbClr r="0" g="0" b="0"/>
+        </a:lnRef>
+        <a:fillRef idx="1">
+          <a:scrgbClr r="0" g="0" b="0"/>
+        </a:fillRef>
+        <a:effectRef idx="0">
+          <a:scrgbClr r="0" g="0" b="0"/>
+        </a:effectRef>
+        <a:fontRef idx="minor">
+          <a:schemeClr val="lt1"/>
+        </a:fontRef>
+      </dsp:style>
+    </dsp:sp>
+    <dsp:sp modelId="{2E593BC8-3762-4298-90CC-CE8C0A0FB203}">
+      <dsp:nvSpPr>
+        <dsp:cNvPr id="0" name=""/>
+        <dsp:cNvSpPr/>
+      </dsp:nvSpPr>
+      <dsp:spPr>
+        <a:xfrm>
+          <a:off x="1087129" y="2357512"/>
+          <a:ext cx="5161270" cy="941237"/>
+        </a:xfrm>
+        <a:prstGeom prst="rect">
+          <a:avLst/>
+        </a:prstGeom>
+        <a:noFill/>
+        <a:ln>
+          <a:noFill/>
+        </a:ln>
+        <a:effectLst/>
+      </dsp:spPr>
+      <dsp:style>
+        <a:lnRef idx="0">
+          <a:scrgbClr r="0" g="0" b="0"/>
+        </a:lnRef>
+        <a:fillRef idx="0">
+          <a:scrgbClr r="0" g="0" b="0"/>
+        </a:fillRef>
+        <a:effectRef idx="0">
+          <a:scrgbClr r="0" g="0" b="0"/>
+        </a:effectRef>
+        <a:fontRef idx="minor"/>
+      </dsp:style>
+      <dsp:txBody>
+        <a:bodyPr spcFirstLastPara="0" vert="horz" wrap="square" lIns="99614" tIns="99614" rIns="99614" bIns="99614" numCol="1" spcCol="1270" anchor="ctr" anchorCtr="0">
+          <a:noAutofit/>
+        </a:bodyPr>
+        <a:lstStyle/>
+        <a:p>
+          <a:pPr marL="0" lvl="0" indent="0" algn="l" defTabSz="844550">
+            <a:lnSpc>
+              <a:spcPct val="100000"/>
+            </a:lnSpc>
+            <a:spcBef>
+              <a:spcPct val="0"/>
+            </a:spcBef>
+            <a:spcAft>
+              <a:spcPct val="35000"/>
+            </a:spcAft>
+            <a:buNone/>
+          </a:pPr>
+          <a:r>
+            <a:rPr lang="en-US" sz="1900" kern="1200"/>
+            <a:t>Create a bracket that would auto-complete based on the model. </a:t>
+          </a:r>
+        </a:p>
+      </dsp:txBody>
+      <dsp:txXfrm>
+        <a:off x="1087129" y="2357512"/>
+        <a:ext cx="5161270" cy="941237"/>
+      </dsp:txXfrm>
+    </dsp:sp>
+    <dsp:sp modelId="{F900266D-4B41-4B80-AF38-D8698A376B82}">
+      <dsp:nvSpPr>
+        <dsp:cNvPr id="0" name=""/>
+        <dsp:cNvSpPr/>
+      </dsp:nvSpPr>
+      <dsp:spPr>
+        <a:xfrm>
+          <a:off x="0" y="3534059"/>
+          <a:ext cx="6248400" cy="941237"/>
+        </a:xfrm>
+        <a:prstGeom prst="roundRect">
+          <a:avLst>
+            <a:gd name="adj" fmla="val 10000"/>
+          </a:avLst>
+        </a:prstGeom>
+        <a:solidFill>
+          <a:schemeClr val="dk2">
+            <a:tint val="40000"/>
+            <a:hueOff val="0"/>
+            <a:satOff val="0"/>
+            <a:lumOff val="0"/>
+            <a:alphaOff val="0"/>
+          </a:schemeClr>
+        </a:solidFill>
+        <a:ln>
+          <a:noFill/>
+        </a:ln>
+        <a:effectLst/>
+      </dsp:spPr>
+      <dsp:style>
+        <a:lnRef idx="0">
+          <a:scrgbClr r="0" g="0" b="0"/>
+        </a:lnRef>
+        <a:fillRef idx="1">
+          <a:scrgbClr r="0" g="0" b="0"/>
+        </a:fillRef>
+        <a:effectRef idx="0">
+          <a:scrgbClr r="0" g="0" b="0"/>
+        </a:effectRef>
+        <a:fontRef idx="minor"/>
+      </dsp:style>
+    </dsp:sp>
+    <dsp:sp modelId="{327400DB-59EE-460B-8B71-D0396BAD82DE}">
+      <dsp:nvSpPr>
+        <dsp:cNvPr id="0" name=""/>
+        <dsp:cNvSpPr/>
+      </dsp:nvSpPr>
+      <dsp:spPr>
+        <a:xfrm>
+          <a:off x="284724" y="3745838"/>
+          <a:ext cx="517680" cy="517680"/>
+        </a:xfrm>
+        <a:prstGeom prst="rect">
+          <a:avLst/>
+        </a:prstGeom>
+        <a:blipFill>
+          <a:blip xmlns:r="http://schemas.openxmlformats.org/officeDocument/2006/relationships" r:embed="rId7">
+            <a:extLst>
+              <a:ext uri="{96DAC541-7B7A-43D3-8B79-37D633B846F1}">
+                <asvg:svgBlip xmlns:asvg="http://schemas.microsoft.com/office/drawing/2016/SVG/main" r:embed="rId8"/>
+              </a:ext>
+            </a:extLst>
+          </a:blip>
+          <a:srcRect/>
+          <a:stretch>
+            <a:fillRect/>
+          </a:stretch>
+        </a:blipFill>
+        <a:ln w="12700" cap="flat" cmpd="sng" algn="ctr">
+          <a:solidFill>
+            <a:schemeClr val="lt2">
+              <a:hueOff val="0"/>
+              <a:satOff val="0"/>
+              <a:lumOff val="0"/>
+              <a:alphaOff val="0"/>
+            </a:schemeClr>
+          </a:solidFill>
+          <a:prstDash val="solid"/>
+          <a:miter lim="800000"/>
+        </a:ln>
+        <a:effectLst/>
+      </dsp:spPr>
+      <dsp:style>
+        <a:lnRef idx="2">
+          <a:scrgbClr r="0" g="0" b="0"/>
+        </a:lnRef>
+        <a:fillRef idx="1">
+          <a:scrgbClr r="0" g="0" b="0"/>
+        </a:fillRef>
+        <a:effectRef idx="0">
+          <a:scrgbClr r="0" g="0" b="0"/>
+        </a:effectRef>
+        <a:fontRef idx="minor">
+          <a:schemeClr val="lt1"/>
+        </a:fontRef>
+      </dsp:style>
+    </dsp:sp>
+    <dsp:sp modelId="{18125151-C5A6-4C8C-8361-7EF1F3D97A00}">
+      <dsp:nvSpPr>
+        <dsp:cNvPr id="0" name=""/>
+        <dsp:cNvSpPr/>
+      </dsp:nvSpPr>
+      <dsp:spPr>
+        <a:xfrm>
+          <a:off x="1087129" y="3534059"/>
+          <a:ext cx="5161270" cy="941237"/>
+        </a:xfrm>
+        <a:prstGeom prst="rect">
+          <a:avLst/>
+        </a:prstGeom>
+        <a:noFill/>
+        <a:ln>
+          <a:noFill/>
+        </a:ln>
+        <a:effectLst/>
+      </dsp:spPr>
+      <dsp:style>
+        <a:lnRef idx="0">
+          <a:scrgbClr r="0" g="0" b="0"/>
+        </a:lnRef>
+        <a:fillRef idx="0">
+          <a:scrgbClr r="0" g="0" b="0"/>
+        </a:fillRef>
+        <a:effectRef idx="0">
+          <a:scrgbClr r="0" g="0" b="0"/>
+        </a:effectRef>
+        <a:fontRef idx="minor"/>
+      </dsp:style>
+      <dsp:txBody>
+        <a:bodyPr spcFirstLastPara="0" vert="horz" wrap="square" lIns="99614" tIns="99614" rIns="99614" bIns="99614" numCol="1" spcCol="1270" anchor="ctr" anchorCtr="0">
+          <a:noAutofit/>
+        </a:bodyPr>
+        <a:lstStyle/>
+        <a:p>
+          <a:pPr marL="0" lvl="0" indent="0" algn="l" defTabSz="844550">
+            <a:lnSpc>
+              <a:spcPct val="100000"/>
+            </a:lnSpc>
+            <a:spcBef>
+              <a:spcPct val="0"/>
+            </a:spcBef>
+            <a:spcAft>
+              <a:spcPct val="35000"/>
+            </a:spcAft>
+            <a:buNone/>
+          </a:pPr>
+          <a:r>
+            <a:rPr lang="en-US" sz="1900" kern="1200"/>
+            <a:t>Add players to game-by-game data to improve the model.</a:t>
+          </a:r>
+        </a:p>
+      </dsp:txBody>
+      <dsp:txXfrm>
+        <a:off x="1087129" y="3534059"/>
+        <a:ext cx="5161270" cy="941237"/>
+      </dsp:txXfrm>
+    </dsp:sp>
+    <dsp:sp modelId="{BBC7A298-A0C6-4566-B0E2-B841ACB2CA83}">
+      <dsp:nvSpPr>
+        <dsp:cNvPr id="0" name=""/>
+        <dsp:cNvSpPr/>
+      </dsp:nvSpPr>
+      <dsp:spPr>
+        <a:xfrm>
+          <a:off x="0" y="4710606"/>
+          <a:ext cx="6248400" cy="941237"/>
+        </a:xfrm>
+        <a:prstGeom prst="roundRect">
+          <a:avLst>
+            <a:gd name="adj" fmla="val 10000"/>
+          </a:avLst>
+        </a:prstGeom>
+        <a:solidFill>
+          <a:schemeClr val="dk2">
+            <a:tint val="40000"/>
+            <a:hueOff val="0"/>
+            <a:satOff val="0"/>
+            <a:lumOff val="0"/>
+            <a:alphaOff val="0"/>
+          </a:schemeClr>
+        </a:solidFill>
+        <a:ln>
+          <a:noFill/>
+        </a:ln>
+        <a:effectLst/>
+      </dsp:spPr>
+      <dsp:style>
+        <a:lnRef idx="0">
+          <a:scrgbClr r="0" g="0" b="0"/>
+        </a:lnRef>
+        <a:fillRef idx="1">
+          <a:scrgbClr r="0" g="0" b="0"/>
+        </a:fillRef>
+        <a:effectRef idx="0">
+          <a:scrgbClr r="0" g="0" b="0"/>
+        </a:effectRef>
+        <a:fontRef idx="minor"/>
+      </dsp:style>
+    </dsp:sp>
+    <dsp:sp modelId="{ED16C4A8-5214-43D8-8E9E-41C7DDB5A442}">
+      <dsp:nvSpPr>
+        <dsp:cNvPr id="0" name=""/>
+        <dsp:cNvSpPr/>
+      </dsp:nvSpPr>
+      <dsp:spPr>
+        <a:xfrm>
+          <a:off x="284724" y="4922384"/>
+          <a:ext cx="517680" cy="517680"/>
+        </a:xfrm>
+        <a:prstGeom prst="rect">
+          <a:avLst/>
+        </a:prstGeom>
+        <a:blipFill>
+          <a:blip xmlns:r="http://schemas.openxmlformats.org/officeDocument/2006/relationships" r:embed="rId9">
+            <a:extLst>
+              <a:ext uri="{28A0092B-C50C-407E-A947-70E740481C1C}">
+                <a14:useLocalDpi xmlns:a14="http://schemas.microsoft.com/office/drawing/2010/main" val="0"/>
+              </a:ext>
+              <a:ext uri="{96DAC541-7B7A-43D3-8B79-37D633B846F1}">
+                <asvg:svgBlip xmlns:asvg="http://schemas.microsoft.com/office/drawing/2016/SVG/main" r:embed="rId10"/>
+              </a:ext>
+            </a:extLst>
+          </a:blip>
+          <a:stretch>
+            <a:fillRect/>
+          </a:stretch>
+        </a:blipFill>
+        <a:ln w="12700" cap="flat" cmpd="sng" algn="ctr">
+          <a:solidFill>
+            <a:schemeClr val="lt2">
+              <a:hueOff val="0"/>
+              <a:satOff val="0"/>
+              <a:lumOff val="0"/>
+              <a:alphaOff val="0"/>
+            </a:schemeClr>
+          </a:solidFill>
+          <a:prstDash val="solid"/>
+          <a:miter lim="800000"/>
+        </a:ln>
+        <a:effectLst/>
+      </dsp:spPr>
+      <dsp:style>
+        <a:lnRef idx="2">
+          <a:scrgbClr r="0" g="0" b="0"/>
+        </a:lnRef>
+        <a:fillRef idx="1">
+          <a:scrgbClr r="0" g="0" b="0"/>
+        </a:fillRef>
+        <a:effectRef idx="0">
+          <a:scrgbClr r="0" g="0" b="0"/>
+        </a:effectRef>
+        <a:fontRef idx="minor">
+          <a:schemeClr val="lt1"/>
+        </a:fontRef>
+      </dsp:style>
+    </dsp:sp>
+    <dsp:sp modelId="{7215D5D6-DBB1-4EC1-AF49-1D8C424D3F90}">
+      <dsp:nvSpPr>
+        <dsp:cNvPr id="0" name=""/>
+        <dsp:cNvSpPr/>
+      </dsp:nvSpPr>
+      <dsp:spPr>
+        <a:xfrm>
+          <a:off x="1087129" y="4710606"/>
+          <a:ext cx="5161270" cy="941237"/>
+        </a:xfrm>
+        <a:prstGeom prst="rect">
+          <a:avLst/>
+        </a:prstGeom>
+        <a:noFill/>
+        <a:ln>
+          <a:noFill/>
+        </a:ln>
+        <a:effectLst/>
+      </dsp:spPr>
+      <dsp:style>
+        <a:lnRef idx="0">
+          <a:scrgbClr r="0" g="0" b="0"/>
+        </a:lnRef>
+        <a:fillRef idx="0">
+          <a:scrgbClr r="0" g="0" b="0"/>
+        </a:fillRef>
+        <a:effectRef idx="0">
+          <a:scrgbClr r="0" g="0" b="0"/>
+        </a:effectRef>
+        <a:fontRef idx="minor"/>
+      </dsp:style>
+      <dsp:txBody>
+        <a:bodyPr spcFirstLastPara="0" vert="horz" wrap="square" lIns="99614" tIns="99614" rIns="99614" bIns="99614" numCol="1" spcCol="1270" anchor="ctr" anchorCtr="0">
+          <a:noAutofit/>
+        </a:bodyPr>
+        <a:lstStyle/>
+        <a:p>
+          <a:pPr marL="0" lvl="0" indent="0" algn="l" defTabSz="844550">
+            <a:lnSpc>
+              <a:spcPct val="100000"/>
+            </a:lnSpc>
+            <a:spcBef>
+              <a:spcPct val="0"/>
+            </a:spcBef>
+            <a:spcAft>
+              <a:spcPct val="35000"/>
+            </a:spcAft>
+            <a:buNone/>
+          </a:pPr>
+          <a:r>
+            <a:rPr lang="en-US" sz="1900" kern="1200"/>
+            <a:t>Further refine features to reduce model complexity.  </a:t>
+          </a:r>
+        </a:p>
+      </dsp:txBody>
+      <dsp:txXfrm>
+        <a:off x="1087129" y="4710606"/>
+        <a:ext cx="5161270" cy="941237"/>
+      </dsp:txXfrm>
+    </dsp:sp>
+  </dsp:spTree>
+</dsp:drawing>
+</file>
+
+<file path=ppt/diagrams/layout1.xml><?xml version="1.0" encoding="utf-8"?>
+<dgm:layoutDef xmlns:dgm="http://schemas.openxmlformats.org/drawingml/2006/diagram" xmlns:a="http://schemas.openxmlformats.org/drawingml/2006/main" uniqueId="urn:microsoft.com/office/officeart/2018/2/layout/IconVerticalSolidList">
+  <dgm:title val="Icon Vertical Solid List"/>
+  <dgm:desc val="Use to show a series of visuals from top to bottom with Level 1 or Level 1 and Level 2 text grouped in a shape. Works best with icons or small pictures with lengthier descriptions."/>
+  <dgm:catLst>
+    <dgm:cat type="icon" pri="500"/>
+  </dgm:catLst>
+  <dgm:sampData useDef="1">
+    <dgm:dataModel>
+      <dgm:ptLst/>
+      <dgm:bg/>
+      <dgm:whole/>
+    </dgm:dataModel>
+  </dgm:sampData>
+  <dgm:styleData useDef="1">
+    <dgm:dataModel>
+      <dgm:ptLst/>
+      <dgm:bg/>
+      <dgm:whole/>
+    </dgm:dataModel>
+  </dgm:styleData>
+  <dgm:clrData useDef="1">
+    <dgm:dataModel>
+      <dgm:ptLst/>
+      <dgm:bg/>
+      <dgm:whole/>
+    </dgm:dataModel>
+  </dgm:clrData>
+  <dgm:layoutNode name="root">
+    <dgm:varLst>
+      <dgm:dir/>
+      <dgm:resizeHandles val="exact"/>
+    </dgm:varLst>
+    <dgm:choose name="Name0">
+      <dgm:if name="Name1" axis="self" func="var" arg="dir" op="equ" val="norm">
+        <dgm:alg type="lin">
+          <dgm:param type="linDir" val="fromT"/>
+          <dgm:param type="nodeHorzAlign" val="l"/>
+        </dgm:alg>
+      </dgm:if>
+      <dgm:else name="Name2">
+        <dgm:alg type="lin">
+          <dgm:param type="linDir" val="fromT"/>
+          <dgm:param type="nodeHorzAlign" val="r"/>
+        </dgm:alg>
+      </dgm:else>
+    </dgm:choose>
+    <dgm:shape xmlns:r="http://schemas.openxmlformats.org/officeDocument/2006/relationships" r:blip="">
+      <dgm:adjLst/>
+    </dgm:shape>
+    <dgm:presOf/>
+    <dgm:choose name="Name3">
+      <dgm:if name="Name4" axis="ch" ptType="node" func="cnt" op="lte" val="3">
+        <dgm:constrLst>
+          <dgm:constr type="h" for="ch" forName="compNode" refType="h" fact="0.3"/>
+          <dgm:constr type="w" for="ch" forName="compNode" refType="w"/>
+          <dgm:constr type="h" for="ch" forName="sibTrans" refType="h" refFor="ch" refForName="compNode" fact="0.25"/>
+          <dgm:constr type="primFontSz" for="des" forName="parTx" val="25"/>
+          <dgm:constr type="primFontSz" for="des" forName="desTx" refType="primFontSz" refFor="des" refForName="parTx" op="lte" fact="0.75"/>
+          <dgm:constr type="h" for="des" forName="compNode" op="equ"/>
+          <dgm:constr type="h" for="des" forName="bgRect" op="equ"/>
+          <dgm:constr type="h" for="des" forName="iconRect" op="equ"/>
+          <dgm:constr type="w" for="des" forName="iconRect" op="equ"/>
+          <dgm:constr type="h" for="des" forName="spaceRect" op="equ"/>
+          <dgm:constr type="h" for="des" forName="parTx" op="equ"/>
+          <dgm:constr type="h" for="des" forName="desTx" op="equ"/>
+        </dgm:constrLst>
+      </dgm:if>
+      <dgm:if name="Name5" axis="ch" ptType="node" func="cnt" op="lte" val="4">
+        <dgm:constrLst>
+          <dgm:constr type="h" for="ch" forName="compNode" refType="h" fact="0.3"/>
+          <dgm:constr type="w" for="ch" forName="compNode" refType="w"/>
+          <dgm:constr type="h" for="ch" forName="sibTrans" refType="h" refFor="ch" refForName="compNode" fact="0.25"/>
+          <dgm:constr type="primFontSz" for="des" forName="parTx" val="22"/>
+          <dgm:constr type="primFontSz" for="des" forName="desTx" refType="primFontSz" refFor="des" refForName="parTx" op="lte" fact="0.75"/>
+          <dgm:constr type="h" for="des" forName="compNode" op="equ"/>
+          <dgm:constr type="h" for="des" forName="bgRect" op="equ"/>
+          <dgm:constr type="h" for="des" forName="iconRect" op="equ"/>
+          <dgm:constr type="w" for="des" forName="iconRect" op="equ"/>
+          <dgm:constr type="h" for="des" forName="spaceRect" op="equ"/>
+          <dgm:constr type="h" for="des" forName="parTx" op="equ"/>
+          <dgm:constr type="h" for="des" forName="desTx" op="equ"/>
+        </dgm:constrLst>
+      </dgm:if>
+      <dgm:if name="Name6" axis="ch" ptType="node" func="cnt" op="lte" val="6">
+        <dgm:constrLst>
+          <dgm:constr type="h" for="ch" forName="compNode" refType="h" fact="0.3"/>
+          <dgm:constr type="w" for="ch" forName="compNode" refType="w"/>
+          <dgm:constr type="h" for="ch" forName="sibTrans" refType="h" refFor="ch" refForName="compNode" fact="0.25"/>
+          <dgm:constr type="primFontSz" for="des" forName="parTx" val="19"/>
+          <dgm:constr type="primFontSz" for="des" forName="desTx" refType="primFontSz" refFor="des" refForName="parTx" op="lte" fact="0.75"/>
+          <dgm:constr type="h" for="des" forName="compNode" op="equ"/>
+          <dgm:constr type="h" for="des" forName="bgRect" op="equ"/>
+          <dgm:constr type="h" for="des" forName="iconRect" op="equ"/>
+          <dgm:constr type="w" for="des" forName="iconRect" op="equ"/>
+          <dgm:constr type="h" for="des" forName="spaceRect" op="equ"/>
+          <dgm:constr type="h" for="des" forName="parTx" op="equ"/>
+          <dgm:constr type="h" for="des" forName="desTx" op="equ"/>
+        </dgm:constrLst>
+      </dgm:if>
+      <dgm:else name="Name7">
+        <dgm:constrLst>
+          <dgm:constr type="h" for="ch" forName="compNode" refType="h" fact="0.3"/>
+          <dgm:constr type="w" for="ch" forName="compNode" refType="w"/>
+          <dgm:constr type="h" for="ch" forName="sibTrans" refType="h" refFor="ch" refForName="compNode" fact="0.25"/>
+          <dgm:constr type="primFontSz" for="des" forName="parTx" val="16"/>
+          <dgm:constr type="primFontSz" for="des" forName="desTx" refType="primFontSz" refFor="des" refForName="parTx" op="lte" fact="0.75"/>
+          <dgm:constr type="h" for="des" forName="compNode" op="equ"/>
+          <dgm:constr type="h" for="des" forName="bgRect" op="equ"/>
+          <dgm:constr type="h" for="des" forName="iconRect" op="equ"/>
+          <dgm:constr type="w" for="des" forName="iconRect" op="equ"/>
+          <dgm:constr type="h" for="des" forName="spaceRect" op="equ"/>
+          <dgm:constr type="h" for="des" forName="parTx" op="equ"/>
+          <dgm:constr type="h" for="des" forName="desTx" op="equ"/>
+        </dgm:constrLst>
+      </dgm:else>
+    </dgm:choose>
+    <dgm:ruleLst>
+      <dgm:rule type="h" for="ch" forName="compNode" val="0" fact="NaN" max="NaN"/>
+    </dgm:ruleLst>
+    <dgm:forEach name="Name8" axis="ch" ptType="node">
+      <dgm:layoutNode name="compNode">
+        <dgm:alg type="composite"/>
+        <dgm:shape xmlns:r="http://schemas.openxmlformats.org/officeDocument/2006/relationships" r:blip="">
+          <dgm:adjLst/>
+        </dgm:shape>
+        <dgm:presOf axis="self"/>
+        <dgm:choose name="Name9">
+          <dgm:if name="Name10" axis="ch" ptType="node" func="cnt" op="gte" val="1">
+            <dgm:constrLst>
+              <dgm:constr type="w" for="ch" forName="bgRect" refType="w"/>
+              <dgm:constr type="h" for="ch" forName="bgRect" refType="h"/>
+              <dgm:constr type="l" for="ch" forName="bgRect"/>
+              <dgm:constr type="t" for="ch" forName="bgRect"/>
+              <dgm:constr type="h" for="ch" forName="iconRect" refType="h" fact="0.55"/>
+              <dgm:constr type="w" for="ch" forName="iconRect" refType="h" refFor="ch" refForName="iconRect"/>
+              <dgm:constr type="l" for="ch" forName="iconRect" refType="h" refFor="ch" refForName="iconRect" fact="0.55"/>
+              <dgm:constr type="ctrY" for="ch" forName="iconRect" refType="ctrY" refFor="ch" refForName="bgRect"/>
+              <dgm:constr type="w" for="ch" forName="spaceRect" refType="l" refFor="ch" refForName="iconRect"/>
+              <dgm:constr type="h" for="ch" forName="spaceRect" refType="h"/>
+              <dgm:constr type="l" for="ch" forName="spaceRect" refType="r" refFor="ch" refForName="iconRect"/>
+              <dgm:constr type="t" for="ch" forName="spaceRect"/>
+              <dgm:constr type="w" for="ch" forName="parTx" refType="w" fact="0.45"/>
+              <dgm:constr type="h" for="ch" forName="parTx" refType="h"/>
+              <dgm:constr type="l" for="ch" forName="parTx" refType="r" refFor="ch" refForName="spaceRect"/>
+              <dgm:constr type="t" for="ch" forName="parTx"/>
+              <dgm:constr type="h" for="ch" forName="desTx" refType="h"/>
+              <dgm:constr type="l" for="ch" forName="desTx" refType="r" refFor="ch" refForName="parTx"/>
+              <dgm:constr type="t" for="ch" forName="desTx"/>
+            </dgm:constrLst>
+          </dgm:if>
+          <dgm:else name="Name11">
+            <dgm:constrLst>
+              <dgm:constr type="w" for="ch" forName="bgRect" refType="w"/>
+              <dgm:constr type="h" for="ch" forName="bgRect" refType="h"/>
+              <dgm:constr type="l" for="ch" forName="bgRect"/>
+              <dgm:constr type="t" for="ch" forName="bgRect"/>
+              <dgm:constr type="h" for="ch" forName="iconRect" refType="h" fact="0.55"/>
+              <dgm:constr type="w" for="ch" forName="iconRect" refType="h" refFor="ch" refForName="iconRect"/>
+              <dgm:constr type="l" for="ch" forName="iconRect" refType="h" refFor="ch" refForName="iconRect" fact="0.55"/>
+              <dgm:constr type="ctrY" for="ch" forName="iconRect" refType="ctrY" refFor="ch" refForName="bgRect"/>
+              <dgm:constr type="w" for="ch" forName="spaceRect" refType="l" refFor="ch" refForName="iconRect"/>
+              <dgm:constr type="h" for="ch" forName="spaceRect" refType="h"/>
+              <dgm:constr type="l" for="ch" forName="spaceRect" refType="r" refFor="ch" refForName="iconRect"/>
+              <dgm:constr type="t" for="ch" forName="spaceRect"/>
+              <dgm:constr type="h" for="ch" forName="parTx" refType="h"/>
+              <dgm:constr type="l" for="ch" forName="parTx" refType="r" refFor="ch" refForName="spaceRect"/>
+              <dgm:constr type="t" for="ch" forName="parTx"/>
+            </dgm:constrLst>
+          </dgm:else>
+        </dgm:choose>
+        <dgm:ruleLst>
+          <dgm:rule type="h" val="INF" fact="NaN" max="NaN"/>
+        </dgm:ruleLst>
+        <dgm:layoutNode name="bgRect" styleLbl="bgShp">
+          <dgm:alg type="sp"/>
+          <dgm:shape xmlns:r="http://schemas.openxmlformats.org/officeDocument/2006/relationships" type="roundRect" r:blip="">
+            <dgm:adjLst>
+              <dgm:adj idx="1" val="0.1"/>
+            </dgm:adjLst>
+          </dgm:shape>
+          <dgm:presOf/>
+          <dgm:constrLst/>
+          <dgm:ruleLst/>
+        </dgm:layoutNode>
+        <dgm:layoutNode name="iconRect" styleLbl="node1">
+          <dgm:alg type="sp"/>
+          <dgm:shape xmlns:r="http://schemas.openxmlformats.org/officeDocument/2006/relationships" type="rect" r:blip="" blipPhldr="1">
+            <dgm:adjLst/>
+          </dgm:shape>
+          <dgm:presOf/>
+          <dgm:constrLst/>
+          <dgm:ruleLst/>
+        </dgm:layoutNode>
+        <dgm:layoutNode name="spaceRect">
+          <dgm:alg type="sp"/>
+          <dgm:shape xmlns:r="http://schemas.openxmlformats.org/officeDocument/2006/relationships" r:blip="">
+            <dgm:adjLst/>
+          </dgm:shape>
+          <dgm:presOf/>
+          <dgm:constrLst/>
+          <dgm:ruleLst/>
+        </dgm:layoutNode>
+        <dgm:layoutNode name="parTx" styleLbl="revTx">
+          <dgm:varLst>
+            <dgm:chMax val="0"/>
+            <dgm:chPref val="0"/>
+          </dgm:varLst>
+          <dgm:alg type="tx">
+            <dgm:param type="txAnchorVert" val="mid"/>
+            <dgm:param type="parTxLTRAlign" val="l"/>
+            <dgm:param type="shpTxLTRAlignCh" val="l"/>
+            <dgm:param type="parTxRTLAlign" val="r"/>
+            <dgm:param type="shpTxRTLAlignCh" val="r"/>
+          </dgm:alg>
+          <dgm:shape xmlns:r="http://schemas.openxmlformats.org/officeDocument/2006/relationships" type="rect" r:blip="">
+            <dgm:adjLst/>
+          </dgm:shape>
+          <dgm:presOf axis="self" ptType="node"/>
+          <dgm:constrLst>
+            <dgm:constr type="lMarg" refType="h" fact="0.3"/>
+            <dgm:constr type="rMarg" refType="h" fact="0.3"/>
+            <dgm:constr type="tMarg" refType="h" fact="0.3"/>
+            <dgm:constr type="bMarg" refType="h" fact="0.3"/>
+          </dgm:constrLst>
+          <dgm:ruleLst>
+            <dgm:rule type="primFontSz" val="14" fact="NaN" max="NaN"/>
+            <dgm:rule type="h" val="INF" fact="NaN" max="NaN"/>
+          </dgm:ruleLst>
+        </dgm:layoutNode>
+        <dgm:choose name="Name12">
+          <dgm:if name="Name13" axis="ch" ptType="node" func="cnt" op="gte" val="1">
+            <dgm:layoutNode name="desTx" styleLbl="revTx">
+              <dgm:varLst/>
+              <dgm:alg type="tx">
+                <dgm:param type="txAnchorVertCh" val="mid"/>
+                <dgm:param type="parTxLTRAlign" val="l"/>
+                <dgm:param type="shpTxLTRAlignCh" val="l"/>
+                <dgm:param type="parTxRTLAlign" val="r"/>
+                <dgm:param type="shpTxRTLAlignCh" val="r"/>
+                <dgm:param type="stBulletLvl" val="0"/>
+              </dgm:alg>
+              <dgm:shape xmlns:r="http://schemas.openxmlformats.org/officeDocument/2006/relationships" type="rect" r:blip="">
+                <dgm:adjLst/>
+              </dgm:shape>
+              <dgm:presOf axis="des" ptType="node"/>
+              <dgm:constrLst>
+                <dgm:constr type="primFontSz" val="18"/>
+                <dgm:constr type="secFontSz" refType="primFontSz"/>
+                <dgm:constr type="lMarg" refType="h" fact="0.3"/>
+                <dgm:constr type="rMarg" refType="h" fact="0.3"/>
+                <dgm:constr type="tMarg" refType="h" fact="0.3"/>
+                <dgm:constr type="bMarg" refType="h" fact="0.3"/>
+              </dgm:constrLst>
+              <dgm:ruleLst>
+                <dgm:rule type="primFontSz" val="11" fact="NaN" max="NaN"/>
+              </dgm:ruleLst>
+            </dgm:layoutNode>
+          </dgm:if>
+          <dgm:else name="Name14"/>
+        </dgm:choose>
+      </dgm:layoutNode>
+      <dgm:forEach name="Name15" axis="followSib" ptType="sibTrans" cnt="1">
+        <dgm:layoutNode name="sibTrans">
+          <dgm:alg type="sp"/>
+          <dgm:shape xmlns:r="http://schemas.openxmlformats.org/officeDocument/2006/relationships" r:blip="">
+            <dgm:adjLst/>
+          </dgm:shape>
+          <dgm:presOf axis="self"/>
+          <dgm:constrLst/>
+          <dgm:ruleLst/>
+        </dgm:layoutNode>
+      </dgm:forEach>
+    </dgm:forEach>
+  </dgm:layoutNode>
+  <dgm:extLst>
+    <a:ext uri="{68A01E43-0DF5-4B5B-8FA6-DAF915123BFB}">
+      <dgm1612:lstStyle xmlns:dgm1612="http://schemas.microsoft.com/office/drawing/2016/12/diagram">
+        <a:lvl1pPr>
+          <a:lnSpc>
+            <a:spcPct val="100000"/>
+          </a:lnSpc>
+        </a:lvl1pPr>
+        <a:lvl2pPr>
+          <a:lnSpc>
+            <a:spcPct val="100000"/>
+          </a:lnSpc>
+        </a:lvl2pPr>
+      </dgm1612:lstStyle>
+    </a:ext>
+  </dgm:extLst>
+</dgm:layoutDef>
+</file>
+
+<file path=ppt/diagrams/quickStyle1.xml><?xml version="1.0" encoding="utf-8"?>
+<dgm:styleDef xmlns:dgm="http://schemas.openxmlformats.org/drawingml/2006/diagram" xmlns:a="http://schemas.openxmlformats.org/drawingml/2006/main" uniqueId="urn:microsoft.com/office/officeart/2005/8/quickstyle/simple1">
+  <dgm:title val=""/>
+  <dgm:desc val=""/>
+  <dgm:catLst>
+    <dgm:cat type="simple" pri="10100"/>
+  </dgm:catLst>
+  <dgm:scene3d>
+    <a:camera prst="orthographicFront"/>
+    <a:lightRig rig="threePt" dir="t"/>
+  </dgm:scene3d>
+  <dgm:styleLbl name="node0">
+    <dgm:scene3d>
+      <a:camera prst="orthographicFront"/>
+      <a:lightRig rig="threePt" dir="t"/>
+    </dgm:scene3d>
+    <dgm:sp3d/>
+    <dgm:txPr/>
+    <dgm:style>
+      <a:lnRef idx="2">
+        <a:scrgbClr r="0" g="0" b="0"/>
+      </a:lnRef>
+      <a:fillRef idx="1">
+        <a:scrgbClr r="0" g="0" b="0"/>
+      </a:fillRef>
+      <a:effectRef idx="0">
+        <a:scrgbClr r="0" g="0" b="0"/>
+      </a:effectRef>
+      <a:fontRef idx="minor">
+        <a:schemeClr val="lt1"/>
+      </a:fontRef>
+    </dgm:style>
+  </dgm:styleLbl>
+  <dgm:styleLbl name="lnNode1">
+    <dgm:scene3d>
+      <a:camera prst="orthographicFront"/>
+      <a:lightRig rig="threePt" dir="t"/>
+    </dgm:scene3d>
+    <dgm:sp3d/>
+    <dgm:txPr/>
+    <dgm:style>
+      <a:lnRef idx="2">
+        <a:scrgbClr r="0" g="0" b="0"/>
+      </a:lnRef>
+      <a:fillRef idx="1">
+        <a:scrgbClr r="0" g="0" b="0"/>
+      </a:fillRef>
+      <a:effectRef idx="0">
+        <a:scrgbClr r="0" g="0" b="0"/>
+      </a:effectRef>
+      <a:fontRef idx="minor">
+        <a:schemeClr val="lt1"/>
+      </a:fontRef>
+    </dgm:style>
+  </dgm:styleLbl>
+  <dgm:styleLbl name="vennNode1">
+    <dgm:scene3d>
+      <a:camera prst="orthographicFront"/>
+      <a:lightRig rig="threePt" dir="t"/>
+    </dgm:scene3d>
+    <dgm:sp3d/>
+    <dgm:txPr/>
+    <dgm:style>
+      <a:lnRef idx="2">
+        <a:scrgbClr r="0" g="0" b="0"/>
+      </a:lnRef>
+      <a:fillRef idx="1">
+        <a:scrgbClr r="0" g="0" b="0"/>
+      </a:fillRef>
+      <a:effectRef idx="0">
+        <a:scrgbClr r="0" g="0" b="0"/>
+      </a:effectRef>
+      <a:fontRef idx="minor">
+        <a:schemeClr val="tx1"/>
+      </a:fontRef>
+    </dgm:style>
+  </dgm:styleLbl>
+  <dgm:styleLbl name="alignNode1">
+    <dgm:scene3d>
+      <a:camera prst="orthographicFront"/>
+      <a:lightRig rig="threePt" dir="t"/>
+    </dgm:scene3d>
+    <dgm:sp3d/>
+    <dgm:txPr/>
+    <dgm:style>
+      <a:lnRef idx="2">
+        <a:scrgbClr r="0" g="0" b="0"/>
+      </a:lnRef>
+      <a:fillRef idx="1">
+        <a:scrgbClr r="0" g="0" b="0"/>
+      </a:fillRef>
+      <a:effectRef idx="0">
+        <a:scrgbClr r="0" g="0" b="0"/>
+      </a:effectRef>
+      <a:fontRef idx="minor">
+        <a:schemeClr val="lt1"/>
+      </a:fontRef>
+    </dgm:style>
+  </dgm:styleLbl>
+  <dgm:styleLbl name="node1">
+    <dgm:scene3d>
+      <a:camera prst="orthographicFront"/>
+      <a:lightRig rig="threePt" dir="t"/>
+    </dgm:scene3d>
+    <dgm:sp3d/>
+    <dgm:txPr/>
+    <dgm:style>
+      <a:lnRef idx="2">
+        <a:scrgbClr r="0" g="0" b="0"/>
+      </a:lnRef>
+      <a:fillRef idx="1">
+        <a:scrgbClr r="0" g="0" b="0"/>
+      </a:fillRef>
+      <a:effectRef idx="0">
+        <a:scrgbClr r="0" g="0" b="0"/>
+      </a:effectRef>
+      <a:fontRef idx="minor">
+        <a:schemeClr val="lt1"/>
+      </a:fontRef>
+    </dgm:style>
+  </dgm:styleLbl>
+  <dgm:styleLbl name="node2">
+    <dgm:scene3d>
+      <a:camera prst="orthographicFront"/>
+      <a:lightRig rig="threePt" dir="t"/>
+    </dgm:scene3d>
+    <dgm:sp3d/>
+    <dgm:txPr/>
+    <dgm:style>
+      <a:lnRef idx="2">
+        <a:scrgbClr r="0" g="0" b="0"/>
+      </a:lnRef>
+      <a:fillRef idx="1">
+        <a:scrgbClr r="0" g="0" b="0"/>
+      </a:fillRef>
+      <a:effectRef idx="0">
+        <a:scrgbClr r="0" g="0" b="0"/>
+      </a:effectRef>
+      <a:fontRef idx="minor">
+        <a:schemeClr val="lt1"/>
+      </a:fontRef>
+    </dgm:style>
+  </dgm:styleLbl>
+  <dgm:styleLbl name="node3">
+    <dgm:scene3d>
+      <a:camera prst="orthographicFront"/>
+      <a:lightRig rig="threePt" dir="t"/>
+    </dgm:scene3d>
+    <dgm:sp3d/>
+    <dgm:txPr/>
+    <dgm:style>
+      <a:lnRef idx="2">
+        <a:scrgbClr r="0" g="0" b="0"/>
+      </a:lnRef>
+      <a:fillRef idx="1">
+        <a:scrgbClr r="0" g="0" b="0"/>
+      </a:fillRef>
+      <a:effectRef idx="0">
+        <a:scrgbClr r="0" g="0" b="0"/>
+      </a:effectRef>
+      <a:fontRef idx="minor">
+        <a:schemeClr val="lt1"/>
+      </a:fontRef>
+    </dgm:style>
+  </dgm:styleLbl>
+  <dgm:styleLbl name="node4">
+    <dgm:scene3d>
+      <a:camera prst="orthographicFront"/>
+      <a:lightRig rig="threePt" dir="t"/>
+    </dgm:scene3d>
+    <dgm:sp3d/>
+    <dgm:txPr/>
+    <dgm:style>
+      <a:lnRef idx="2">
+        <a:scrgbClr r="0" g="0" b="0"/>
+      </a:lnRef>
+      <a:fillRef idx="1">
+        <a:scrgbClr r="0" g="0" b="0"/>
+      </a:fillRef>
+      <a:effectRef idx="0">
+        <a:scrgbClr r="0" g="0" b="0"/>
+      </a:effectRef>
+      <a:fontRef idx="minor">
+        <a:schemeClr val="lt1"/>
+      </a:fontRef>
+    </dgm:style>
+  </dgm:styleLbl>
+  <dgm:styleLbl name="fgImgPlace1">
+    <dgm:scene3d>
+      <a:camera prst="orthographicFront"/>
+      <a:lightRig rig="threePt" dir="t"/>
+    </dgm:scene3d>
+    <dgm:sp3d/>
+    <dgm:txPr/>
+    <dgm:style>
+      <a:lnRef idx="2">
+        <a:scrgbClr r="0" g="0" b="0"/>
+      </a:lnRef>
+      <a:fillRef idx="1">
+        <a:scrgbClr r="0" g="0" b="0"/>
+      </a:fillRef>
+      <a:effectRef idx="0">
+        <a:scrgbClr r="0" g="0" b="0"/>
+      </a:effectRef>
+      <a:fontRef idx="minor"/>
+    </dgm:style>
+  </dgm:styleLbl>
+  <dgm:styleLbl name="alignImgPlace1">
+    <dgm:scene3d>
+      <a:camera prst="orthographicFront"/>
+      <a:lightRig rig="threePt" dir="t"/>
+    </dgm:scene3d>
+    <dgm:sp3d/>
+    <dgm:txPr/>
+    <dgm:style>
+      <a:lnRef idx="2">
+        <a:scrgbClr r="0" g="0" b="0"/>
+      </a:lnRef>
+      <a:fillRef idx="1">
+        <a:scrgbClr r="0" g="0" b="0"/>
+      </a:fillRef>
+      <a:effectRef idx="0">
+        <a:scrgbClr r="0" g="0" b="0"/>
+      </a:effectRef>
+      <a:fontRef idx="minor"/>
+    </dgm:style>
+  </dgm:styleLbl>
+  <dgm:styleLbl name="bgImgPlace1">
+    <dgm:scene3d>
+      <a:camera prst="orthographicFront"/>
+      <a:lightRig rig="threePt" dir="t"/>
+    </dgm:scene3d>
+    <dgm:sp3d/>
+    <dgm:txPr/>
+    <dgm:style>
+      <a:lnRef idx="2">
+        <a:scrgbClr r="0" g="0" b="0"/>
+      </a:lnRef>
+      <a:fillRef idx="1">
+        <a:scrgbClr r="0" g="0" b="0"/>
+      </a:fillRef>
+      <a:effectRef idx="0">
+        <a:scrgbClr r="0" g="0" b="0"/>
+      </a:effectRef>
+      <a:fontRef idx="minor"/>
+    </dgm:style>
+  </dgm:styleLbl>
+  <dgm:styleLbl name="sibTrans2D1">
+    <dgm:scene3d>
+      <a:camera prst="orthographicFront"/>
+      <a:lightRig rig="threePt" dir="t"/>
+    </dgm:scene3d>
+    <dgm:sp3d/>
+    <dgm:txPr/>
+    <dgm:style>
+      <a:lnRef idx="0">
+        <a:scrgbClr r="0" g="0" b="0"/>
+      </a:lnRef>
+      <a:fillRef idx="1">
+        <a:scrgbClr r="0" g="0" b="0"/>
+      </a:fillRef>
+      <a:effectRef idx="0">
+        <a:scrgbClr r="0" g="0" b="0"/>
+      </a:effectRef>
+      <a:fontRef idx="minor">
+        <a:schemeClr val="lt1"/>
+      </a:fontRef>
+    </dgm:style>
+  </dgm:styleLbl>
+  <dgm:styleLbl name="fgSibTrans2D1">
+    <dgm:scene3d>
+      <a:camera prst="orthographicFront"/>
+      <a:lightRig rig="threePt" dir="t"/>
+    </dgm:scene3d>
+    <dgm:sp3d/>
+    <dgm:txPr/>
+    <dgm:style>
+      <a:lnRef idx="0">
+        <a:scrgbClr r="0" g="0" b="0"/>
+      </a:lnRef>
+      <a:fillRef idx="1">
+        <a:scrgbClr r="0" g="0" b="0"/>
+      </a:fillRef>
+      <a:effectRef idx="0">
+        <a:scrgbClr r="0" g="0" b="0"/>
+      </a:effectRef>
+      <a:fontRef idx="minor">
+        <a:schemeClr val="lt1"/>
+      </a:fontRef>
+    </dgm:style>
+  </dgm:styleLbl>
+  <dgm:styleLbl name="bgSibTrans2D1">
+    <dgm:scene3d>
+      <a:camera prst="orthographicFront"/>
+      <a:lightRig rig="threePt" dir="t"/>
+    </dgm:scene3d>
+    <dgm:sp3d/>
+    <dgm:txPr/>
+    <dgm:style>
+      <a:lnRef idx="0">
+        <a:scrgbClr r="0" g="0" b="0"/>
+      </a:lnRef>
+      <a:fillRef idx="1">
+        <a:scrgbClr r="0" g="0" b="0"/>
+      </a:fillRef>
+      <a:effectRef idx="0">
+        <a:scrgbClr r="0" g="0" b="0"/>
+      </a:effectRef>
+      <a:fontRef idx="minor">
+        <a:schemeClr val="lt1"/>
+      </a:fontRef>
+    </dgm:style>
+  </dgm:styleLbl>
+  <dgm:styleLbl name="sibTrans1D1">
+    <dgm:scene3d>
+      <a:camera prst="orthographicFront"/>
+      <a:lightRig rig="threePt" dir="t"/>
+    </dgm:scene3d>
+    <dgm:sp3d/>
+    <dgm:txPr/>
+    <dgm:style>
+      <a:lnRef idx="1">
+        <a:scrgbClr r="0" g="0" b="0"/>
+      </a:lnRef>
+      <a:fillRef idx="0">
+        <a:scrgbClr r="0" g="0" b="0"/>
+      </a:fillRef>
+      <a:effectRef idx="0">
+        <a:scrgbClr r="0" g="0" b="0"/>
+      </a:effectRef>
+      <a:fontRef idx="minor"/>
+    </dgm:style>
+  </dgm:styleLbl>
+  <dgm:styleLbl name="callout">
+    <dgm:scene3d>
+      <a:camera prst="orthographicFront"/>
+      <a:lightRig rig="threePt" dir="t"/>
+    </dgm:scene3d>
+    <dgm:sp3d/>
+    <dgm:txPr/>
+    <dgm:style>
+      <a:lnRef idx="2">
+        <a:scrgbClr r="0" g="0" b="0"/>
+      </a:lnRef>
+      <a:fillRef idx="1">
+        <a:scrgbClr r="0" g="0" b="0"/>
+      </a:fillRef>
+      <a:effectRef idx="0">
+        <a:scrgbClr r="0" g="0" b="0"/>
+      </a:effectRef>
+      <a:fontRef idx="minor"/>
+    </dgm:style>
+  </dgm:styleLbl>
+  <dgm:styleLbl name="asst0">
+    <dgm:scene3d>
+      <a:camera prst="orthographicFront"/>
+      <a:lightRig rig="threePt" dir="t"/>
+    </dgm:scene3d>
+    <dgm:sp3d/>
+    <dgm:txPr/>
+    <dgm:style>
+      <a:lnRef idx="2">
+        <a:scrgbClr r="0" g="0" b="0"/>
+      </a:lnRef>
+      <a:fillRef idx="1">
+        <a:scrgbClr r="0" g="0" b="0"/>
+      </a:fillRef>
+      <a:effectRef idx="0">
+        <a:scrgbClr r="0" g="0" b="0"/>
+      </a:effectRef>
+      <a:fontRef idx="minor">
+        <a:schemeClr val="lt1"/>
+      </a:fontRef>
+    </dgm:style>
+  </dgm:styleLbl>
+  <dgm:styleLbl name="asst1">
+    <dgm:scene3d>
+      <a:camera prst="orthographicFront"/>
+      <a:lightRig rig="threePt" dir="t"/>
+    </dgm:scene3d>
+    <dgm:sp3d/>
+    <dgm:txPr/>
+    <dgm:style>
+      <a:lnRef idx="2">
+        <a:scrgbClr r="0" g="0" b="0"/>
+      </a:lnRef>
+      <a:fillRef idx="1">
+        <a:scrgbClr r="0" g="0" b="0"/>
+      </a:fillRef>
+      <a:effectRef idx="0">
+        <a:scrgbClr r="0" g="0" b="0"/>
+      </a:effectRef>
+      <a:fontRef idx="minor">
+        <a:schemeClr val="lt1"/>
+      </a:fontRef>
+    </dgm:style>
+  </dgm:styleLbl>
+  <dgm:styleLbl name="asst2">
+    <dgm:scene3d>
+      <a:camera prst="orthographicFront"/>
+      <a:lightRig rig="threePt" dir="t"/>
+    </dgm:scene3d>
+    <dgm:sp3d/>
+    <dgm:txPr/>
+    <dgm:style>
+      <a:lnRef idx="2">
+        <a:scrgbClr r="0" g="0" b="0"/>
+      </a:lnRef>
+      <a:fillRef idx="1">
+        <a:scrgbClr r="0" g="0" b="0"/>
+      </a:fillRef>
+      <a:effectRef idx="0">
+        <a:scrgbClr r="0" g="0" b="0"/>
+      </a:effectRef>
+      <a:fontRef idx="minor">
+        <a:schemeClr val="lt1"/>
+      </a:fontRef>
+    </dgm:style>
+  </dgm:styleLbl>
+  <dgm:styleLbl name="asst3">
+    <dgm:scene3d>
+      <a:camera prst="orthographicFront"/>
+      <a:lightRig rig="threePt" dir="t"/>
+    </dgm:scene3d>
+    <dgm:sp3d/>
+    <dgm:txPr/>
+    <dgm:style>
+      <a:lnRef idx="2">
+        <a:scrgbClr r="0" g="0" b="0"/>
+      </a:lnRef>
+      <a:fillRef idx="1">
+        <a:scrgbClr r="0" g="0" b="0"/>
+      </a:fillRef>
+      <a:effectRef idx="0">
+        <a:scrgbClr r="0" g="0" b="0"/>
+      </a:effectRef>
+      <a:fontRef idx="minor">
+        <a:schemeClr val="lt1"/>
+      </a:fontRef>
+    </dgm:style>
+  </dgm:styleLbl>
+  <dgm:styleLbl name="asst4">
+    <dgm:scene3d>
+      <a:camera prst="orthographicFront"/>
+      <a:lightRig rig="threePt" dir="t"/>
+    </dgm:scene3d>
+    <dgm:sp3d/>
+    <dgm:txPr/>
+    <dgm:style>
+      <a:lnRef idx="2">
+        <a:scrgbClr r="0" g="0" b="0"/>
+      </a:lnRef>
+      <a:fillRef idx="1">
+        <a:scrgbClr r="0" g="0" b="0"/>
+      </a:fillRef>
+      <a:effectRef idx="0">
+        <a:scrgbClr r="0" g="0" b="0"/>
+      </a:effectRef>
+      <a:fontRef idx="minor">
+        <a:schemeClr val="lt1"/>
+      </a:fontRef>
+    </dgm:style>
+  </dgm:styleLbl>
+  <dgm:styleLbl name="parChTrans2D1">
+    <dgm:scene3d>
+      <a:camera prst="orthographicFront"/>
+      <a:lightRig rig="threePt" dir="t"/>
+    </dgm:scene3d>
+    <dgm:sp3d/>
+    <dgm:txPr/>
+    <dgm:style>
+      <a:lnRef idx="2">
+        <a:scrgbClr r="0" g="0" b="0"/>
+      </a:lnRef>
+      <a:fillRef idx="1">
+        <a:scrgbClr r="0" g="0" b="0"/>
+      </a:fillRef>
+      <a:effectRef idx="0">
+        <a:scrgbClr r="0" g="0" b="0"/>
+      </a:effectRef>
+      <a:fontRef idx="minor">
+        <a:schemeClr val="lt1"/>
+      </a:fontRef>
+    </dgm:style>
+  </dgm:styleLbl>
+  <dgm:styleLbl name="parChTrans2D2">
+    <dgm:scene3d>
+      <a:camera prst="orthographicFront"/>
+      <a:lightRig rig="threePt" dir="t"/>
+    </dgm:scene3d>
+    <dgm:sp3d/>
+    <dgm:txPr/>
+    <dgm:style>
+      <a:lnRef idx="2">
+        <a:scrgbClr r="0" g="0" b="0"/>
+      </a:lnRef>
+      <a:fillRef idx="1">
+        <a:scrgbClr r="0" g="0" b="0"/>
+      </a:fillRef>
+      <a:effectRef idx="0">
+        <a:scrgbClr r="0" g="0" b="0"/>
+      </a:effectRef>
+      <a:fontRef idx="minor">
+        <a:schemeClr val="lt1"/>
+      </a:fontRef>
+    </dgm:style>
+  </dgm:styleLbl>
+  <dgm:styleLbl name="parChTrans2D3">
+    <dgm:scene3d>
+      <a:camera prst="orthographicFront"/>
+      <a:lightRig rig="threePt" dir="t"/>
+    </dgm:scene3d>
+    <dgm:sp3d/>
+    <dgm:txPr/>
+    <dgm:style>
+      <a:lnRef idx="2">
+        <a:scrgbClr r="0" g="0" b="0"/>
+      </a:lnRef>
+      <a:fillRef idx="1">
+        <a:scrgbClr r="0" g="0" b="0"/>
+      </a:fillRef>
+      <a:effectRef idx="0">
+        <a:scrgbClr r="0" g="0" b="0"/>
+      </a:effectRef>
+      <a:fontRef idx="minor">
+        <a:schemeClr val="lt1"/>
+      </a:fontRef>
+    </dgm:style>
+  </dgm:styleLbl>
+  <dgm:styleLbl name="parChTrans2D4">
+    <dgm:scene3d>
+      <a:camera prst="orthographicFront"/>
+      <a:lightRig rig="threePt" dir="t"/>
+    </dgm:scene3d>
+    <dgm:sp3d/>
+    <dgm:txPr/>
+    <dgm:style>
+      <a:lnRef idx="2">
+        <a:scrgbClr r="0" g="0" b="0"/>
+      </a:lnRef>
+      <a:fillRef idx="1">
+        <a:scrgbClr r="0" g="0" b="0"/>
+      </a:fillRef>
+      <a:effectRef idx="0">
+        <a:scrgbClr r="0" g="0" b="0"/>
+      </a:effectRef>
+      <a:fontRef idx="minor">
+        <a:schemeClr val="lt1"/>
+      </a:fontRef>
+    </dgm:style>
+  </dgm:styleLbl>
+  <dgm:styleLbl name="parChTrans1D1">
+    <dgm:scene3d>
+      <a:camera prst="orthographicFront"/>
+      <a:lightRig rig="threePt" dir="t"/>
+    </dgm:scene3d>
+    <dgm:sp3d/>
+    <dgm:txPr/>
+    <dgm:style>
+      <a:lnRef idx="2">
+        <a:scrgbClr r="0" g="0" b="0"/>
+      </a:lnRef>
+      <a:fillRef idx="0">
+        <a:scrgbClr r="0" g="0" b="0"/>
+      </a:fillRef>
+      <a:effectRef idx="0">
+        <a:scrgbClr r="0" g="0" b="0"/>
+      </a:effectRef>
+      <a:fontRef idx="minor"/>
+    </dgm:style>
+  </dgm:styleLbl>
+  <dgm:styleLbl name="parChTrans1D2">
+    <dgm:scene3d>
+      <a:camera prst="orthographicFront"/>
+      <a:lightRig rig="threePt" dir="t"/>
+    </dgm:scene3d>
+    <dgm:sp3d/>
+    <dgm:txPr/>
+    <dgm:style>
+      <a:lnRef idx="2">
+        <a:scrgbClr r="0" g="0" b="0"/>
+      </a:lnRef>
+      <a:fillRef idx="0">
+        <a:scrgbClr r="0" g="0" b="0"/>
+      </a:fillRef>
+      <a:effectRef idx="0">
+        <a:scrgbClr r="0" g="0" b="0"/>
+      </a:effectRef>
+      <a:fontRef idx="minor"/>
+    </dgm:style>
+  </dgm:styleLbl>
+  <dgm:styleLbl name="parChTrans1D3">
+    <dgm:scene3d>
+      <a:camera prst="orthographicFront"/>
+      <a:lightRig rig="threePt" dir="t"/>
+    </dgm:scene3d>
+    <dgm:sp3d/>
+    <dgm:txPr/>
+    <dgm:style>
+      <a:lnRef idx="2">
+        <a:scrgbClr r="0" g="0" b="0"/>
+      </a:lnRef>
+      <a:fillRef idx="0">
+        <a:scrgbClr r="0" g="0" b="0"/>
+      </a:fillRef>
+      <a:effectRef idx="0">
+        <a:scrgbClr r="0" g="0" b="0"/>
+      </a:effectRef>
+      <a:fontRef idx="minor"/>
+    </dgm:style>
+  </dgm:styleLbl>
+  <dgm:styleLbl name="parChTrans1D4">
+    <dgm:scene3d>
+      <a:camera prst="orthographicFront"/>
+      <a:lightRig rig="threePt" dir="t"/>
+    </dgm:scene3d>
+    <dgm:sp3d/>
+    <dgm:txPr/>
+    <dgm:style>
+      <a:lnRef idx="2">
+        <a:scrgbClr r="0" g="0" b="0"/>
+      </a:lnRef>
+      <a:fillRef idx="0">
+        <a:scrgbClr r="0" g="0" b="0"/>
+      </a:fillRef>
+      <a:effectRef idx="0">
+        <a:scrgbClr r="0" g="0" b="0"/>
+      </a:effectRef>
+      <a:fontRef idx="minor"/>
+    </dgm:style>
+  </dgm:styleLbl>
+  <dgm:styleLbl name="fgAcc1">
+    <dgm:scene3d>
+      <a:camera prst="orthographicFront"/>
+      <a:lightRig rig="threePt" dir="t"/>
+    </dgm:scene3d>
+    <dgm:sp3d/>
+    <dgm:txPr/>
+    <dgm:style>
+      <a:lnRef idx="2">
+        <a:scrgbClr r="0" g="0" b="0"/>
+      </a:lnRef>
+      <a:fillRef idx="1">
+        <a:scrgbClr r="0" g="0" b="0"/>
+      </a:fillRef>
+      <a:effectRef idx="0">
+        <a:scrgbClr r="0" g="0" b="0"/>
+      </a:effectRef>
+      <a:fontRef idx="minor"/>
+    </dgm:style>
+  </dgm:styleLbl>
+  <dgm:styleLbl name="conFgAcc1">
+    <dgm:scene3d>
+      <a:camera prst="orthographicFront"/>
+      <a:lightRig rig="threePt" dir="t"/>
+    </dgm:scene3d>
+    <dgm:sp3d/>
+    <dgm:txPr/>
+    <dgm:style>
+      <a:lnRef idx="2">
+        <a:scrgbClr r="0" g="0" b="0"/>
+      </a:lnRef>
+      <a:fillRef idx="1">
+        <a:scrgbClr r="0" g="0" b="0"/>
+      </a:fillRef>
+      <a:effectRef idx="0">
+        <a:scrgbClr r="0" g="0" b="0"/>
+      </a:effectRef>
+      <a:fontRef idx="minor"/>
+    </dgm:style>
+  </dgm:styleLbl>
+  <dgm:styleLbl name="alignAcc1">
+    <dgm:scene3d>
+      <a:camera prst="orthographicFront"/>
+      <a:lightRig rig="threePt" dir="t"/>
+    </dgm:scene3d>
+    <dgm:sp3d/>
+    <dgm:txPr/>
+    <dgm:style>
+      <a:lnRef idx="2">
+        <a:scrgbClr r="0" g="0" b="0"/>
+      </a:lnRef>
+      <a:fillRef idx="1">
+        <a:scrgbClr r="0" g="0" b="0"/>
+      </a:fillRef>
+      <a:effectRef idx="0">
+        <a:scrgbClr r="0" g="0" b="0"/>
+      </a:effectRef>
+      <a:fontRef idx="minor"/>
+    </dgm:style>
+  </dgm:styleLbl>
+  <dgm:styleLbl name="trAlignAcc1">
+    <dgm:scene3d>
+      <a:camera prst="orthographicFront"/>
+      <a:lightRig rig="threePt" dir="t"/>
+    </dgm:scene3d>
+    <dgm:sp3d/>
+    <dgm:txPr/>
+    <dgm:style>
+      <a:lnRef idx="1">
+        <a:scrgbClr r="0" g="0" b="0"/>
+      </a:lnRef>
+      <a:fillRef idx="1">
+        <a:scrgbClr r="0" g="0" b="0"/>
+      </a:fillRef>
+      <a:effectRef idx="0">
+        <a:scrgbClr r="0" g="0" b="0"/>
+      </a:effectRef>
+      <a:fontRef idx="minor"/>
+    </dgm:style>
+  </dgm:styleLbl>
+  <dgm:styleLbl name="bgAcc1">
+    <dgm:scene3d>
+      <a:camera prst="orthographicFront"/>
+      <a:lightRig rig="threePt" dir="t"/>
+    </dgm:scene3d>
+    <dgm:sp3d/>
+    <dgm:txPr/>
+    <dgm:style>
+      <a:lnRef idx="2">
+        <a:scrgbClr r="0" g="0" b="0"/>
+      </a:lnRef>
+      <a:fillRef idx="1">
+        <a:scrgbClr r="0" g="0" b="0"/>
+      </a:fillRef>
+      <a:effectRef idx="0">
+        <a:scrgbClr r="0" g="0" b="0"/>
+      </a:effectRef>
+      <a:fontRef idx="minor"/>
+    </dgm:style>
+  </dgm:styleLbl>
+  <dgm:styleLbl name="solidFgAcc1">
+    <dgm:scene3d>
+      <a:camera prst="orthographicFront"/>
+      <a:lightRig rig="threePt" dir="t"/>
+    </dgm:scene3d>
+    <dgm:sp3d/>
+    <dgm:txPr/>
+    <dgm:style>
+      <a:lnRef idx="2">
+        <a:scrgbClr r="0" g="0" b="0"/>
+      </a:lnRef>
+      <a:fillRef idx="1">
+        <a:scrgbClr r="0" g="0" b="0"/>
+      </a:fillRef>
+      <a:effectRef idx="0">
+        <a:scrgbClr r="0" g="0" b="0"/>
+      </a:effectRef>
+      <a:fontRef idx="minor"/>
+    </dgm:style>
+  </dgm:styleLbl>
+  <dgm:styleLbl name="solidAlignAcc1">
+    <dgm:scene3d>
+      <a:camera prst="orthographicFront"/>
+      <a:lightRig rig="threePt" dir="t"/>
+    </dgm:scene3d>
+    <dgm:sp3d/>
+    <dgm:txPr/>
+    <dgm:style>
+      <a:lnRef idx="2">
+        <a:scrgbClr r="0" g="0" b="0"/>
+      </a:lnRef>
+      <a:fillRef idx="1">
+        <a:scrgbClr r="0" g="0" b="0"/>
+      </a:fillRef>
+      <a:effectRef idx="0">
+        <a:scrgbClr r="0" g="0" b="0"/>
+      </a:effectRef>
+      <a:fontRef idx="minor"/>
+    </dgm:style>
+  </dgm:styleLbl>
+  <dgm:styleLbl name="solidBgAcc1">
+    <dgm:scene3d>
+      <a:camera prst="orthographicFront"/>
+      <a:lightRig rig="threePt" dir="t"/>
+    </dgm:scene3d>
+    <dgm:sp3d/>
+    <dgm:txPr/>
+    <dgm:style>
+      <a:lnRef idx="2">
+        <a:scrgbClr r="0" g="0" b="0"/>
+      </a:lnRef>
+      <a:fillRef idx="1">
+        <a:scrgbClr r="0" g="0" b="0"/>
+      </a:fillRef>
+      <a:effectRef idx="0">
+        <a:scrgbClr r="0" g="0" b="0"/>
+      </a:effectRef>
+      <a:fontRef idx="minor"/>
+    </dgm:style>
+  </dgm:styleLbl>
+  <dgm:styleLbl name="fgAccFollowNode1">
+    <dgm:scene3d>
+      <a:camera prst="orthographicFront"/>
+      <a:lightRig rig="threePt" dir="t"/>
+    </dgm:scene3d>
+    <dgm:sp3d/>
+    <dgm:txPr/>
+    <dgm:style>
+      <a:lnRef idx="2">
+        <a:scrgbClr r="0" g="0" b="0"/>
+      </a:lnRef>
+      <a:fillRef idx="1">
+        <a:scrgbClr r="0" g="0" b="0"/>
+      </a:fillRef>
+      <a:effectRef idx="0">
+        <a:scrgbClr r="0" g="0" b="0"/>
+      </a:effectRef>
+      <a:fontRef idx="minor"/>
+    </dgm:style>
+  </dgm:styleLbl>
+  <dgm:styleLbl name="alignAccFollowNode1">
+    <dgm:scene3d>
+      <a:camera prst="orthographicFront"/>
+      <a:lightRig rig="threePt" dir="t"/>
+    </dgm:scene3d>
+    <dgm:sp3d/>
+    <dgm:txPr/>
+    <dgm:style>
+      <a:lnRef idx="2">
+        <a:scrgbClr r="0" g="0" b="0"/>
+      </a:lnRef>
+      <a:fillRef idx="1">
+        <a:scrgbClr r="0" g="0" b="0"/>
+      </a:fillRef>
+      <a:effectRef idx="0">
+        <a:scrgbClr r="0" g="0" b="0"/>
+      </a:effectRef>
+      <a:fontRef idx="minor"/>
+    </dgm:style>
+  </dgm:styleLbl>
+  <dgm:styleLbl name="bgAccFollowNode1">
+    <dgm:scene3d>
+      <a:camera prst="orthographicFront"/>
+      <a:lightRig rig="threePt" dir="t"/>
+    </dgm:scene3d>
+    <dgm:sp3d/>
+    <dgm:txPr/>
+    <dgm:style>
+      <a:lnRef idx="2">
+        <a:scrgbClr r="0" g="0" b="0"/>
+      </a:lnRef>
+      <a:fillRef idx="1">
+        <a:scrgbClr r="0" g="0" b="0"/>
+      </a:fillRef>
+      <a:effectRef idx="0">
+        <a:scrgbClr r="0" g="0" b="0"/>
+      </a:effectRef>
+      <a:fontRef idx="minor"/>
+    </dgm:style>
+  </dgm:styleLbl>
+  <dgm:styleLbl name="fgAcc0">
+    <dgm:scene3d>
+      <a:camera prst="orthographicFront"/>
+      <a:lightRig rig="threePt" dir="t"/>
+    </dgm:scene3d>
+    <dgm:sp3d/>
+    <dgm:txPr/>
+    <dgm:style>
+      <a:lnRef idx="2">
+        <a:scrgbClr r="0" g="0" b="0"/>
+      </a:lnRef>
+      <a:fillRef idx="1">
+        <a:scrgbClr r="0" g="0" b="0"/>
+      </a:fillRef>
+      <a:effectRef idx="0">
+        <a:scrgbClr r="0" g="0" b="0"/>
+      </a:effectRef>
+      <a:fontRef idx="minor"/>
+    </dgm:style>
+  </dgm:styleLbl>
+  <dgm:styleLbl name="fgAcc2">
+    <dgm:scene3d>
+      <a:camera prst="orthographicFront"/>
+      <a:lightRig rig="threePt" dir="t"/>
+    </dgm:scene3d>
+    <dgm:sp3d/>
+    <dgm:txPr/>
+    <dgm:style>
+      <a:lnRef idx="2">
+        <a:scrgbClr r="0" g="0" b="0"/>
+      </a:lnRef>
+      <a:fillRef idx="1">
+        <a:scrgbClr r="0" g="0" b="0"/>
+      </a:fillRef>
+      <a:effectRef idx="0">
+        <a:scrgbClr r="0" g="0" b="0"/>
+      </a:effectRef>
+      <a:fontRef idx="minor"/>
+    </dgm:style>
+  </dgm:styleLbl>
+  <dgm:styleLbl name="fgAcc3">
+    <dgm:scene3d>
+      <a:camera prst="orthographicFront"/>
+      <a:lightRig rig="threePt" dir="t"/>
+    </dgm:scene3d>
+    <dgm:sp3d/>
+    <dgm:txPr/>
+    <dgm:style>
+      <a:lnRef idx="2">
+        <a:scrgbClr r="0" g="0" b="0"/>
+      </a:lnRef>
+      <a:fillRef idx="1">
+        <a:scrgbClr r="0" g="0" b="0"/>
+      </a:fillRef>
+      <a:effectRef idx="0">
+        <a:scrgbClr r="0" g="0" b="0"/>
+      </a:effectRef>
+      <a:fontRef idx="minor"/>
+    </dgm:style>
+  </dgm:styleLbl>
+  <dgm:styleLbl name="fgAcc4">
+    <dgm:scene3d>
+      <a:camera prst="orthographicFront"/>
+      <a:lightRig rig="threePt" dir="t"/>
+    </dgm:scene3d>
+    <dgm:sp3d/>
+    <dgm:txPr/>
+    <dgm:style>
+      <a:lnRef idx="2">
+        <a:scrgbClr r="0" g="0" b="0"/>
+      </a:lnRef>
+      <a:fillRef idx="1">
+        <a:scrgbClr r="0" g="0" b="0"/>
+      </a:fillRef>
+      <a:effectRef idx="0">
+        <a:scrgbClr r="0" g="0" b="0"/>
+      </a:effectRef>
+      <a:fontRef idx="minor"/>
+    </dgm:style>
+  </dgm:styleLbl>
+  <dgm:styleLbl name="bgShp">
+    <dgm:scene3d>
+      <a:camera prst="orthographicFront"/>
+      <a:lightRig rig="threePt" dir="t"/>
+    </dgm:scene3d>
+    <dgm:sp3d/>
+    <dgm:txPr/>
+    <dgm:style>
+      <a:lnRef idx="0">
+        <a:scrgbClr r="0" g="0" b="0"/>
+      </a:lnRef>
+      <a:fillRef idx="1">
+        <a:scrgbClr r="0" g="0" b="0"/>
+      </a:fillRef>
+      <a:effectRef idx="0">
+        <a:scrgbClr r="0" g="0" b="0"/>
+      </a:effectRef>
+      <a:fontRef idx="minor"/>
+    </dgm:style>
+  </dgm:styleLbl>
+  <dgm:styleLbl name="dkBgShp">
+    <dgm:scene3d>
+      <a:camera prst="orthographicFront"/>
+      <a:lightRig rig="threePt" dir="t"/>
+    </dgm:scene3d>
+    <dgm:sp3d/>
+    <dgm:txPr/>
+    <dgm:style>
+      <a:lnRef idx="0">
+        <a:scrgbClr r="0" g="0" b="0"/>
+      </a:lnRef>
+      <a:fillRef idx="1">
+        <a:scrgbClr r="0" g="0" b="0"/>
+      </a:fillRef>
+      <a:effectRef idx="0">
+        <a:scrgbClr r="0" g="0" b="0"/>
+      </a:effectRef>
+      <a:fontRef idx="minor"/>
+    </dgm:style>
+  </dgm:styleLbl>
+  <dgm:styleLbl name="trBgShp">
+    <dgm:scene3d>
+      <a:camera prst="orthographicFront"/>
+      <a:lightRig rig="threePt" dir="t"/>
+    </dgm:scene3d>
+    <dgm:sp3d/>
+    <dgm:txPr/>
+    <dgm:style>
+      <a:lnRef idx="0">
+        <a:scrgbClr r="0" g="0" b="0"/>
+      </a:lnRef>
+      <a:fillRef idx="1">
+        <a:scrgbClr r="0" g="0" b="0"/>
+      </a:fillRef>
+      <a:effectRef idx="0">
+        <a:scrgbClr r="0" g="0" b="0"/>
+      </a:effectRef>
+      <a:fontRef idx="minor"/>
+    </dgm:style>
+  </dgm:styleLbl>
+  <dgm:styleLbl name="fgShp">
+    <dgm:scene3d>
+      <a:camera prst="orthographicFront"/>
+      <a:lightRig rig="threePt" dir="t"/>
+    </dgm:scene3d>
+    <dgm:sp3d/>
+    <dgm:txPr/>
+    <dgm:style>
+      <a:lnRef idx="2">
+        <a:scrgbClr r="0" g="0" b="0"/>
+      </a:lnRef>
+      <a:fillRef idx="1">
+        <a:scrgbClr r="0" g="0" b="0"/>
+      </a:fillRef>
+      <a:effectRef idx="0">
+        <a:scrgbClr r="0" g="0" b="0"/>
+      </a:effectRef>
+      <a:fontRef idx="minor"/>
+    </dgm:style>
+  </dgm:styleLbl>
+  <dgm:styleLbl name="revTx">
+    <dgm:scene3d>
+      <a:camera prst="orthographicFront"/>
+      <a:lightRig rig="threePt" dir="t"/>
+    </dgm:scene3d>
+    <dgm:sp3d/>
+    <dgm:txPr/>
+    <dgm:style>
+      <a:lnRef idx="0">
+        <a:scrgbClr r="0" g="0" b="0"/>
+      </a:lnRef>
+      <a:fillRef idx="0">
+        <a:scrgbClr r="0" g="0" b="0"/>
+      </a:fillRef>
+      <a:effectRef idx="0">
+        <a:scrgbClr r="0" g="0" b="0"/>
+      </a:effectRef>
+      <a:fontRef idx="minor"/>
+    </dgm:style>
+  </dgm:styleLbl>
+</dgm:styleDef>
 </file>
 
 <file path=ppt/slideLayouts/slideLayout1.xml><?xml version="1.0" encoding="utf-8"?>
@@ -264,7 +3673,7 @@
           <a:p>
             <a:fld id="{0118E1EC-3AAA-48C4-A6EF-04100BE8E8D4}" type="datetimeFigureOut">
               <a:rPr lang="en-US" smtClean="0"/>
-              <a:t>3/27/2021</a:t>
+              <a:t>3/28/2021</a:t>
             </a:fld>
             <a:endParaRPr lang="en-US"/>
           </a:p>
@@ -462,7 +3871,7 @@
           <a:p>
             <a:fld id="{0118E1EC-3AAA-48C4-A6EF-04100BE8E8D4}" type="datetimeFigureOut">
               <a:rPr lang="en-US" smtClean="0"/>
-              <a:t>3/27/2021</a:t>
+              <a:t>3/28/2021</a:t>
             </a:fld>
             <a:endParaRPr lang="en-US"/>
           </a:p>
@@ -670,7 +4079,7 @@
           <a:p>
             <a:fld id="{0118E1EC-3AAA-48C4-A6EF-04100BE8E8D4}" type="datetimeFigureOut">
               <a:rPr lang="en-US" smtClean="0"/>
-              <a:t>3/27/2021</a:t>
+              <a:t>3/28/2021</a:t>
             </a:fld>
             <a:endParaRPr lang="en-US"/>
           </a:p>
@@ -868,7 +4277,7 @@
           <a:p>
             <a:fld id="{0118E1EC-3AAA-48C4-A6EF-04100BE8E8D4}" type="datetimeFigureOut">
               <a:rPr lang="en-US" smtClean="0"/>
-              <a:t>3/27/2021</a:t>
+              <a:t>3/28/2021</a:t>
             </a:fld>
             <a:endParaRPr lang="en-US"/>
           </a:p>
@@ -1143,7 +4552,7 @@
           <a:p>
             <a:fld id="{0118E1EC-3AAA-48C4-A6EF-04100BE8E8D4}" type="datetimeFigureOut">
               <a:rPr lang="en-US" smtClean="0"/>
-              <a:t>3/27/2021</a:t>
+              <a:t>3/28/2021</a:t>
             </a:fld>
             <a:endParaRPr lang="en-US"/>
           </a:p>
@@ -1408,7 +4817,7 @@
           <a:p>
             <a:fld id="{0118E1EC-3AAA-48C4-A6EF-04100BE8E8D4}" type="datetimeFigureOut">
               <a:rPr lang="en-US" smtClean="0"/>
-              <a:t>3/27/2021</a:t>
+              <a:t>3/28/2021</a:t>
             </a:fld>
             <a:endParaRPr lang="en-US"/>
           </a:p>
@@ -1820,7 +5229,7 @@
           <a:p>
             <a:fld id="{0118E1EC-3AAA-48C4-A6EF-04100BE8E8D4}" type="datetimeFigureOut">
               <a:rPr lang="en-US" smtClean="0"/>
-              <a:t>3/27/2021</a:t>
+              <a:t>3/28/2021</a:t>
             </a:fld>
             <a:endParaRPr lang="en-US"/>
           </a:p>
@@ -1961,7 +5370,7 @@
           <a:p>
             <a:fld id="{0118E1EC-3AAA-48C4-A6EF-04100BE8E8D4}" type="datetimeFigureOut">
               <a:rPr lang="en-US" smtClean="0"/>
-              <a:t>3/27/2021</a:t>
+              <a:t>3/28/2021</a:t>
             </a:fld>
             <a:endParaRPr lang="en-US"/>
           </a:p>
@@ -2074,7 +5483,7 @@
           <a:p>
             <a:fld id="{0118E1EC-3AAA-48C4-A6EF-04100BE8E8D4}" type="datetimeFigureOut">
               <a:rPr lang="en-US" smtClean="0"/>
-              <a:t>3/27/2021</a:t>
+              <a:t>3/28/2021</a:t>
             </a:fld>
             <a:endParaRPr lang="en-US"/>
           </a:p>
@@ -2385,7 +5794,7 @@
           <a:p>
             <a:fld id="{0118E1EC-3AAA-48C4-A6EF-04100BE8E8D4}" type="datetimeFigureOut">
               <a:rPr lang="en-US" smtClean="0"/>
-              <a:t>3/27/2021</a:t>
+              <a:t>3/28/2021</a:t>
             </a:fld>
             <a:endParaRPr lang="en-US"/>
           </a:p>
@@ -2673,7 +6082,7 @@
           <a:p>
             <a:fld id="{0118E1EC-3AAA-48C4-A6EF-04100BE8E8D4}" type="datetimeFigureOut">
               <a:rPr lang="en-US" smtClean="0"/>
-              <a:t>3/27/2021</a:t>
+              <a:t>3/28/2021</a:t>
             </a:fld>
             <a:endParaRPr lang="en-US"/>
           </a:p>
@@ -2914,7 +6323,7 @@
           <a:p>
             <a:fld id="{0118E1EC-3AAA-48C4-A6EF-04100BE8E8D4}" type="datetimeFigureOut">
               <a:rPr lang="en-US" smtClean="0"/>
-              <a:t>3/27/2021</a:t>
+              <a:t>3/28/2021</a:t>
             </a:fld>
             <a:endParaRPr lang="en-US"/>
           </a:p>
@@ -3789,7 +7198,7 @@
           <p:cNvPr id="2" name="Title 1">
             <a:extLst>
               <a:ext uri="{FF2B5EF4-FFF2-40B4-BE49-F238E27FC236}">
-                <a16:creationId xmlns:a16="http://schemas.microsoft.com/office/drawing/2014/main" id="{578E2378-CBAA-4DF0-9BE4-3900E3A05A96}"/>
+                <a16:creationId xmlns:a16="http://schemas.microsoft.com/office/drawing/2014/main" id="{934E6E96-3AA6-4653-8A0C-4083E51FBBE0}"/>
               </a:ext>
             </a:extLst>
           </p:cNvPr>
@@ -3807,7 +7216,7 @@
           <a:p>
             <a:r>
               <a:rPr lang="en-US" dirty="0"/>
-              <a:t>Future Work</a:t>
+              <a:t>Link to App</a:t>
             </a:r>
           </a:p>
         </p:txBody>
@@ -3817,7 +7226,7 @@
           <p:cNvPr id="3" name="Content Placeholder 2">
             <a:extLst>
               <a:ext uri="{FF2B5EF4-FFF2-40B4-BE49-F238E27FC236}">
-                <a16:creationId xmlns:a16="http://schemas.microsoft.com/office/drawing/2014/main" id="{51FA464E-209C-4602-B864-F708D0C4B900}"/>
+                <a16:creationId xmlns:a16="http://schemas.microsoft.com/office/drawing/2014/main" id="{C0D70F13-C404-4C93-87B0-384EACECCB2C}"/>
               </a:ext>
             </a:extLst>
           </p:cNvPr>
@@ -3833,14 +7242,17 @@
           <a:bodyPr/>
           <a:lstStyle/>
           <a:p>
-            <a:endParaRPr lang="en-US"/>
+            <a:r>
+              <a:rPr lang="en-US" dirty="0"/>
+              <a:t>&lt;Link goes here&gt;</a:t>
+            </a:r>
           </a:p>
         </p:txBody>
       </p:sp>
     </p:spTree>
     <p:extLst>
       <p:ext uri="{BB962C8B-B14F-4D97-AF65-F5344CB8AC3E}">
-        <p14:creationId xmlns:p14="http://schemas.microsoft.com/office/powerpoint/2010/main" val="71375065"/>
+        <p14:creationId xmlns:p14="http://schemas.microsoft.com/office/powerpoint/2010/main" val="1501755833"/>
       </p:ext>
     </p:extLst>
   </p:cSld>
@@ -3869,10 +7281,109 @@
       </p:grpSpPr>
       <p:sp>
         <p:nvSpPr>
+          <p:cNvPr id="4" name="Rectangle 3">
+            <a:extLst>
+              <a:ext uri="{FF2B5EF4-FFF2-40B4-BE49-F238E27FC236}">
+                <a16:creationId xmlns:a16="http://schemas.microsoft.com/office/drawing/2014/main" id="{FD0D95D7-DC0E-4368-8DFE-7BB44A49A01B}"/>
+              </a:ext>
+            </a:extLst>
+          </p:cNvPr>
+          <p:cNvSpPr/>
+          <p:nvPr/>
+        </p:nvSpPr>
+        <p:spPr>
+          <a:xfrm>
+            <a:off x="0" y="0"/>
+            <a:ext cx="12192000" cy="6858000"/>
+          </a:xfrm>
+          <a:prstGeom prst="rect">
+            <a:avLst/>
+          </a:prstGeom>
+          <a:solidFill>
+            <a:schemeClr val="accent1">
+              <a:lumMod val="50000"/>
+            </a:schemeClr>
+          </a:solidFill>
+        </p:spPr>
+        <p:style>
+          <a:lnRef idx="2">
+            <a:schemeClr val="accent1">
+              <a:shade val="50000"/>
+            </a:schemeClr>
+          </a:lnRef>
+          <a:fillRef idx="1">
+            <a:schemeClr val="accent1"/>
+          </a:fillRef>
+          <a:effectRef idx="0">
+            <a:schemeClr val="accent1"/>
+          </a:effectRef>
+          <a:fontRef idx="minor">
+            <a:schemeClr val="lt1"/>
+          </a:fontRef>
+        </p:style>
+        <p:txBody>
+          <a:bodyPr rtlCol="0" anchor="ctr"/>
+          <a:lstStyle/>
+          <a:p>
+            <a:pPr algn="ctr"/>
+            <a:endParaRPr lang="en-US"/>
+          </a:p>
+        </p:txBody>
+      </p:sp>
+      <p:pic>
+        <p:nvPicPr>
+          <p:cNvPr id="3078" name="Picture 6" descr="All College Logos Bundle 385 College Logos svg university | Etsy in 2021 | College  logo, Logo bundle, College football logos">
+            <a:extLst>
+              <a:ext uri="{FF2B5EF4-FFF2-40B4-BE49-F238E27FC236}">
+                <a16:creationId xmlns:a16="http://schemas.microsoft.com/office/drawing/2014/main" id="{2497CEEA-6597-4FCB-95F7-78E807D8D4F3}"/>
+              </a:ext>
+            </a:extLst>
+          </p:cNvPr>
+          <p:cNvPicPr>
+            <a:picLocks noChangeAspect="1" noChangeArrowheads="1"/>
+          </p:cNvPicPr>
+          <p:nvPr/>
+        </p:nvPicPr>
+        <p:blipFill>
+          <a:blip r:embed="rId2">
+            <a:alphaModFix amt="4000"/>
+            <a:extLst>
+              <a:ext uri="{28A0092B-C50C-407E-A947-70E740481C1C}">
+                <a14:useLocalDpi xmlns:a14="http://schemas.microsoft.com/office/drawing/2010/main" val="0"/>
+              </a:ext>
+            </a:extLst>
+          </a:blip>
+          <a:srcRect/>
+          <a:stretch>
+            <a:fillRect/>
+          </a:stretch>
+        </p:blipFill>
+        <p:spPr bwMode="auto">
+          <a:xfrm>
+            <a:off x="0" y="0"/>
+            <a:ext cx="12192000" cy="6858000"/>
+          </a:xfrm>
+          <a:prstGeom prst="rect">
+            <a:avLst/>
+          </a:prstGeom>
+          <a:noFill/>
+          <a:extLst>
+            <a:ext uri="{909E8E84-426E-40DD-AFC4-6F175D3DCCD1}">
+              <a14:hiddenFill xmlns:a14="http://schemas.microsoft.com/office/drawing/2010/main">
+                <a:solidFill>
+                  <a:srgbClr val="FFFFFF"/>
+                </a:solidFill>
+              </a14:hiddenFill>
+            </a:ext>
+          </a:extLst>
+        </p:spPr>
+      </p:pic>
+      <p:sp>
+        <p:nvSpPr>
           <p:cNvPr id="2" name="Title 1">
             <a:extLst>
               <a:ext uri="{FF2B5EF4-FFF2-40B4-BE49-F238E27FC236}">
-                <a16:creationId xmlns:a16="http://schemas.microsoft.com/office/drawing/2014/main" id="{5E6E6CDE-C69D-4AE1-994B-AF96BBB3D83B}"/>
+                <a16:creationId xmlns:a16="http://schemas.microsoft.com/office/drawing/2014/main" id="{3CE4B345-CF92-44E3-95B5-CA84680E91AA}"/>
               </a:ext>
             </a:extLst>
           </p:cNvPr>
@@ -3889,8 +7400,12 @@
           <a:lstStyle/>
           <a:p>
             <a:r>
-              <a:rPr lang="en-US" dirty="0"/>
-              <a:t>Questions</a:t>
+              <a:rPr lang="en-US" b="1" dirty="0">
+                <a:solidFill>
+                  <a:schemeClr val="bg1"/>
+                </a:solidFill>
+              </a:rPr>
+              <a:t>Results / Analysis</a:t>
             </a:r>
           </a:p>
         </p:txBody>
@@ -3900,7 +7415,265 @@
           <p:cNvPr id="3" name="Content Placeholder 2">
             <a:extLst>
               <a:ext uri="{FF2B5EF4-FFF2-40B4-BE49-F238E27FC236}">
-                <a16:creationId xmlns:a16="http://schemas.microsoft.com/office/drawing/2014/main" id="{C8B503AB-B543-44F9-89E9-88334AA292BC}"/>
+                <a16:creationId xmlns:a16="http://schemas.microsoft.com/office/drawing/2014/main" id="{0F26F3B6-55CB-4C98-B618-5B5E22D53250}"/>
+              </a:ext>
+            </a:extLst>
+          </p:cNvPr>
+          <p:cNvSpPr>
+            <a:spLocks noGrp="1"/>
+          </p:cNvSpPr>
+          <p:nvPr>
+            <p:ph idx="1"/>
+          </p:nvPr>
+        </p:nvSpPr>
+        <p:spPr/>
+        <p:txBody>
+          <a:bodyPr>
+            <a:normAutofit/>
+          </a:bodyPr>
+          <a:lstStyle/>
+          <a:p>
+            <a:r>
+              <a:rPr lang="en-US" dirty="0">
+                <a:solidFill>
+                  <a:schemeClr val="bg1"/>
+                </a:solidFill>
+              </a:rPr>
+              <a:t>The model accurately predicted 23 out of 32 (72%) first round games correctly for the 2021 NCAA tournament. </a:t>
+            </a:r>
+          </a:p>
+          <a:p>
+            <a:pPr marL="0" indent="0">
+              <a:buNone/>
+            </a:pPr>
+            <a:endParaRPr lang="en-US" dirty="0">
+              <a:solidFill>
+                <a:schemeClr val="bg1"/>
+              </a:solidFill>
+            </a:endParaRPr>
+          </a:p>
+          <a:p>
+            <a:r>
+              <a:rPr lang="en-US" dirty="0">
+                <a:solidFill>
+                  <a:schemeClr val="bg1"/>
+                </a:solidFill>
+              </a:rPr>
+              <a:t>The 2020 NCAA tournament was cancelled. The model predicts the #3 seed </a:t>
+            </a:r>
+            <a:r>
+              <a:rPr lang="en-US" b="1" dirty="0">
+                <a:solidFill>
+                  <a:schemeClr val="bg1"/>
+                </a:solidFill>
+              </a:rPr>
+              <a:t>Michigan State</a:t>
+            </a:r>
+            <a:r>
+              <a:rPr lang="en-US" dirty="0">
+                <a:solidFill>
+                  <a:schemeClr val="bg1"/>
+                </a:solidFill>
+              </a:rPr>
+              <a:t> would have won the tournament.</a:t>
+            </a:r>
+          </a:p>
+          <a:p>
+            <a:pPr marL="0" indent="0">
+              <a:buNone/>
+            </a:pPr>
+            <a:endParaRPr lang="en-US" dirty="0">
+              <a:solidFill>
+                <a:schemeClr val="bg1"/>
+              </a:solidFill>
+            </a:endParaRPr>
+          </a:p>
+          <a:p>
+            <a:r>
+              <a:rPr lang="en-US" dirty="0">
+                <a:solidFill>
+                  <a:schemeClr val="bg1"/>
+                </a:solidFill>
+              </a:rPr>
+              <a:t>The model accurately predicted 19 out of 32 (59%) first round games correctly for the 2019 NCAA tournament</a:t>
+            </a:r>
+          </a:p>
+          <a:p>
+            <a:endParaRPr lang="en-US" dirty="0">
+              <a:solidFill>
+                <a:schemeClr val="bg1"/>
+              </a:solidFill>
+            </a:endParaRPr>
+          </a:p>
+        </p:txBody>
+      </p:sp>
+    </p:spTree>
+    <p:extLst>
+      <p:ext uri="{BB962C8B-B14F-4D97-AF65-F5344CB8AC3E}">
+        <p14:creationId xmlns:p14="http://schemas.microsoft.com/office/powerpoint/2010/main" val="4163400723"/>
+      </p:ext>
+    </p:extLst>
+  </p:cSld>
+  <p:clrMapOvr>
+    <a:masterClrMapping/>
+  </p:clrMapOvr>
+</p:sld>
+</file>
+
+<file path=ppt/slides/slide12.xml><?xml version="1.0" encoding="utf-8"?>
+<p:sld xmlns:a="http://schemas.openxmlformats.org/drawingml/2006/main" xmlns:r="http://schemas.openxmlformats.org/officeDocument/2006/relationships" xmlns:p="http://schemas.openxmlformats.org/presentationml/2006/main">
+  <p:cSld>
+    <p:spTree>
+      <p:nvGrpSpPr>
+        <p:cNvPr id="1" name=""/>
+        <p:cNvGrpSpPr/>
+        <p:nvPr/>
+      </p:nvGrpSpPr>
+      <p:grpSpPr>
+        <a:xfrm>
+          <a:off x="0" y="0"/>
+          <a:ext cx="0" cy="0"/>
+          <a:chOff x="0" y="0"/>
+          <a:chExt cx="0" cy="0"/>
+        </a:xfrm>
+      </p:grpSpPr>
+      <p:sp>
+        <p:nvSpPr>
+          <p:cNvPr id="5" name="Rectangle 4">
+            <a:extLst>
+              <a:ext uri="{FF2B5EF4-FFF2-40B4-BE49-F238E27FC236}">
+                <a16:creationId xmlns:a16="http://schemas.microsoft.com/office/drawing/2014/main" id="{0938E4D8-CD83-41C2-8BEF-A30E537B6B27}"/>
+              </a:ext>
+            </a:extLst>
+          </p:cNvPr>
+          <p:cNvSpPr/>
+          <p:nvPr/>
+        </p:nvSpPr>
+        <p:spPr>
+          <a:xfrm>
+            <a:off x="0" y="0"/>
+            <a:ext cx="12192000" cy="7010400"/>
+          </a:xfrm>
+          <a:prstGeom prst="rect">
+            <a:avLst/>
+          </a:prstGeom>
+          <a:solidFill>
+            <a:schemeClr val="accent1">
+              <a:lumMod val="50000"/>
+            </a:schemeClr>
+          </a:solidFill>
+        </p:spPr>
+        <p:style>
+          <a:lnRef idx="2">
+            <a:schemeClr val="accent1">
+              <a:shade val="50000"/>
+            </a:schemeClr>
+          </a:lnRef>
+          <a:fillRef idx="1">
+            <a:schemeClr val="accent1"/>
+          </a:fillRef>
+          <a:effectRef idx="0">
+            <a:schemeClr val="accent1"/>
+          </a:effectRef>
+          <a:fontRef idx="minor">
+            <a:schemeClr val="lt1"/>
+          </a:fontRef>
+        </p:style>
+        <p:txBody>
+          <a:bodyPr rtlCol="0" anchor="ctr"/>
+          <a:lstStyle/>
+          <a:p>
+            <a:pPr algn="ctr"/>
+            <a:endParaRPr lang="en-US"/>
+          </a:p>
+        </p:txBody>
+      </p:sp>
+      <p:pic>
+        <p:nvPicPr>
+          <p:cNvPr id="4" name="Picture 6" descr="All College Logos Bundle 385 College Logos svg university | Etsy in 2021 | College  logo, Logo bundle, College football logos">
+            <a:extLst>
+              <a:ext uri="{FF2B5EF4-FFF2-40B4-BE49-F238E27FC236}">
+                <a16:creationId xmlns:a16="http://schemas.microsoft.com/office/drawing/2014/main" id="{419204BC-69C8-407B-B1DB-7F9590B68B56}"/>
+              </a:ext>
+            </a:extLst>
+          </p:cNvPr>
+          <p:cNvPicPr>
+            <a:picLocks noChangeAspect="1" noChangeArrowheads="1"/>
+          </p:cNvPicPr>
+          <p:nvPr/>
+        </p:nvPicPr>
+        <p:blipFill>
+          <a:blip r:embed="rId2">
+            <a:alphaModFix amt="4000"/>
+            <a:extLst>
+              <a:ext uri="{28A0092B-C50C-407E-A947-70E740481C1C}">
+                <a14:useLocalDpi xmlns:a14="http://schemas.microsoft.com/office/drawing/2010/main" val="0"/>
+              </a:ext>
+            </a:extLst>
+          </a:blip>
+          <a:srcRect/>
+          <a:stretch>
+            <a:fillRect/>
+          </a:stretch>
+        </p:blipFill>
+        <p:spPr bwMode="auto">
+          <a:xfrm>
+            <a:off x="0" y="0"/>
+            <a:ext cx="12192000" cy="6858000"/>
+          </a:xfrm>
+          <a:prstGeom prst="rect">
+            <a:avLst/>
+          </a:prstGeom>
+          <a:noFill/>
+          <a:extLst>
+            <a:ext uri="{909E8E84-426E-40DD-AFC4-6F175D3DCCD1}">
+              <a14:hiddenFill xmlns:a14="http://schemas.microsoft.com/office/drawing/2010/main">
+                <a:solidFill>
+                  <a:srgbClr val="FFFFFF"/>
+                </a:solidFill>
+              </a14:hiddenFill>
+            </a:ext>
+          </a:extLst>
+        </p:spPr>
+      </p:pic>
+      <p:sp>
+        <p:nvSpPr>
+          <p:cNvPr id="2" name="Title 1">
+            <a:extLst>
+              <a:ext uri="{FF2B5EF4-FFF2-40B4-BE49-F238E27FC236}">
+                <a16:creationId xmlns:a16="http://schemas.microsoft.com/office/drawing/2014/main" id="{F26EB3CE-D985-4E03-BF2D-9B10418A1D79}"/>
+              </a:ext>
+            </a:extLst>
+          </p:cNvPr>
+          <p:cNvSpPr>
+            <a:spLocks noGrp="1"/>
+          </p:cNvSpPr>
+          <p:nvPr>
+            <p:ph type="title"/>
+          </p:nvPr>
+        </p:nvSpPr>
+        <p:spPr/>
+        <p:txBody>
+          <a:bodyPr/>
+          <a:lstStyle/>
+          <a:p>
+            <a:r>
+              <a:rPr lang="en-US" b="1" dirty="0">
+                <a:solidFill>
+                  <a:schemeClr val="bg1"/>
+                </a:solidFill>
+              </a:rPr>
+              <a:t>Limitations/Bias</a:t>
+            </a:r>
+          </a:p>
+        </p:txBody>
+      </p:sp>
+      <p:sp>
+        <p:nvSpPr>
+          <p:cNvPr id="3" name="Content Placeholder 2">
+            <a:extLst>
+              <a:ext uri="{FF2B5EF4-FFF2-40B4-BE49-F238E27FC236}">
+                <a16:creationId xmlns:a16="http://schemas.microsoft.com/office/drawing/2014/main" id="{9B697DD4-CB17-41B8-AE18-F470997F5C94}"/>
               </a:ext>
             </a:extLst>
           </p:cNvPr>
@@ -3916,6 +7689,1305 @@
           <a:bodyPr/>
           <a:lstStyle/>
           <a:p>
+            <a:r>
+              <a:rPr lang="en-US" dirty="0">
+                <a:solidFill>
+                  <a:schemeClr val="bg1"/>
+                </a:solidFill>
+              </a:rPr>
+              <a:t>The model uses </a:t>
+            </a:r>
+            <a:r>
+              <a:rPr lang="en-US" b="1" i="1" dirty="0">
+                <a:solidFill>
+                  <a:schemeClr val="bg1"/>
+                </a:solidFill>
+              </a:rPr>
+              <a:t>known</a:t>
+            </a:r>
+            <a:r>
+              <a:rPr lang="en-US" dirty="0">
+                <a:solidFill>
+                  <a:schemeClr val="bg1"/>
+                </a:solidFill>
+              </a:rPr>
+              <a:t> </a:t>
+            </a:r>
+            <a:r>
+              <a:rPr lang="en-US" dirty="0" err="1">
+                <a:solidFill>
+                  <a:schemeClr val="bg1"/>
+                </a:solidFill>
+              </a:rPr>
+              <a:t>KenPom</a:t>
+            </a:r>
+            <a:r>
+              <a:rPr lang="en-US" dirty="0">
+                <a:solidFill>
+                  <a:schemeClr val="bg1"/>
+                </a:solidFill>
+              </a:rPr>
+              <a:t> data to make predictions. While historical data is helpful, the model would be limited in predicting 2022 outcomes. </a:t>
+            </a:r>
+          </a:p>
+          <a:p>
+            <a:r>
+              <a:rPr lang="en-US" dirty="0">
+                <a:solidFill>
+                  <a:schemeClr val="bg1"/>
+                </a:solidFill>
+              </a:rPr>
+              <a:t>There are components that regress to the season averages for points scored. While that is expected, the model does not capture “blow out wins” or “blow out losses.” </a:t>
+            </a:r>
+          </a:p>
+          <a:p>
+            <a:r>
+              <a:rPr lang="en-US" dirty="0">
+                <a:solidFill>
+                  <a:schemeClr val="bg1"/>
+                </a:solidFill>
+              </a:rPr>
+              <a:t>The model may be biased to teams with a higher than average “Tempo.” i.e. Fast-paced or high scoring teams seem to outperform </a:t>
+            </a:r>
+            <a:r>
+              <a:rPr lang="en-US" b="1" i="1" dirty="0">
+                <a:solidFill>
+                  <a:schemeClr val="bg1"/>
+                </a:solidFill>
+              </a:rPr>
+              <a:t>actual</a:t>
+            </a:r>
+            <a:r>
+              <a:rPr lang="en-US" dirty="0">
+                <a:solidFill>
+                  <a:schemeClr val="bg1"/>
+                </a:solidFill>
+              </a:rPr>
+              <a:t> outcomes when run through the model regardless of the caliber defense they play against.</a:t>
+            </a:r>
+          </a:p>
+        </p:txBody>
+      </p:sp>
+    </p:spTree>
+    <p:extLst>
+      <p:ext uri="{BB962C8B-B14F-4D97-AF65-F5344CB8AC3E}">
+        <p14:creationId xmlns:p14="http://schemas.microsoft.com/office/powerpoint/2010/main" val="2607735811"/>
+      </p:ext>
+    </p:extLst>
+  </p:cSld>
+  <p:clrMapOvr>
+    <a:masterClrMapping/>
+  </p:clrMapOvr>
+</p:sld>
+</file>
+
+<file path=ppt/slides/slide13.xml><?xml version="1.0" encoding="utf-8"?>
+<p:sld xmlns:a="http://schemas.openxmlformats.org/drawingml/2006/main" xmlns:r="http://schemas.openxmlformats.org/officeDocument/2006/relationships" xmlns:p="http://schemas.openxmlformats.org/presentationml/2006/main">
+  <p:cSld>
+    <p:bg>
+      <p:bgPr>
+        <a:solidFill>
+          <a:schemeClr val="bg1"/>
+        </a:solidFill>
+        <a:effectLst/>
+      </p:bgPr>
+    </p:bg>
+    <p:spTree>
+      <p:nvGrpSpPr>
+        <p:cNvPr id="1" name=""/>
+        <p:cNvGrpSpPr/>
+        <p:nvPr/>
+      </p:nvGrpSpPr>
+      <p:grpSpPr>
+        <a:xfrm>
+          <a:off x="0" y="0"/>
+          <a:ext cx="0" cy="0"/>
+          <a:chOff x="0" y="0"/>
+          <a:chExt cx="0" cy="0"/>
+        </a:xfrm>
+      </p:grpSpPr>
+      <p:sp>
+        <p:nvSpPr>
+          <p:cNvPr id="9" name="Rectangle 8">
+            <a:extLst>
+              <a:ext uri="{FF2B5EF4-FFF2-40B4-BE49-F238E27FC236}">
+                <a16:creationId xmlns:a16="http://schemas.microsoft.com/office/drawing/2014/main" id="{68575C10-8187-4AC4-AD72-C754EAFD2867}"/>
+              </a:ext>
+              <a:ext uri="{C183D7F6-B498-43B3-948B-1728B52AA6E4}">
+                <adec:decorative xmlns:adec="http://schemas.microsoft.com/office/drawing/2017/decorative" val="1"/>
+              </a:ext>
+            </a:extLst>
+          </p:cNvPr>
+          <p:cNvSpPr>
+            <a:spLocks noGrp="1" noRot="1" noChangeAspect="1" noMove="1" noResize="1" noEditPoints="1" noAdjustHandles="1" noChangeArrowheads="1" noChangeShapeType="1" noTextEdit="1"/>
+          </p:cNvSpPr>
+          <p:nvPr>
+            <p:extLst>
+              <p:ext uri="{386F3935-93C4-4BCD-93E2-E3B085C9AB24}">
+                <p16:designElem xmlns:p16="http://schemas.microsoft.com/office/powerpoint/2015/main" val="1"/>
+              </p:ext>
+            </p:extLst>
+          </p:nvPr>
+        </p:nvSpPr>
+        <p:spPr>
+          <a:xfrm>
+            <a:off x="-1" y="0"/>
+            <a:ext cx="4654295" cy="6858000"/>
+          </a:xfrm>
+          <a:prstGeom prst="rect">
+            <a:avLst/>
+          </a:prstGeom>
+          <a:solidFill>
+            <a:schemeClr val="tx1"/>
+          </a:solidFill>
+          <a:ln>
+            <a:noFill/>
+          </a:ln>
+        </p:spPr>
+        <p:style>
+          <a:lnRef idx="2">
+            <a:schemeClr val="accent1">
+              <a:shade val="50000"/>
+            </a:schemeClr>
+          </a:lnRef>
+          <a:fillRef idx="1">
+            <a:schemeClr val="accent1"/>
+          </a:fillRef>
+          <a:effectRef idx="0">
+            <a:schemeClr val="accent1"/>
+          </a:effectRef>
+          <a:fontRef idx="minor">
+            <a:schemeClr val="lt1"/>
+          </a:fontRef>
+        </p:style>
+        <p:txBody>
+          <a:bodyPr rtlCol="0" anchor="ctr"/>
+          <a:lstStyle/>
+          <a:p>
+            <a:pPr marL="0" marR="0" lvl="0" indent="0" algn="ctr" defTabSz="457200" rtl="0" eaLnBrk="1" fontAlgn="auto" latinLnBrk="0" hangingPunct="1">
+              <a:lnSpc>
+                <a:spcPct val="100000"/>
+              </a:lnSpc>
+              <a:spcBef>
+                <a:spcPts val="0"/>
+              </a:spcBef>
+              <a:spcAft>
+                <a:spcPts val="0"/>
+              </a:spcAft>
+              <a:buClrTx/>
+              <a:buSzTx/>
+              <a:buFontTx/>
+              <a:buNone/>
+              <a:tabLst/>
+              <a:defRPr/>
+            </a:pPr>
+            <a:endParaRPr kumimoji="0" lang="en-US" sz="1800" b="0" i="0" u="none" strike="noStrike" kern="1200" cap="none" spc="0" normalizeH="0" baseline="0" noProof="0">
+              <a:ln>
+                <a:noFill/>
+              </a:ln>
+              <a:solidFill>
+                <a:prstClr val="white"/>
+              </a:solidFill>
+              <a:effectLst/>
+              <a:uLnTx/>
+              <a:uFillTx/>
+              <a:latin typeface="Calibri" panose="020F0502020204030204"/>
+              <a:ea typeface="+mn-ea"/>
+              <a:cs typeface="+mn-cs"/>
+            </a:endParaRPr>
+          </a:p>
+        </p:txBody>
+      </p:sp>
+      <p:sp>
+        <p:nvSpPr>
+          <p:cNvPr id="2" name="Title 1">
+            <a:extLst>
+              <a:ext uri="{FF2B5EF4-FFF2-40B4-BE49-F238E27FC236}">
+                <a16:creationId xmlns:a16="http://schemas.microsoft.com/office/drawing/2014/main" id="{578E2378-CBAA-4DF0-9BE4-3900E3A05A96}"/>
+              </a:ext>
+            </a:extLst>
+          </p:cNvPr>
+          <p:cNvSpPr>
+            <a:spLocks noGrp="1"/>
+          </p:cNvSpPr>
+          <p:nvPr>
+            <p:ph type="title"/>
+          </p:nvPr>
+        </p:nvSpPr>
+        <p:spPr>
+          <a:xfrm>
+            <a:off x="762000" y="559678"/>
+            <a:ext cx="3567915" cy="4952492"/>
+          </a:xfrm>
+        </p:spPr>
+        <p:txBody>
+          <a:bodyPr>
+            <a:normAutofit/>
+          </a:bodyPr>
+          <a:lstStyle/>
+          <a:p>
+            <a:r>
+              <a:rPr lang="en-US">
+                <a:solidFill>
+                  <a:schemeClr val="bg1"/>
+                </a:solidFill>
+              </a:rPr>
+              <a:t>Future Work</a:t>
+            </a:r>
+          </a:p>
+        </p:txBody>
+      </p:sp>
+      <p:cxnSp>
+        <p:nvCxnSpPr>
+          <p:cNvPr id="11" name="Straight Connector 10">
+            <a:extLst>
+              <a:ext uri="{FF2B5EF4-FFF2-40B4-BE49-F238E27FC236}">
+                <a16:creationId xmlns:a16="http://schemas.microsoft.com/office/drawing/2014/main" id="{74E776C9-ED67-41B7-B3A3-4DF76EF3ACEE}"/>
+              </a:ext>
+              <a:ext uri="{C183D7F6-B498-43B3-948B-1728B52AA6E4}">
+                <adec:decorative xmlns:adec="http://schemas.microsoft.com/office/drawing/2017/decorative" val="1"/>
+              </a:ext>
+            </a:extLst>
+          </p:cNvPr>
+          <p:cNvCxnSpPr>
+            <a:cxnSpLocks noGrp="1" noRot="1" noChangeAspect="1" noMove="1" noResize="1" noEditPoints="1" noAdjustHandles="1" noChangeArrowheads="1" noChangeShapeType="1"/>
+          </p:cNvCxnSpPr>
+          <p:nvPr>
+            <p:extLst>
+              <p:ext uri="{386F3935-93C4-4BCD-93E2-E3B085C9AB24}">
+                <p16:designElem xmlns:p16="http://schemas.microsoft.com/office/powerpoint/2015/main" val="1"/>
+              </p:ext>
+            </p:extLst>
+          </p:nvPr>
+        </p:nvCxnSpPr>
+        <p:spPr>
+          <a:xfrm>
+            <a:off x="0" y="6199730"/>
+            <a:ext cx="4297680" cy="0"/>
+          </a:xfrm>
+          <a:prstGeom prst="line">
+            <a:avLst/>
+          </a:prstGeom>
+          <a:ln w="25400">
+            <a:solidFill>
+              <a:schemeClr val="bg1"/>
+            </a:solidFill>
+          </a:ln>
+        </p:spPr>
+        <p:style>
+          <a:lnRef idx="1">
+            <a:schemeClr val="accent1"/>
+          </a:lnRef>
+          <a:fillRef idx="0">
+            <a:schemeClr val="accent1"/>
+          </a:fillRef>
+          <a:effectRef idx="0">
+            <a:schemeClr val="accent1"/>
+          </a:effectRef>
+          <a:fontRef idx="minor">
+            <a:schemeClr val="tx1"/>
+          </a:fontRef>
+        </p:style>
+      </p:cxnSp>
+      <p:graphicFrame>
+        <p:nvGraphicFramePr>
+          <p:cNvPr id="5" name="Content Placeholder 2">
+            <a:extLst>
+              <a:ext uri="{FF2B5EF4-FFF2-40B4-BE49-F238E27FC236}">
+                <a16:creationId xmlns:a16="http://schemas.microsoft.com/office/drawing/2014/main" id="{51852F73-8076-4C80-B98C-FF0C05E88DFA}"/>
+              </a:ext>
+            </a:extLst>
+          </p:cNvPr>
+          <p:cNvGraphicFramePr>
+            <a:graphicFrameLocks noGrp="1"/>
+          </p:cNvGraphicFramePr>
+          <p:nvPr>
+            <p:ph idx="1"/>
+            <p:extLst>
+              <p:ext uri="{D42A27DB-BD31-4B8C-83A1-F6EECF244321}">
+                <p14:modId xmlns:p14="http://schemas.microsoft.com/office/powerpoint/2010/main" val="666349726"/>
+              </p:ext>
+            </p:extLst>
+          </p:nvPr>
+        </p:nvGraphicFramePr>
+        <p:xfrm>
+          <a:off x="5181600" y="568325"/>
+          <a:ext cx="6248400" cy="5656263"/>
+        </p:xfrm>
+        <a:graphic>
+          <a:graphicData uri="http://schemas.openxmlformats.org/drawingml/2006/diagram">
+            <dgm:relIds xmlns:dgm="http://schemas.openxmlformats.org/drawingml/2006/diagram" xmlns:r="http://schemas.openxmlformats.org/officeDocument/2006/relationships" r:dm="rId2" r:lo="rId3" r:qs="rId4" r:cs="rId5"/>
+          </a:graphicData>
+        </a:graphic>
+      </p:graphicFrame>
+    </p:spTree>
+    <p:extLst>
+      <p:ext uri="{BB962C8B-B14F-4D97-AF65-F5344CB8AC3E}">
+        <p14:creationId xmlns:p14="http://schemas.microsoft.com/office/powerpoint/2010/main" val="71375065"/>
+      </p:ext>
+    </p:extLst>
+  </p:cSld>
+  <p:clrMapOvr>
+    <a:masterClrMapping/>
+  </p:clrMapOvr>
+</p:sld>
+</file>
+
+<file path=ppt/slides/slide14.xml><?xml version="1.0" encoding="utf-8"?>
+<p:sld xmlns:a="http://schemas.openxmlformats.org/drawingml/2006/main" xmlns:r="http://schemas.openxmlformats.org/officeDocument/2006/relationships" xmlns:p="http://schemas.openxmlformats.org/presentationml/2006/main">
+  <p:cSld>
+    <p:bg>
+      <p:bgPr>
+        <a:solidFill>
+          <a:schemeClr val="bg1"/>
+        </a:solidFill>
+        <a:effectLst/>
+      </p:bgPr>
+    </p:bg>
+    <p:spTree>
+      <p:nvGrpSpPr>
+        <p:cNvPr id="1" name=""/>
+        <p:cNvGrpSpPr/>
+        <p:nvPr/>
+      </p:nvGrpSpPr>
+      <p:grpSpPr>
+        <a:xfrm>
+          <a:off x="0" y="0"/>
+          <a:ext cx="0" cy="0"/>
+          <a:chOff x="0" y="0"/>
+          <a:chExt cx="0" cy="0"/>
+        </a:xfrm>
+      </p:grpSpPr>
+      <p:sp>
+        <p:nvSpPr>
+          <p:cNvPr id="10" name="Rectangle 9">
+            <a:extLst>
+              <a:ext uri="{FF2B5EF4-FFF2-40B4-BE49-F238E27FC236}">
+                <a16:creationId xmlns:a16="http://schemas.microsoft.com/office/drawing/2014/main" id="{AFA67CD3-AB4E-4A7A-BEB8-53C445D8C44E}"/>
+              </a:ext>
+              <a:ext uri="{C183D7F6-B498-43B3-948B-1728B52AA6E4}">
+                <adec:decorative xmlns:adec="http://schemas.microsoft.com/office/drawing/2017/decorative" val="1"/>
+              </a:ext>
+            </a:extLst>
+          </p:cNvPr>
+          <p:cNvSpPr>
+            <a:spLocks noGrp="1" noRot="1" noChangeAspect="1" noMove="1" noResize="1" noEditPoints="1" noAdjustHandles="1" noChangeArrowheads="1" noChangeShapeType="1" noTextEdit="1"/>
+          </p:cNvSpPr>
+          <p:nvPr>
+            <p:extLst>
+              <p:ext uri="{386F3935-93C4-4BCD-93E2-E3B085C9AB24}">
+                <p16:designElem xmlns:p16="http://schemas.microsoft.com/office/powerpoint/2015/main" val="1"/>
+              </p:ext>
+            </p:extLst>
+          </p:nvPr>
+        </p:nvSpPr>
+        <p:spPr>
+          <a:xfrm>
+            <a:off x="1" y="3726"/>
+            <a:ext cx="5614875" cy="6858000"/>
+          </a:xfrm>
+          <a:prstGeom prst="rect">
+            <a:avLst/>
+          </a:prstGeom>
+          <a:gradFill>
+            <a:gsLst>
+              <a:gs pos="0">
+                <a:schemeClr val="accent4"/>
+              </a:gs>
+              <a:gs pos="25000">
+                <a:schemeClr val="accent4"/>
+              </a:gs>
+              <a:gs pos="94000">
+                <a:schemeClr val="accent2"/>
+              </a:gs>
+              <a:gs pos="100000">
+                <a:schemeClr val="accent2"/>
+              </a:gs>
+            </a:gsLst>
+            <a:lin ang="4200000" scaled="0"/>
+          </a:gradFill>
+          <a:ln>
+            <a:noFill/>
+          </a:ln>
+        </p:spPr>
+        <p:style>
+          <a:lnRef idx="2">
+            <a:schemeClr val="accent1">
+              <a:shade val="50000"/>
+            </a:schemeClr>
+          </a:lnRef>
+          <a:fillRef idx="1">
+            <a:schemeClr val="accent1"/>
+          </a:fillRef>
+          <a:effectRef idx="0">
+            <a:schemeClr val="accent1"/>
+          </a:effectRef>
+          <a:fontRef idx="minor">
+            <a:schemeClr val="lt1"/>
+          </a:fontRef>
+        </p:style>
+        <p:txBody>
+          <a:bodyPr rtlCol="0" anchor="ctr"/>
+          <a:lstStyle/>
+          <a:p>
+            <a:pPr algn="ctr"/>
+            <a:endParaRPr lang="en-US"/>
+          </a:p>
+        </p:txBody>
+      </p:sp>
+      <p:pic>
+        <p:nvPicPr>
+          <p:cNvPr id="12" name="Picture 11">
+            <a:extLst>
+              <a:ext uri="{FF2B5EF4-FFF2-40B4-BE49-F238E27FC236}">
+                <a16:creationId xmlns:a16="http://schemas.microsoft.com/office/drawing/2014/main" id="{07CF545F-9C2E-4446-97CD-AD92990C2B68}"/>
+              </a:ext>
+              <a:ext uri="{C183D7F6-B498-43B3-948B-1728B52AA6E4}">
+                <adec:decorative xmlns:adec="http://schemas.microsoft.com/office/drawing/2017/decorative" val="1"/>
+              </a:ext>
+            </a:extLst>
+          </p:cNvPr>
+          <p:cNvPicPr>
+            <a:picLocks noGrp="1" noRot="1" noChangeAspect="1" noMove="1" noResize="1" noEditPoints="1" noAdjustHandles="1" noChangeArrowheads="1" noChangeShapeType="1" noCrop="1"/>
+          </p:cNvPicPr>
+          <p:nvPr>
+            <p:extLst>
+              <p:ext uri="{386F3935-93C4-4BCD-93E2-E3B085C9AB24}">
+                <p16:designElem xmlns:p16="http://schemas.microsoft.com/office/powerpoint/2015/main" val="1"/>
+              </p:ext>
+            </p:extLst>
+          </p:nvPr>
+        </p:nvPicPr>
+        <p:blipFill>
+          <a:blip r:embed="rId2">
+            <a:extLst>
+              <a:ext uri="{28A0092B-C50C-407E-A947-70E740481C1C}">
+                <a14:useLocalDpi xmlns:a14="http://schemas.microsoft.com/office/drawing/2010/main" val="0"/>
+              </a:ext>
+            </a:extLst>
+          </a:blip>
+          <a:stretch>
+            <a:fillRect/>
+          </a:stretch>
+        </p:blipFill>
+        <p:spPr>
+          <a:xfrm>
+            <a:off x="0" y="0"/>
+            <a:ext cx="12192000" cy="6858000"/>
+          </a:xfrm>
+          <a:prstGeom prst="rect">
+            <a:avLst/>
+          </a:prstGeom>
+        </p:spPr>
+      </p:pic>
+      <p:sp>
+        <p:nvSpPr>
+          <p:cNvPr id="2" name="Title 1">
+            <a:extLst>
+              <a:ext uri="{FF2B5EF4-FFF2-40B4-BE49-F238E27FC236}">
+                <a16:creationId xmlns:a16="http://schemas.microsoft.com/office/drawing/2014/main" id="{4DEFBF8B-CB2A-4F64-8E62-AF3C24C019AD}"/>
+              </a:ext>
+            </a:extLst>
+          </p:cNvPr>
+          <p:cNvSpPr>
+            <a:spLocks noGrp="1"/>
+          </p:cNvSpPr>
+          <p:nvPr>
+            <p:ph type="title"/>
+          </p:nvPr>
+        </p:nvSpPr>
+        <p:spPr>
+          <a:xfrm>
+            <a:off x="6094105" y="802955"/>
+            <a:ext cx="4977976" cy="1454051"/>
+          </a:xfrm>
+        </p:spPr>
+        <p:txBody>
+          <a:bodyPr>
+            <a:normAutofit/>
+          </a:bodyPr>
+          <a:lstStyle/>
+          <a:p>
+            <a:r>
+              <a:rPr lang="en-US">
+                <a:solidFill>
+                  <a:srgbClr val="000000"/>
+                </a:solidFill>
+              </a:rPr>
+              <a:t>Works Cited</a:t>
+            </a:r>
+          </a:p>
+        </p:txBody>
+      </p:sp>
+      <p:sp>
+        <p:nvSpPr>
+          <p:cNvPr id="14" name="Freeform 62">
+            <a:extLst>
+              <a:ext uri="{FF2B5EF4-FFF2-40B4-BE49-F238E27FC236}">
+                <a16:creationId xmlns:a16="http://schemas.microsoft.com/office/drawing/2014/main" id="{339C8D78-A644-462F-B674-F440635E5353}"/>
+              </a:ext>
+              <a:ext uri="{C183D7F6-B498-43B3-948B-1728B52AA6E4}">
+                <adec:decorative xmlns:adec="http://schemas.microsoft.com/office/drawing/2017/decorative" val="1"/>
+              </a:ext>
+            </a:extLst>
+          </p:cNvPr>
+          <p:cNvSpPr>
+            <a:spLocks noGrp="1" noRot="1" noChangeAspect="1" noMove="1" noResize="1" noEditPoints="1" noAdjustHandles="1" noChangeArrowheads="1" noChangeShapeType="1" noTextEdit="1"/>
+          </p:cNvSpPr>
+          <p:nvPr>
+            <p:extLst>
+              <p:ext uri="{386F3935-93C4-4BCD-93E2-E3B085C9AB24}">
+                <p16:designElem xmlns:p16="http://schemas.microsoft.com/office/powerpoint/2015/main" val="1"/>
+              </p:ext>
+            </p:extLst>
+          </p:nvPr>
+        </p:nvSpPr>
+        <p:spPr>
+          <a:xfrm>
+            <a:off x="0" y="738619"/>
+            <a:ext cx="5000438" cy="5400962"/>
+          </a:xfrm>
+          <a:custGeom>
+            <a:avLst/>
+            <a:gdLst>
+              <a:gd name="connsiteX0" fmla="*/ 2299956 w 5000438"/>
+              <a:gd name="connsiteY0" fmla="*/ 0 h 5400962"/>
+              <a:gd name="connsiteX1" fmla="*/ 5000438 w 5000438"/>
+              <a:gd name="connsiteY1" fmla="*/ 2700481 h 5400962"/>
+              <a:gd name="connsiteX2" fmla="*/ 2299956 w 5000438"/>
+              <a:gd name="connsiteY2" fmla="*/ 5400962 h 5400962"/>
+              <a:gd name="connsiteX3" fmla="*/ 60675 w 5000438"/>
+              <a:gd name="connsiteY3" fmla="*/ 4210346 h 5400962"/>
+              <a:gd name="connsiteX4" fmla="*/ 0 w 5000438"/>
+              <a:gd name="connsiteY4" fmla="*/ 4110472 h 5400962"/>
+              <a:gd name="connsiteX5" fmla="*/ 0 w 5000438"/>
+              <a:gd name="connsiteY5" fmla="*/ 1290491 h 5400962"/>
+              <a:gd name="connsiteX6" fmla="*/ 60675 w 5000438"/>
+              <a:gd name="connsiteY6" fmla="*/ 1190617 h 5400962"/>
+              <a:gd name="connsiteX7" fmla="*/ 2299956 w 5000438"/>
+              <a:gd name="connsiteY7" fmla="*/ 0 h 5400962"/>
+            </a:gdLst>
+            <a:ahLst/>
+            <a:cxnLst>
+              <a:cxn ang="0">
+                <a:pos x="connsiteX0" y="connsiteY0"/>
+              </a:cxn>
+              <a:cxn ang="0">
+                <a:pos x="connsiteX1" y="connsiteY1"/>
+              </a:cxn>
+              <a:cxn ang="0">
+                <a:pos x="connsiteX2" y="connsiteY2"/>
+              </a:cxn>
+              <a:cxn ang="0">
+                <a:pos x="connsiteX3" y="connsiteY3"/>
+              </a:cxn>
+              <a:cxn ang="0">
+                <a:pos x="connsiteX4" y="connsiteY4"/>
+              </a:cxn>
+              <a:cxn ang="0">
+                <a:pos x="connsiteX5" y="connsiteY5"/>
+              </a:cxn>
+              <a:cxn ang="0">
+                <a:pos x="connsiteX6" y="connsiteY6"/>
+              </a:cxn>
+              <a:cxn ang="0">
+                <a:pos x="connsiteX7" y="connsiteY7"/>
+              </a:cxn>
+            </a:cxnLst>
+            <a:rect l="l" t="t" r="r" b="b"/>
+            <a:pathLst>
+              <a:path w="5000438" h="5400962">
+                <a:moveTo>
+                  <a:pt x="2299956" y="0"/>
+                </a:moveTo>
+                <a:cubicBezTo>
+                  <a:pt x="3791390" y="0"/>
+                  <a:pt x="5000438" y="1209047"/>
+                  <a:pt x="5000438" y="2700481"/>
+                </a:cubicBezTo>
+                <a:cubicBezTo>
+                  <a:pt x="5000438" y="4191915"/>
+                  <a:pt x="3791390" y="5400962"/>
+                  <a:pt x="2299956" y="5400962"/>
+                </a:cubicBezTo>
+                <a:cubicBezTo>
+                  <a:pt x="1367810" y="5400962"/>
+                  <a:pt x="545971" y="4928678"/>
+                  <a:pt x="60675" y="4210346"/>
+                </a:cubicBezTo>
+                <a:lnTo>
+                  <a:pt x="0" y="4110472"/>
+                </a:lnTo>
+                <a:lnTo>
+                  <a:pt x="0" y="1290491"/>
+                </a:lnTo>
+                <a:lnTo>
+                  <a:pt x="60675" y="1190617"/>
+                </a:lnTo>
+                <a:cubicBezTo>
+                  <a:pt x="545971" y="472284"/>
+                  <a:pt x="1367810" y="0"/>
+                  <a:pt x="2299956" y="0"/>
+                </a:cubicBezTo>
+                <a:close/>
+              </a:path>
+            </a:pathLst>
+          </a:custGeom>
+          <a:solidFill>
+            <a:srgbClr val="FFFFFF"/>
+          </a:solidFill>
+          <a:ln>
+            <a:gradFill>
+              <a:gsLst>
+                <a:gs pos="0">
+                  <a:schemeClr val="accent4"/>
+                </a:gs>
+                <a:gs pos="23000">
+                  <a:schemeClr val="accent4"/>
+                </a:gs>
+                <a:gs pos="83000">
+                  <a:schemeClr val="accent2"/>
+                </a:gs>
+                <a:gs pos="100000">
+                  <a:schemeClr val="accent2"/>
+                </a:gs>
+              </a:gsLst>
+              <a:lin ang="5400000" scaled="1"/>
+            </a:gradFill>
+          </a:ln>
+        </p:spPr>
+        <p:style>
+          <a:lnRef idx="2">
+            <a:schemeClr val="accent1">
+              <a:shade val="50000"/>
+            </a:schemeClr>
+          </a:lnRef>
+          <a:fillRef idx="1">
+            <a:schemeClr val="accent1"/>
+          </a:fillRef>
+          <a:effectRef idx="0">
+            <a:schemeClr val="accent1"/>
+          </a:effectRef>
+          <a:fontRef idx="minor">
+            <a:schemeClr val="lt1"/>
+          </a:fontRef>
+        </p:style>
+        <p:txBody>
+          <a:bodyPr wrap="square" rtlCol="0" anchor="ctr">
+            <a:noAutofit/>
+          </a:bodyPr>
+          <a:lstStyle/>
+          <a:p>
+            <a:pPr algn="ctr"/>
+            <a:endParaRPr lang="en-US"/>
+          </a:p>
+        </p:txBody>
+      </p:sp>
+      <p:pic>
+        <p:nvPicPr>
+          <p:cNvPr id="7" name="Graphic 6" descr="Basketball">
+            <a:extLst>
+              <a:ext uri="{FF2B5EF4-FFF2-40B4-BE49-F238E27FC236}">
+                <a16:creationId xmlns:a16="http://schemas.microsoft.com/office/drawing/2014/main" id="{38721E5D-9415-404F-B804-E6C647D7F5BF}"/>
+              </a:ext>
+            </a:extLst>
+          </p:cNvPr>
+          <p:cNvPicPr>
+            <a:picLocks noChangeAspect="1"/>
+          </p:cNvPicPr>
+          <p:nvPr/>
+        </p:nvPicPr>
+        <p:blipFill>
+          <a:blip r:embed="rId3">
+            <a:extLst>
+              <a:ext uri="{28A0092B-C50C-407E-A947-70E740481C1C}">
+                <a14:useLocalDpi xmlns:a14="http://schemas.microsoft.com/office/drawing/2010/main" val="0"/>
+              </a:ext>
+              <a:ext uri="{96DAC541-7B7A-43D3-8B79-37D633B846F1}">
+                <asvg:svgBlip xmlns:asvg="http://schemas.microsoft.com/office/drawing/2016/SVG/main" r:embed="rId4"/>
+              </a:ext>
+            </a:extLst>
+          </a:blip>
+          <a:stretch>
+            <a:fillRect/>
+          </a:stretch>
+        </p:blipFill>
+        <p:spPr>
+          <a:xfrm>
+            <a:off x="450254" y="1629089"/>
+            <a:ext cx="3620021" cy="3620021"/>
+          </a:xfrm>
+          <a:prstGeom prst="rect">
+            <a:avLst/>
+          </a:prstGeom>
+        </p:spPr>
+      </p:pic>
+      <p:sp>
+        <p:nvSpPr>
+          <p:cNvPr id="3" name="Content Placeholder 2">
+            <a:extLst>
+              <a:ext uri="{FF2B5EF4-FFF2-40B4-BE49-F238E27FC236}">
+                <a16:creationId xmlns:a16="http://schemas.microsoft.com/office/drawing/2014/main" id="{623A6D1E-7074-4AE8-829A-3DAF8C8EB2B7}"/>
+              </a:ext>
+            </a:extLst>
+          </p:cNvPr>
+          <p:cNvSpPr>
+            <a:spLocks noGrp="1"/>
+          </p:cNvSpPr>
+          <p:nvPr>
+            <p:ph idx="1"/>
+          </p:nvPr>
+        </p:nvSpPr>
+        <p:spPr>
+          <a:xfrm>
+            <a:off x="6090574" y="2421682"/>
+            <a:ext cx="4977578" cy="3639289"/>
+          </a:xfrm>
+        </p:spPr>
+        <p:txBody>
+          <a:bodyPr anchor="ctr">
+            <a:normAutofit/>
+          </a:bodyPr>
+          <a:lstStyle/>
+          <a:p>
+            <a:r>
+              <a:rPr lang="en-US" sz="1900" b="1" i="0">
+                <a:solidFill>
+                  <a:srgbClr val="000000"/>
+                </a:solidFill>
+                <a:effectLst/>
+                <a:latin typeface="Segoe UI" panose="020B0502040204020203" pitchFamily="34" charset="0"/>
+              </a:rPr>
+              <a:t>2021 Pomeroy College Basketball Rankings                     </a:t>
+            </a:r>
+            <a:r>
+              <a:rPr lang="en-US" sz="1900" b="0" i="0">
+                <a:solidFill>
+                  <a:srgbClr val="000000"/>
+                </a:solidFill>
+                <a:effectLst/>
+                <a:latin typeface="Segoe UI" panose="020B0502040204020203" pitchFamily="34" charset="0"/>
+              </a:rPr>
+              <a:t>"2021 Pomeroy College Basketball Ratings". </a:t>
+            </a:r>
+            <a:r>
+              <a:rPr lang="en-US" sz="1900" b="0" i="1">
+                <a:solidFill>
+                  <a:srgbClr val="000000"/>
+                </a:solidFill>
+                <a:effectLst/>
+                <a:latin typeface="Segoe UI" panose="020B0502040204020203" pitchFamily="34" charset="0"/>
+              </a:rPr>
+              <a:t>Kenpom.Com</a:t>
+            </a:r>
+            <a:r>
+              <a:rPr lang="en-US" sz="1900" b="0" i="0">
+                <a:solidFill>
+                  <a:srgbClr val="000000"/>
+                </a:solidFill>
+                <a:effectLst/>
+                <a:latin typeface="Segoe UI" panose="020B0502040204020203" pitchFamily="34" charset="0"/>
+              </a:rPr>
+              <a:t>, 2021, https://kenpom.com/. Accessed 21 Mar 2021.</a:t>
+            </a:r>
+          </a:p>
+          <a:p>
+            <a:r>
+              <a:rPr lang="en-US" sz="1900" b="1" i="0">
+                <a:solidFill>
+                  <a:srgbClr val="000000"/>
+                </a:solidFill>
+                <a:effectLst/>
+                <a:latin typeface="Segoe UI" panose="020B0502040204020203" pitchFamily="34" charset="0"/>
+              </a:rPr>
+              <a:t>March Machine Learning Mania 2021 – NCAAM | Kaggle </a:t>
+            </a:r>
+            <a:r>
+              <a:rPr lang="en-US" sz="1900" b="0" i="0">
+                <a:solidFill>
+                  <a:srgbClr val="000000"/>
+                </a:solidFill>
+                <a:effectLst/>
+                <a:latin typeface="Segoe UI" panose="020B0502040204020203" pitchFamily="34" charset="0"/>
+              </a:rPr>
+              <a:t>"March Machine Learning Mania 2021 - NCAAM | Kaggle". </a:t>
+            </a:r>
+            <a:r>
+              <a:rPr lang="en-US" sz="1900" b="0" i="1">
+                <a:solidFill>
+                  <a:srgbClr val="000000"/>
+                </a:solidFill>
+                <a:effectLst/>
+                <a:latin typeface="Segoe UI" panose="020B0502040204020203" pitchFamily="34" charset="0"/>
+              </a:rPr>
+              <a:t>Kaggle.Com</a:t>
+            </a:r>
+            <a:r>
+              <a:rPr lang="en-US" sz="1900" b="0" i="0">
+                <a:solidFill>
+                  <a:srgbClr val="000000"/>
+                </a:solidFill>
+                <a:effectLst/>
+                <a:latin typeface="Segoe UI" panose="020B0502040204020203" pitchFamily="34" charset="0"/>
+              </a:rPr>
+              <a:t>, 2021, https://www.kaggle.com/c/ncaam-march-mania-2021/data. Accessed 28 Mar 2021.</a:t>
+            </a:r>
+          </a:p>
+          <a:p>
+            <a:endParaRPr lang="en-US" sz="1900">
+              <a:solidFill>
+                <a:srgbClr val="000000"/>
+              </a:solidFill>
+            </a:endParaRPr>
+          </a:p>
+        </p:txBody>
+      </p:sp>
+    </p:spTree>
+    <p:extLst>
+      <p:ext uri="{BB962C8B-B14F-4D97-AF65-F5344CB8AC3E}">
+        <p14:creationId xmlns:p14="http://schemas.microsoft.com/office/powerpoint/2010/main" val="2119342115"/>
+      </p:ext>
+    </p:extLst>
+  </p:cSld>
+  <p:clrMapOvr>
+    <a:masterClrMapping/>
+  </p:clrMapOvr>
+</p:sld>
+</file>
+
+<file path=ppt/slides/slide15.xml><?xml version="1.0" encoding="utf-8"?>
+<p:sld xmlns:a="http://schemas.openxmlformats.org/drawingml/2006/main" xmlns:r="http://schemas.openxmlformats.org/officeDocument/2006/relationships" xmlns:p="http://schemas.openxmlformats.org/presentationml/2006/main">
+  <p:cSld>
+    <p:bg>
+      <p:bgPr>
+        <a:solidFill>
+          <a:schemeClr val="bg1"/>
+        </a:solidFill>
+        <a:effectLst/>
+      </p:bgPr>
+    </p:bg>
+    <p:spTree>
+      <p:nvGrpSpPr>
+        <p:cNvPr id="1" name=""/>
+        <p:cNvGrpSpPr/>
+        <p:nvPr/>
+      </p:nvGrpSpPr>
+      <p:grpSpPr>
+        <a:xfrm>
+          <a:off x="0" y="0"/>
+          <a:ext cx="0" cy="0"/>
+          <a:chOff x="0" y="0"/>
+          <a:chExt cx="0" cy="0"/>
+        </a:xfrm>
+      </p:grpSpPr>
+      <p:sp useBgFill="1">
+        <p:nvSpPr>
+          <p:cNvPr id="9" name="Rectangle 8">
+            <a:extLst>
+              <a:ext uri="{FF2B5EF4-FFF2-40B4-BE49-F238E27FC236}">
+                <a16:creationId xmlns:a16="http://schemas.microsoft.com/office/drawing/2014/main" id="{0671A8AE-40A1-4631-A6B8-581AFF065482}"/>
+              </a:ext>
+              <a:ext uri="{C183D7F6-B498-43B3-948B-1728B52AA6E4}">
+                <adec:decorative xmlns:adec="http://schemas.microsoft.com/office/drawing/2017/decorative" val="1"/>
+              </a:ext>
+            </a:extLst>
+          </p:cNvPr>
+          <p:cNvSpPr>
+            <a:spLocks noGrp="1" noRot="1" noChangeAspect="1" noMove="1" noResize="1" noEditPoints="1" noAdjustHandles="1" noChangeArrowheads="1" noChangeShapeType="1" noTextEdit="1"/>
+          </p:cNvSpPr>
+          <p:nvPr>
+            <p:extLst>
+              <p:ext uri="{386F3935-93C4-4BCD-93E2-E3B085C9AB24}">
+                <p16:designElem xmlns:p16="http://schemas.microsoft.com/office/powerpoint/2015/main" val="1"/>
+              </p:ext>
+            </p:extLst>
+          </p:nvPr>
+        </p:nvSpPr>
+        <p:spPr>
+          <a:xfrm>
+            <a:off x="0" y="0"/>
+            <a:ext cx="12192000" cy="6858000"/>
+          </a:xfrm>
+          <a:prstGeom prst="rect">
+            <a:avLst/>
+          </a:prstGeom>
+          <a:ln>
+            <a:noFill/>
+          </a:ln>
+        </p:spPr>
+        <p:style>
+          <a:lnRef idx="2">
+            <a:schemeClr val="accent1">
+              <a:shade val="50000"/>
+            </a:schemeClr>
+          </a:lnRef>
+          <a:fillRef idx="1">
+            <a:schemeClr val="accent1"/>
+          </a:fillRef>
+          <a:effectRef idx="0">
+            <a:schemeClr val="accent1"/>
+          </a:effectRef>
+          <a:fontRef idx="minor">
+            <a:schemeClr val="lt1"/>
+          </a:fontRef>
+        </p:style>
+        <p:txBody>
+          <a:bodyPr rtlCol="0" anchor="ctr"/>
+          <a:lstStyle/>
+          <a:p>
+            <a:pPr algn="ctr"/>
+            <a:endParaRPr lang="en-US"/>
+          </a:p>
+        </p:txBody>
+      </p:sp>
+      <p:pic>
+        <p:nvPicPr>
+          <p:cNvPr id="5" name="Picture 4" descr="Question mark on green pastel background">
+            <a:extLst>
+              <a:ext uri="{FF2B5EF4-FFF2-40B4-BE49-F238E27FC236}">
+                <a16:creationId xmlns:a16="http://schemas.microsoft.com/office/drawing/2014/main" id="{42EE2D9C-9EBA-4BFF-B4CE-C1B746A45648}"/>
+              </a:ext>
+            </a:extLst>
+          </p:cNvPr>
+          <p:cNvPicPr>
+            <a:picLocks noChangeAspect="1"/>
+          </p:cNvPicPr>
+          <p:nvPr/>
+        </p:nvPicPr>
+        <p:blipFill rotWithShape="1">
+          <a:blip r:embed="rId2"/>
+          <a:srcRect l="5200"/>
+          <a:stretch/>
+        </p:blipFill>
+        <p:spPr>
+          <a:xfrm>
+            <a:off x="3523488" y="10"/>
+            <a:ext cx="8668512" cy="6857990"/>
+          </a:xfrm>
+          <a:prstGeom prst="rect">
+            <a:avLst/>
+          </a:prstGeom>
+        </p:spPr>
+      </p:pic>
+      <p:sp>
+        <p:nvSpPr>
+          <p:cNvPr id="11" name="Rectangle 10">
+            <a:extLst>
+              <a:ext uri="{FF2B5EF4-FFF2-40B4-BE49-F238E27FC236}">
+                <a16:creationId xmlns:a16="http://schemas.microsoft.com/office/drawing/2014/main" id="{AB58EF07-17C2-48CF-ABB0-EEF1F17CB8F0}"/>
+              </a:ext>
+              <a:ext uri="{C183D7F6-B498-43B3-948B-1728B52AA6E4}">
+                <adec:decorative xmlns:adec="http://schemas.microsoft.com/office/drawing/2017/decorative" val="1"/>
+              </a:ext>
+            </a:extLst>
+          </p:cNvPr>
+          <p:cNvSpPr>
+            <a:spLocks noGrp="1" noRot="1" noChangeAspect="1" noMove="1" noResize="1" noEditPoints="1" noAdjustHandles="1" noChangeArrowheads="1" noChangeShapeType="1" noTextEdit="1"/>
+          </p:cNvSpPr>
+          <p:nvPr>
+            <p:extLst>
+              <p:ext uri="{386F3935-93C4-4BCD-93E2-E3B085C9AB24}">
+                <p16:designElem xmlns:p16="http://schemas.microsoft.com/office/powerpoint/2015/main" val="1"/>
+              </p:ext>
+            </p:extLst>
+          </p:nvPr>
+        </p:nvSpPr>
+        <p:spPr>
+          <a:xfrm>
+            <a:off x="3" y="0"/>
+            <a:ext cx="9339206" cy="6858000"/>
+          </a:xfrm>
+          <a:prstGeom prst="rect">
+            <a:avLst/>
+          </a:prstGeom>
+          <a:gradFill>
+            <a:gsLst>
+              <a:gs pos="58000">
+                <a:schemeClr val="bg1"/>
+              </a:gs>
+              <a:gs pos="33000">
+                <a:schemeClr val="bg1">
+                  <a:alpha val="64000"/>
+                </a:schemeClr>
+              </a:gs>
+              <a:gs pos="0">
+                <a:schemeClr val="bg1">
+                  <a:alpha val="0"/>
+                </a:schemeClr>
+              </a:gs>
+              <a:gs pos="100000">
+                <a:schemeClr val="bg1"/>
+              </a:gs>
+            </a:gsLst>
+            <a:lin ang="10800000" scaled="0"/>
+          </a:gradFill>
+          <a:ln>
+            <a:noFill/>
+          </a:ln>
+        </p:spPr>
+        <p:style>
+          <a:lnRef idx="2">
+            <a:schemeClr val="accent1">
+              <a:shade val="50000"/>
+            </a:schemeClr>
+          </a:lnRef>
+          <a:fillRef idx="1">
+            <a:schemeClr val="accent1"/>
+          </a:fillRef>
+          <a:effectRef idx="0">
+            <a:schemeClr val="accent1"/>
+          </a:effectRef>
+          <a:fontRef idx="minor">
+            <a:schemeClr val="lt1"/>
+          </a:fontRef>
+        </p:style>
+        <p:txBody>
+          <a:bodyPr rtlCol="0" anchor="ctr"/>
+          <a:lstStyle/>
+          <a:p>
+            <a:pPr algn="ctr"/>
+            <a:endParaRPr lang="en-US" dirty="0"/>
+          </a:p>
+        </p:txBody>
+      </p:sp>
+      <p:sp>
+        <p:nvSpPr>
+          <p:cNvPr id="2" name="Title 1">
+            <a:extLst>
+              <a:ext uri="{FF2B5EF4-FFF2-40B4-BE49-F238E27FC236}">
+                <a16:creationId xmlns:a16="http://schemas.microsoft.com/office/drawing/2014/main" id="{5E6E6CDE-C69D-4AE1-994B-AF96BBB3D83B}"/>
+              </a:ext>
+            </a:extLst>
+          </p:cNvPr>
+          <p:cNvSpPr>
+            <a:spLocks noGrp="1"/>
+          </p:cNvSpPr>
+          <p:nvPr>
+            <p:ph type="title"/>
+          </p:nvPr>
+        </p:nvSpPr>
+        <p:spPr>
+          <a:xfrm>
+            <a:off x="477981" y="1122363"/>
+            <a:ext cx="4023360" cy="3204134"/>
+          </a:xfrm>
+        </p:spPr>
+        <p:txBody>
+          <a:bodyPr vert="horz" lIns="91440" tIns="45720" rIns="91440" bIns="45720" rtlCol="0" anchor="b">
+            <a:normAutofit/>
+          </a:bodyPr>
+          <a:lstStyle/>
+          <a:p>
+            <a:r>
+              <a:rPr lang="en-US" sz="4800"/>
+              <a:t>Questions</a:t>
+            </a:r>
+          </a:p>
+        </p:txBody>
+      </p:sp>
+      <p:sp>
+        <p:nvSpPr>
+          <p:cNvPr id="13" name="Rectangle 12">
+            <a:extLst>
+              <a:ext uri="{FF2B5EF4-FFF2-40B4-BE49-F238E27FC236}">
+                <a16:creationId xmlns:a16="http://schemas.microsoft.com/office/drawing/2014/main" id="{AF2F604E-43BE-4DC3-B983-E071523364F8}"/>
+              </a:ext>
+              <a:ext uri="{C183D7F6-B498-43B3-948B-1728B52AA6E4}">
+                <adec:decorative xmlns:adec="http://schemas.microsoft.com/office/drawing/2017/decorative" val="1"/>
+              </a:ext>
+            </a:extLst>
+          </p:cNvPr>
+          <p:cNvSpPr>
+            <a:spLocks noGrp="1" noRot="1" noChangeAspect="1" noMove="1" noResize="1" noEditPoints="1" noAdjustHandles="1" noChangeArrowheads="1" noChangeShapeType="1" noTextEdit="1"/>
+          </p:cNvSpPr>
+          <p:nvPr>
+            <p:extLst>
+              <p:ext uri="{386F3935-93C4-4BCD-93E2-E3B085C9AB24}">
+                <p16:designElem xmlns:p16="http://schemas.microsoft.com/office/powerpoint/2015/main" val="1"/>
+              </p:ext>
+            </p:extLst>
+          </p:nvPr>
+        </p:nvSpPr>
+        <p:spPr>
+          <a:xfrm rot="5400000">
+            <a:off x="759921" y="346791"/>
+            <a:ext cx="146304" cy="704088"/>
+          </a:xfrm>
+          <a:prstGeom prst="rect">
+            <a:avLst/>
+          </a:prstGeom>
+          <a:solidFill>
+            <a:schemeClr val="accent2"/>
+          </a:solidFill>
+          <a:ln>
+            <a:noFill/>
+          </a:ln>
+        </p:spPr>
+        <p:style>
+          <a:lnRef idx="2">
+            <a:schemeClr val="accent1">
+              <a:shade val="50000"/>
+            </a:schemeClr>
+          </a:lnRef>
+          <a:fillRef idx="1">
+            <a:schemeClr val="accent1"/>
+          </a:fillRef>
+          <a:effectRef idx="0">
+            <a:schemeClr val="accent1"/>
+          </a:effectRef>
+          <a:fontRef idx="minor">
+            <a:schemeClr val="lt1"/>
+          </a:fontRef>
+        </p:style>
+        <p:txBody>
+          <a:bodyPr rtlCol="0" anchor="ctr"/>
+          <a:lstStyle/>
+          <a:p>
+            <a:pPr algn="ctr"/>
+            <a:endParaRPr lang="en-US">
+              <a:solidFill>
+                <a:prstClr val="white"/>
+              </a:solidFill>
+              <a:latin typeface="Calibri" panose="020F0502020204030204"/>
+            </a:endParaRPr>
+          </a:p>
+        </p:txBody>
+      </p:sp>
+      <p:sp>
+        <p:nvSpPr>
+          <p:cNvPr id="15" name="Rectangle 14">
+            <a:extLst>
+              <a:ext uri="{FF2B5EF4-FFF2-40B4-BE49-F238E27FC236}">
+                <a16:creationId xmlns:a16="http://schemas.microsoft.com/office/drawing/2014/main" id="{08C9B587-E65E-4B52-B37C-ABEBB6E87928}"/>
+              </a:ext>
+              <a:ext uri="{C183D7F6-B498-43B3-948B-1728B52AA6E4}">
+                <adec:decorative xmlns:adec="http://schemas.microsoft.com/office/drawing/2017/decorative" val="1"/>
+              </a:ext>
+            </a:extLst>
+          </p:cNvPr>
+          <p:cNvSpPr>
+            <a:spLocks noGrp="1" noRot="1" noChangeAspect="1" noMove="1" noResize="1" noEditPoints="1" noAdjustHandles="1" noChangeArrowheads="1" noChangeShapeType="1" noTextEdit="1"/>
+          </p:cNvSpPr>
+          <p:nvPr>
+            <p:extLst>
+              <p:ext uri="{386F3935-93C4-4BCD-93E2-E3B085C9AB24}">
+                <p16:designElem xmlns:p16="http://schemas.microsoft.com/office/powerpoint/2015/main" val="1"/>
+              </p:ext>
+            </p:extLst>
+          </p:nvPr>
+        </p:nvSpPr>
+        <p:spPr>
+          <a:xfrm>
+            <a:off x="481029" y="4546920"/>
+            <a:ext cx="3977640" cy="18288"/>
+          </a:xfrm>
+          <a:prstGeom prst="rect">
+            <a:avLst/>
+          </a:prstGeom>
+          <a:solidFill>
+            <a:schemeClr val="tx1"/>
+          </a:solidFill>
+          <a:ln w="3175">
+            <a:noFill/>
+          </a:ln>
+          <a:effectLst/>
+        </p:spPr>
+        <p:style>
+          <a:lnRef idx="2">
+            <a:schemeClr val="accent1">
+              <a:shade val="50000"/>
+            </a:schemeClr>
+          </a:lnRef>
+          <a:fillRef idx="1">
+            <a:schemeClr val="accent1"/>
+          </a:fillRef>
+          <a:effectRef idx="0">
+            <a:schemeClr val="accent1"/>
+          </a:effectRef>
+          <a:fontRef idx="minor">
+            <a:schemeClr val="lt1"/>
+          </a:fontRef>
+        </p:style>
+        <p:txBody>
+          <a:bodyPr rtlCol="0" anchor="ctr"/>
+          <a:lstStyle/>
+          <a:p>
+            <a:pPr marL="0" marR="0" lvl="0" indent="0" algn="ctr" defTabSz="914400" rtl="0" eaLnBrk="1" fontAlgn="auto" latinLnBrk="0" hangingPunct="1">
+              <a:lnSpc>
+                <a:spcPct val="100000"/>
+              </a:lnSpc>
+              <a:spcBef>
+                <a:spcPts val="0"/>
+              </a:spcBef>
+              <a:spcAft>
+                <a:spcPts val="0"/>
+              </a:spcAft>
+              <a:buClrTx/>
+              <a:buSzTx/>
+              <a:buFontTx/>
+              <a:buNone/>
+              <a:tabLst/>
+              <a:defRPr/>
+            </a:pPr>
+            <a:endParaRPr kumimoji="0" lang="en-US" sz="1800" b="0" i="0" u="none" strike="noStrike" kern="1200" cap="none" spc="0" normalizeH="0" baseline="0" noProof="0">
+              <a:ln>
+                <a:noFill/>
+              </a:ln>
+              <a:solidFill>
+                <a:prstClr val="white"/>
+              </a:solidFill>
+              <a:effectLst/>
+              <a:uLnTx/>
+              <a:uFillTx/>
+              <a:latin typeface="Calibri" panose="020F0502020204030204"/>
+              <a:ea typeface="+mn-ea"/>
+              <a:cs typeface="+mn-cs"/>
+            </a:endParaRPr>
+          </a:p>
+        </p:txBody>
+      </p:sp>
+      <p:sp>
+        <p:nvSpPr>
+          <p:cNvPr id="4" name="Rectangle 3">
+            <a:extLst>
+              <a:ext uri="{FF2B5EF4-FFF2-40B4-BE49-F238E27FC236}">
+                <a16:creationId xmlns:a16="http://schemas.microsoft.com/office/drawing/2014/main" id="{52D48E84-C387-4C0E-8878-BD3550ABEE99}"/>
+              </a:ext>
+            </a:extLst>
+          </p:cNvPr>
+          <p:cNvSpPr/>
+          <p:nvPr/>
+        </p:nvSpPr>
+        <p:spPr>
+          <a:xfrm>
+            <a:off x="318734" y="538190"/>
+            <a:ext cx="1076379" cy="363750"/>
+          </a:xfrm>
+          <a:prstGeom prst="rect">
+            <a:avLst/>
+          </a:prstGeom>
+        </p:spPr>
+        <p:style>
+          <a:lnRef idx="2">
+            <a:schemeClr val="dk1">
+              <a:shade val="50000"/>
+            </a:schemeClr>
+          </a:lnRef>
+          <a:fillRef idx="1">
+            <a:schemeClr val="dk1"/>
+          </a:fillRef>
+          <a:effectRef idx="0">
+            <a:schemeClr val="dk1"/>
+          </a:effectRef>
+          <a:fontRef idx="minor">
+            <a:schemeClr val="lt1"/>
+          </a:fontRef>
+        </p:style>
+        <p:txBody>
+          <a:bodyPr rtlCol="0" anchor="ctr"/>
+          <a:lstStyle/>
+          <a:p>
+            <a:pPr algn="ctr"/>
             <a:endParaRPr lang="en-US"/>
           </a:p>
         </p:txBody>
@@ -3928,7 +9000,7 @@
     </p:extLst>
   </p:cSld>
   <p:clrMapOvr>
-    <a:masterClrMapping/>
+    <a:overrideClrMapping bg1="dk1" tx1="lt1" bg2="dk2" tx2="lt2" accent1="accent1" accent2="accent2" accent3="accent3" accent4="accent4" accent5="accent5" accent6="accent6" hlink="hlink" folHlink="folHlink"/>
   </p:clrMapOvr>
 </p:sld>
 </file>
@@ -4214,12 +9286,12 @@
               <a:buNone/>
             </a:pPr>
             <a:r>
-              <a:rPr lang="en-US">
+              <a:rPr lang="en-US" dirty="0">
                 <a:solidFill>
                   <a:srgbClr val="FFFFFF"/>
                 </a:solidFill>
               </a:rPr>
-              <a:t>Queue “One Shining Moment” music</a:t>
+              <a:t>Queue “One Shining Moment” Music</a:t>
             </a:r>
           </a:p>
         </p:txBody>
@@ -5865,32 +10937,282 @@
           <a:p>
             <a:r>
               <a:rPr lang="en-US" dirty="0"/>
-              <a:t>Methodology</a:t>
+              <a:t>Methodology – Cleaning the Data</a:t>
             </a:r>
+          </a:p>
+        </p:txBody>
+      </p:sp>
+      <p:pic>
+        <p:nvPicPr>
+          <p:cNvPr id="9" name="Content Placeholder 8">
+            <a:extLst>
+              <a:ext uri="{FF2B5EF4-FFF2-40B4-BE49-F238E27FC236}">
+                <a16:creationId xmlns:a16="http://schemas.microsoft.com/office/drawing/2014/main" id="{FD335D24-0489-4B2C-8688-D3D66D928B32}"/>
+              </a:ext>
+            </a:extLst>
+          </p:cNvPr>
+          <p:cNvPicPr>
+            <a:picLocks noGrp="1" noChangeAspect="1"/>
+          </p:cNvPicPr>
+          <p:nvPr>
+            <p:ph idx="1"/>
+          </p:nvPr>
+        </p:nvPicPr>
+        <p:blipFill>
+          <a:blip r:embed="rId2"/>
+          <a:stretch>
+            <a:fillRect/>
+          </a:stretch>
+        </p:blipFill>
+        <p:spPr>
+          <a:xfrm>
+            <a:off x="203314" y="2142281"/>
+            <a:ext cx="5988580" cy="1651600"/>
+          </a:xfrm>
+        </p:spPr>
+      </p:pic>
+      <p:sp>
+        <p:nvSpPr>
+          <p:cNvPr id="10" name="TextBox 9">
+            <a:extLst>
+              <a:ext uri="{FF2B5EF4-FFF2-40B4-BE49-F238E27FC236}">
+                <a16:creationId xmlns:a16="http://schemas.microsoft.com/office/drawing/2014/main" id="{7516AA24-867E-4683-A8A9-BDCE07CE5CDB}"/>
+              </a:ext>
+            </a:extLst>
+          </p:cNvPr>
+          <p:cNvSpPr txBox="1"/>
+          <p:nvPr/>
+        </p:nvSpPr>
+        <p:spPr>
+          <a:xfrm>
+            <a:off x="2308567" y="1673519"/>
+            <a:ext cx="1478866" cy="369332"/>
+          </a:xfrm>
+          <a:prstGeom prst="rect">
+            <a:avLst/>
+          </a:prstGeom>
+          <a:noFill/>
+        </p:spPr>
+        <p:txBody>
+          <a:bodyPr wrap="none" rtlCol="0">
+            <a:spAutoFit/>
+          </a:bodyPr>
+          <a:lstStyle/>
+          <a:p>
+            <a:r>
+              <a:rPr lang="en-US" b="1" dirty="0" err="1"/>
+              <a:t>KenPom</a:t>
+            </a:r>
+            <a:r>
+              <a:rPr lang="en-US" b="1" dirty="0"/>
+              <a:t> Data</a:t>
+            </a:r>
+          </a:p>
+        </p:txBody>
+      </p:sp>
+      <p:pic>
+        <p:nvPicPr>
+          <p:cNvPr id="12" name="Picture 11">
+            <a:extLst>
+              <a:ext uri="{FF2B5EF4-FFF2-40B4-BE49-F238E27FC236}">
+                <a16:creationId xmlns:a16="http://schemas.microsoft.com/office/drawing/2014/main" id="{E46BB387-BC01-4215-BCE4-6F18099FDE33}"/>
+              </a:ext>
+            </a:extLst>
+          </p:cNvPr>
+          <p:cNvPicPr>
+            <a:picLocks noChangeAspect="1"/>
+          </p:cNvPicPr>
+          <p:nvPr/>
+        </p:nvPicPr>
+        <p:blipFill>
+          <a:blip r:embed="rId3"/>
+          <a:stretch>
+            <a:fillRect/>
+          </a:stretch>
+        </p:blipFill>
+        <p:spPr>
+          <a:xfrm>
+            <a:off x="6687504" y="1591823"/>
+            <a:ext cx="5203213" cy="4901052"/>
+          </a:xfrm>
+          <a:prstGeom prst="rect">
+            <a:avLst/>
+          </a:prstGeom>
+        </p:spPr>
+      </p:pic>
+      <p:pic>
+        <p:nvPicPr>
+          <p:cNvPr id="14" name="Picture 13">
+            <a:extLst>
+              <a:ext uri="{FF2B5EF4-FFF2-40B4-BE49-F238E27FC236}">
+                <a16:creationId xmlns:a16="http://schemas.microsoft.com/office/drawing/2014/main" id="{B1DF3D47-BD33-4E14-AED4-DB89B7A0A201}"/>
+              </a:ext>
+            </a:extLst>
+          </p:cNvPr>
+          <p:cNvPicPr>
+            <a:picLocks noChangeAspect="1"/>
+          </p:cNvPicPr>
+          <p:nvPr/>
+        </p:nvPicPr>
+        <p:blipFill>
+          <a:blip r:embed="rId4"/>
+          <a:stretch>
+            <a:fillRect/>
+          </a:stretch>
+        </p:blipFill>
+        <p:spPr>
+          <a:xfrm>
+            <a:off x="0" y="5017773"/>
+            <a:ext cx="6272451" cy="1403942"/>
+          </a:xfrm>
+          <a:prstGeom prst="rect">
+            <a:avLst/>
+          </a:prstGeom>
+        </p:spPr>
+      </p:pic>
+      <p:sp>
+        <p:nvSpPr>
+          <p:cNvPr id="15" name="Arrow: Down 14">
+            <a:extLst>
+              <a:ext uri="{FF2B5EF4-FFF2-40B4-BE49-F238E27FC236}">
+                <a16:creationId xmlns:a16="http://schemas.microsoft.com/office/drawing/2014/main" id="{A446D0B3-FF02-4BD9-93CC-C5D702B94E38}"/>
+              </a:ext>
+            </a:extLst>
+          </p:cNvPr>
+          <p:cNvSpPr/>
+          <p:nvPr/>
+        </p:nvSpPr>
+        <p:spPr>
+          <a:xfrm rot="16200000">
+            <a:off x="6459933" y="2627512"/>
+            <a:ext cx="497698" cy="579748"/>
+          </a:xfrm>
+          <a:prstGeom prst="downArrow">
+            <a:avLst/>
+          </a:prstGeom>
+          <a:solidFill>
+            <a:srgbClr val="FF0000"/>
+          </a:solidFill>
+          <a:ln>
+            <a:solidFill>
+              <a:schemeClr val="tx1"/>
+            </a:solidFill>
+          </a:ln>
+        </p:spPr>
+        <p:style>
+          <a:lnRef idx="2">
+            <a:schemeClr val="accent1">
+              <a:shade val="50000"/>
+            </a:schemeClr>
+          </a:lnRef>
+          <a:fillRef idx="1">
+            <a:schemeClr val="accent1"/>
+          </a:fillRef>
+          <a:effectRef idx="0">
+            <a:schemeClr val="accent1"/>
+          </a:effectRef>
+          <a:fontRef idx="minor">
+            <a:schemeClr val="lt1"/>
+          </a:fontRef>
+        </p:style>
+        <p:txBody>
+          <a:bodyPr rtlCol="0" anchor="ctr"/>
+          <a:lstStyle/>
+          <a:p>
+            <a:pPr algn="ctr"/>
+            <a:endParaRPr lang="en-US"/>
           </a:p>
         </p:txBody>
       </p:sp>
       <p:sp>
         <p:nvSpPr>
-          <p:cNvPr id="3" name="Content Placeholder 2">
-            <a:extLst>
-              <a:ext uri="{FF2B5EF4-FFF2-40B4-BE49-F238E27FC236}">
-                <a16:creationId xmlns:a16="http://schemas.microsoft.com/office/drawing/2014/main" id="{F5CF0920-8D47-4B39-B902-3C582C431BEC}"/>
-              </a:ext>
-            </a:extLst>
-          </p:cNvPr>
-          <p:cNvSpPr>
-            <a:spLocks noGrp="1"/>
-          </p:cNvSpPr>
-          <p:nvPr>
-            <p:ph idx="1"/>
-          </p:nvPr>
+          <p:cNvPr id="16" name="TextBox 15">
+            <a:extLst>
+              <a:ext uri="{FF2B5EF4-FFF2-40B4-BE49-F238E27FC236}">
+                <a16:creationId xmlns:a16="http://schemas.microsoft.com/office/drawing/2014/main" id="{E48AAEE8-A862-4C4B-8E6F-92304BBFD7E5}"/>
+              </a:ext>
+            </a:extLst>
+          </p:cNvPr>
+          <p:cNvSpPr txBox="1"/>
+          <p:nvPr/>
         </p:nvSpPr>
-        <p:spPr/>
+        <p:spPr>
+          <a:xfrm>
+            <a:off x="2016820" y="4648441"/>
+            <a:ext cx="2062359" cy="369332"/>
+          </a:xfrm>
+          <a:prstGeom prst="rect">
+            <a:avLst/>
+          </a:prstGeom>
+          <a:noFill/>
+        </p:spPr>
         <p:txBody>
-          <a:bodyPr/>
+          <a:bodyPr wrap="none" rtlCol="0">
+            <a:spAutoFit/>
+          </a:bodyPr>
           <a:lstStyle/>
           <a:p>
+            <a:r>
+              <a:rPr lang="en-US" b="1" dirty="0" err="1"/>
+              <a:t>KenPom</a:t>
+            </a:r>
+            <a:r>
+              <a:rPr lang="en-US" b="1" dirty="0"/>
+              <a:t> Data Clean</a:t>
+            </a:r>
+          </a:p>
+        </p:txBody>
+      </p:sp>
+      <p:sp>
+        <p:nvSpPr>
+          <p:cNvPr id="17" name="Arrow: Down 16">
+            <a:extLst>
+              <a:ext uri="{FF2B5EF4-FFF2-40B4-BE49-F238E27FC236}">
+                <a16:creationId xmlns:a16="http://schemas.microsoft.com/office/drawing/2014/main" id="{5CC9961A-28E3-4970-B302-03DA7EB70C75}"/>
+              </a:ext>
+            </a:extLst>
+          </p:cNvPr>
+          <p:cNvSpPr/>
+          <p:nvPr/>
+        </p:nvSpPr>
+        <p:spPr>
+          <a:xfrm rot="5400000">
+            <a:off x="6459933" y="5423660"/>
+            <a:ext cx="497698" cy="579748"/>
+          </a:xfrm>
+          <a:prstGeom prst="downArrow">
+            <a:avLst/>
+          </a:prstGeom>
+          <a:solidFill>
+            <a:srgbClr val="00B050"/>
+          </a:solidFill>
+          <a:ln>
+            <a:solidFill>
+              <a:schemeClr val="tx1"/>
+            </a:solidFill>
+          </a:ln>
+        </p:spPr>
+        <p:style>
+          <a:lnRef idx="2">
+            <a:schemeClr val="accent1">
+              <a:shade val="50000"/>
+            </a:schemeClr>
+          </a:lnRef>
+          <a:fillRef idx="1">
+            <a:schemeClr val="accent1"/>
+          </a:fillRef>
+          <a:effectRef idx="0">
+            <a:schemeClr val="accent1"/>
+          </a:effectRef>
+          <a:fontRef idx="minor">
+            <a:schemeClr val="lt1"/>
+          </a:fontRef>
+        </p:style>
+        <p:txBody>
+          <a:bodyPr rtlCol="0" anchor="ctr"/>
+          <a:lstStyle/>
+          <a:p>
+            <a:pPr algn="ctr"/>
             <a:endParaRPr lang="en-US"/>
           </a:p>
         </p:txBody>
@@ -5925,12 +11247,42 @@
           <a:chExt cx="0" cy="0"/>
         </a:xfrm>
       </p:grpSpPr>
+      <p:pic>
+        <p:nvPicPr>
+          <p:cNvPr id="11" name="Picture 10">
+            <a:extLst>
+              <a:ext uri="{FF2B5EF4-FFF2-40B4-BE49-F238E27FC236}">
+                <a16:creationId xmlns:a16="http://schemas.microsoft.com/office/drawing/2014/main" id="{4E3201EE-E5DD-4090-A261-74CCF8924EBF}"/>
+              </a:ext>
+            </a:extLst>
+          </p:cNvPr>
+          <p:cNvPicPr>
+            <a:picLocks noChangeAspect="1"/>
+          </p:cNvPicPr>
+          <p:nvPr/>
+        </p:nvPicPr>
+        <p:blipFill>
+          <a:blip r:embed="rId2"/>
+          <a:stretch>
+            <a:fillRect/>
+          </a:stretch>
+        </p:blipFill>
+        <p:spPr>
+          <a:xfrm>
+            <a:off x="6260970" y="1562393"/>
+            <a:ext cx="3797430" cy="2120642"/>
+          </a:xfrm>
+          <a:prstGeom prst="rect">
+            <a:avLst/>
+          </a:prstGeom>
+        </p:spPr>
+      </p:pic>
       <p:sp>
         <p:nvSpPr>
           <p:cNvPr id="2" name="Title 1">
             <a:extLst>
               <a:ext uri="{FF2B5EF4-FFF2-40B4-BE49-F238E27FC236}">
-                <a16:creationId xmlns:a16="http://schemas.microsoft.com/office/drawing/2014/main" id="{C67A29C5-DADB-427D-B7C4-4E00F316C47E}"/>
+                <a16:creationId xmlns:a16="http://schemas.microsoft.com/office/drawing/2014/main" id="{7314B64F-841F-4E22-9ABA-43521AF6BD5C}"/>
               </a:ext>
             </a:extLst>
           </p:cNvPr>
@@ -5948,35 +11300,198 @@
           <a:p>
             <a:r>
               <a:rPr lang="en-US" dirty="0"/>
-              <a:t>Results / Analysis</a:t>
+              <a:t>Methodology – Cleaning the Data</a:t>
             </a:r>
+          </a:p>
+        </p:txBody>
+      </p:sp>
+      <p:pic>
+        <p:nvPicPr>
+          <p:cNvPr id="5" name="Content Placeholder 4">
+            <a:extLst>
+              <a:ext uri="{FF2B5EF4-FFF2-40B4-BE49-F238E27FC236}">
+                <a16:creationId xmlns:a16="http://schemas.microsoft.com/office/drawing/2014/main" id="{170AB45A-3449-41D8-A044-1B0C277AA64A}"/>
+              </a:ext>
+            </a:extLst>
+          </p:cNvPr>
+          <p:cNvPicPr>
+            <a:picLocks noGrp="1" noChangeAspect="1"/>
+          </p:cNvPicPr>
+          <p:nvPr>
+            <p:ph idx="1"/>
+          </p:nvPr>
+        </p:nvPicPr>
+        <p:blipFill>
+          <a:blip r:embed="rId3"/>
+          <a:stretch>
+            <a:fillRect/>
+          </a:stretch>
+        </p:blipFill>
+        <p:spPr>
+          <a:xfrm>
+            <a:off x="533400" y="1451139"/>
+            <a:ext cx="5562600" cy="2343150"/>
+          </a:xfrm>
+        </p:spPr>
+      </p:pic>
+      <p:pic>
+        <p:nvPicPr>
+          <p:cNvPr id="13" name="Picture 12">
+            <a:extLst>
+              <a:ext uri="{FF2B5EF4-FFF2-40B4-BE49-F238E27FC236}">
+                <a16:creationId xmlns:a16="http://schemas.microsoft.com/office/drawing/2014/main" id="{49E69A89-64FB-48B2-9F0B-453BF36CEEF4}"/>
+              </a:ext>
+            </a:extLst>
+          </p:cNvPr>
+          <p:cNvPicPr>
+            <a:picLocks noChangeAspect="1"/>
+          </p:cNvPicPr>
+          <p:nvPr/>
+        </p:nvPicPr>
+        <p:blipFill>
+          <a:blip r:embed="rId4"/>
+          <a:stretch>
+            <a:fillRect/>
+          </a:stretch>
+        </p:blipFill>
+        <p:spPr>
+          <a:xfrm>
+            <a:off x="791606" y="4570967"/>
+            <a:ext cx="9496425" cy="2047875"/>
+          </a:xfrm>
+          <a:prstGeom prst="rect">
+            <a:avLst/>
+          </a:prstGeom>
+        </p:spPr>
+      </p:pic>
+      <p:sp>
+        <p:nvSpPr>
+          <p:cNvPr id="14" name="Arrow: Down 13">
+            <a:extLst>
+              <a:ext uri="{FF2B5EF4-FFF2-40B4-BE49-F238E27FC236}">
+                <a16:creationId xmlns:a16="http://schemas.microsoft.com/office/drawing/2014/main" id="{66193536-8ADD-4825-AB5B-00C9E6D44822}"/>
+              </a:ext>
+            </a:extLst>
+          </p:cNvPr>
+          <p:cNvSpPr/>
+          <p:nvPr/>
+        </p:nvSpPr>
+        <p:spPr>
+          <a:xfrm>
+            <a:off x="5387419" y="3794289"/>
+            <a:ext cx="598602" cy="721151"/>
+          </a:xfrm>
+          <a:prstGeom prst="downArrow">
+            <a:avLst/>
+          </a:prstGeom>
+          <a:solidFill>
+            <a:srgbClr val="00B050"/>
+          </a:solidFill>
+          <a:ln>
+            <a:solidFill>
+              <a:schemeClr val="tx1"/>
+            </a:solidFill>
+          </a:ln>
+        </p:spPr>
+        <p:style>
+          <a:lnRef idx="2">
+            <a:schemeClr val="accent1">
+              <a:shade val="50000"/>
+            </a:schemeClr>
+          </a:lnRef>
+          <a:fillRef idx="1">
+            <a:schemeClr val="accent1"/>
+          </a:fillRef>
+          <a:effectRef idx="0">
+            <a:schemeClr val="accent1"/>
+          </a:effectRef>
+          <a:fontRef idx="minor">
+            <a:schemeClr val="lt1"/>
+          </a:fontRef>
+        </p:style>
+        <p:txBody>
+          <a:bodyPr rtlCol="0" anchor="ctr"/>
+          <a:lstStyle/>
+          <a:p>
+            <a:pPr algn="ctr"/>
+            <a:endParaRPr lang="en-US"/>
           </a:p>
         </p:txBody>
       </p:sp>
       <p:sp>
         <p:nvSpPr>
-          <p:cNvPr id="3" name="Content Placeholder 2">
-            <a:extLst>
-              <a:ext uri="{FF2B5EF4-FFF2-40B4-BE49-F238E27FC236}">
-                <a16:creationId xmlns:a16="http://schemas.microsoft.com/office/drawing/2014/main" id="{01A3E0F8-EB63-4427-849B-69875033184D}"/>
-              </a:ext>
-            </a:extLst>
-          </p:cNvPr>
-          <p:cNvSpPr>
-            <a:spLocks noGrp="1"/>
-          </p:cNvSpPr>
-          <p:nvPr>
-            <p:ph idx="1"/>
-          </p:nvPr>
+          <p:cNvPr id="15" name="TextBox 14">
+            <a:extLst>
+              <a:ext uri="{FF2B5EF4-FFF2-40B4-BE49-F238E27FC236}">
+                <a16:creationId xmlns:a16="http://schemas.microsoft.com/office/drawing/2014/main" id="{3025597F-EF38-48B4-8FBC-47A397B6105D}"/>
+              </a:ext>
+            </a:extLst>
+          </p:cNvPr>
+          <p:cNvSpPr txBox="1"/>
+          <p:nvPr/>
         </p:nvSpPr>
-        <p:spPr/>
+        <p:spPr>
+          <a:xfrm>
+            <a:off x="2306074" y="3803836"/>
+            <a:ext cx="2971366" cy="646331"/>
+          </a:xfrm>
+          <a:prstGeom prst="rect">
+            <a:avLst/>
+          </a:prstGeom>
+          <a:noFill/>
+        </p:spPr>
         <p:txBody>
-          <a:bodyPr/>
+          <a:bodyPr wrap="square" rtlCol="0">
+            <a:spAutoFit/>
+          </a:bodyPr>
           <a:lstStyle/>
           <a:p>
             <a:r>
               <a:rPr lang="en-US" dirty="0"/>
-              <a:t>The model accurately predicted 23 out of 32 (72%) first round games correctly for the 2021 NCAA tournament. </a:t>
+              <a:t>Individual Game data merged with </a:t>
+            </a:r>
+            <a:r>
+              <a:rPr lang="en-US" dirty="0" err="1"/>
+              <a:t>KenPom</a:t>
+            </a:r>
+            <a:r>
+              <a:rPr lang="en-US" dirty="0"/>
+              <a:t> statistics</a:t>
+            </a:r>
+          </a:p>
+        </p:txBody>
+      </p:sp>
+      <p:sp>
+        <p:nvSpPr>
+          <p:cNvPr id="16" name="TextBox 15">
+            <a:extLst>
+              <a:ext uri="{FF2B5EF4-FFF2-40B4-BE49-F238E27FC236}">
+                <a16:creationId xmlns:a16="http://schemas.microsoft.com/office/drawing/2014/main" id="{2FC95F68-7875-4F2B-81EB-6108F8D4B224}"/>
+              </a:ext>
+            </a:extLst>
+          </p:cNvPr>
+          <p:cNvSpPr txBox="1"/>
+          <p:nvPr/>
+        </p:nvSpPr>
+        <p:spPr>
+          <a:xfrm>
+            <a:off x="6415011" y="3794289"/>
+            <a:ext cx="3716447" cy="646331"/>
+          </a:xfrm>
+          <a:prstGeom prst="rect">
+            <a:avLst/>
+          </a:prstGeom>
+          <a:noFill/>
+        </p:spPr>
+        <p:txBody>
+          <a:bodyPr wrap="square" rtlCol="0">
+            <a:spAutoFit/>
+          </a:bodyPr>
+          <a:lstStyle/>
+          <a:p>
+            <a:r>
+              <a:rPr lang="en-US" dirty="0"/>
+              <a:t>Gave insight on the “quality” of wins/losses</a:t>
             </a:r>
           </a:p>
         </p:txBody>
@@ -5984,7 +11499,7 @@
     </p:spTree>
     <p:extLst>
       <p:ext uri="{BB962C8B-B14F-4D97-AF65-F5344CB8AC3E}">
-        <p14:creationId xmlns:p14="http://schemas.microsoft.com/office/powerpoint/2010/main" val="1753297317"/>
+        <p14:creationId xmlns:p14="http://schemas.microsoft.com/office/powerpoint/2010/main" val="3839223458"/>
       </p:ext>
     </p:extLst>
   </p:cSld>
@@ -5997,6 +11512,966 @@
 <file path=ppt/slides/slide8.xml><?xml version="1.0" encoding="utf-8"?>
 <p:sld xmlns:a="http://schemas.openxmlformats.org/drawingml/2006/main" xmlns:r="http://schemas.openxmlformats.org/officeDocument/2006/relationships" xmlns:p="http://schemas.openxmlformats.org/presentationml/2006/main">
   <p:cSld>
+    <p:bg>
+      <p:bgPr>
+        <a:solidFill>
+          <a:schemeClr val="bg1">
+            <a:tint val="95000"/>
+            <a:satMod val="170000"/>
+          </a:schemeClr>
+        </a:solidFill>
+        <a:effectLst/>
+      </p:bgPr>
+    </p:bg>
+    <p:spTree>
+      <p:nvGrpSpPr>
+        <p:cNvPr id="1" name=""/>
+        <p:cNvGrpSpPr/>
+        <p:nvPr/>
+      </p:nvGrpSpPr>
+      <p:grpSpPr>
+        <a:xfrm>
+          <a:off x="0" y="0"/>
+          <a:ext cx="0" cy="0"/>
+          <a:chOff x="0" y="0"/>
+          <a:chExt cx="0" cy="0"/>
+        </a:xfrm>
+      </p:grpSpPr>
+      <p:sp useBgFill="1">
+        <p:nvSpPr>
+          <p:cNvPr id="37" name="Rectangle 36">
+            <a:extLst>
+              <a:ext uri="{FF2B5EF4-FFF2-40B4-BE49-F238E27FC236}">
+                <a16:creationId xmlns:a16="http://schemas.microsoft.com/office/drawing/2014/main" id="{2032B1E8-BC40-4380-97A6-14C0320AE1C0}"/>
+              </a:ext>
+              <a:ext uri="{C183D7F6-B498-43B3-948B-1728B52AA6E4}">
+                <adec:decorative xmlns:adec="http://schemas.microsoft.com/office/drawing/2017/decorative" val="1"/>
+              </a:ext>
+            </a:extLst>
+          </p:cNvPr>
+          <p:cNvSpPr>
+            <a:spLocks noGrp="1" noRot="1" noChangeAspect="1" noMove="1" noResize="1" noEditPoints="1" noAdjustHandles="1" noChangeArrowheads="1" noChangeShapeType="1" noTextEdit="1"/>
+          </p:cNvSpPr>
+          <p:nvPr>
+            <p:extLst>
+              <p:ext uri="{386F3935-93C4-4BCD-93E2-E3B085C9AB24}">
+                <p16:designElem xmlns:p16="http://schemas.microsoft.com/office/powerpoint/2015/main" val="1"/>
+              </p:ext>
+            </p:extLst>
+          </p:nvPr>
+        </p:nvSpPr>
+        <p:spPr>
+          <a:xfrm>
+            <a:off x="0" y="0"/>
+            <a:ext cx="12188952" cy="6858000"/>
+          </a:xfrm>
+          <a:prstGeom prst="rect">
+            <a:avLst/>
+          </a:prstGeom>
+          <a:ln>
+            <a:noFill/>
+          </a:ln>
+        </p:spPr>
+        <p:style>
+          <a:lnRef idx="2">
+            <a:schemeClr val="accent1">
+              <a:shade val="50000"/>
+            </a:schemeClr>
+          </a:lnRef>
+          <a:fillRef idx="1">
+            <a:schemeClr val="accent1"/>
+          </a:fillRef>
+          <a:effectRef idx="0">
+            <a:schemeClr val="accent1"/>
+          </a:effectRef>
+          <a:fontRef idx="minor">
+            <a:schemeClr val="lt1"/>
+          </a:fontRef>
+        </p:style>
+        <p:txBody>
+          <a:bodyPr rtlCol="0" anchor="ctr"/>
+          <a:lstStyle/>
+          <a:p>
+            <a:pPr algn="ctr"/>
+            <a:endParaRPr lang="en-US"/>
+          </a:p>
+        </p:txBody>
+      </p:sp>
+      <p:sp>
+        <p:nvSpPr>
+          <p:cNvPr id="39" name="Rectangle 38">
+            <a:extLst>
+              <a:ext uri="{FF2B5EF4-FFF2-40B4-BE49-F238E27FC236}">
+                <a16:creationId xmlns:a16="http://schemas.microsoft.com/office/drawing/2014/main" id="{82BEABD9-E1ED-49C7-8734-5494C88EE5A7}"/>
+              </a:ext>
+              <a:ext uri="{C183D7F6-B498-43B3-948B-1728B52AA6E4}">
+                <adec:decorative xmlns:adec="http://schemas.microsoft.com/office/drawing/2017/decorative" val="1"/>
+              </a:ext>
+            </a:extLst>
+          </p:cNvPr>
+          <p:cNvSpPr>
+            <a:spLocks noGrp="1" noRot="1" noChangeAspect="1" noMove="1" noResize="1" noEditPoints="1" noAdjustHandles="1" noChangeArrowheads="1" noChangeShapeType="1" noTextEdit="1"/>
+          </p:cNvSpPr>
+          <p:nvPr>
+            <p:extLst>
+              <p:ext uri="{386F3935-93C4-4BCD-93E2-E3B085C9AB24}">
+                <p16:designElem xmlns:p16="http://schemas.microsoft.com/office/powerpoint/2015/main" val="1"/>
+              </p:ext>
+            </p:extLst>
+          </p:nvPr>
+        </p:nvSpPr>
+        <p:spPr bwMode="ltGray">
+          <a:xfrm>
+            <a:off x="321564" y="4782312"/>
+            <a:ext cx="11548872" cy="1755648"/>
+          </a:xfrm>
+          <a:prstGeom prst="rect">
+            <a:avLst/>
+          </a:prstGeom>
+          <a:solidFill>
+            <a:schemeClr val="tx1">
+              <a:alpha val="93000"/>
+            </a:schemeClr>
+          </a:solidFill>
+          <a:ln w="127000" cap="sq" cmpd="thinThick">
+            <a:noFill/>
+          </a:ln>
+        </p:spPr>
+        <p:style>
+          <a:lnRef idx="2">
+            <a:schemeClr val="accent1">
+              <a:shade val="50000"/>
+            </a:schemeClr>
+          </a:lnRef>
+          <a:fillRef idx="1">
+            <a:schemeClr val="accent1"/>
+          </a:fillRef>
+          <a:effectRef idx="0">
+            <a:schemeClr val="accent1"/>
+          </a:effectRef>
+          <a:fontRef idx="minor">
+            <a:schemeClr val="lt1"/>
+          </a:fontRef>
+        </p:style>
+        <p:txBody>
+          <a:bodyPr rtlCol="0" anchor="ctr"/>
+          <a:lstStyle/>
+          <a:p>
+            <a:pPr marL="0" marR="0" lvl="0" indent="0" algn="ctr" defTabSz="914400" rtl="0" eaLnBrk="1" fontAlgn="auto" latinLnBrk="0" hangingPunct="1">
+              <a:lnSpc>
+                <a:spcPct val="100000"/>
+              </a:lnSpc>
+              <a:spcBef>
+                <a:spcPts val="0"/>
+              </a:spcBef>
+              <a:spcAft>
+                <a:spcPts val="0"/>
+              </a:spcAft>
+              <a:buClrTx/>
+              <a:buSzTx/>
+              <a:buFontTx/>
+              <a:buNone/>
+              <a:tabLst/>
+              <a:defRPr/>
+            </a:pPr>
+            <a:endParaRPr kumimoji="0" lang="en-US" sz="1800" b="0" i="0" u="none" strike="noStrike" kern="1200" cap="none" spc="0" normalizeH="0" baseline="0" noProof="0">
+              <a:ln>
+                <a:noFill/>
+              </a:ln>
+              <a:solidFill>
+                <a:prstClr val="white"/>
+              </a:solidFill>
+              <a:effectLst/>
+              <a:uLnTx/>
+              <a:uFillTx/>
+              <a:latin typeface="Calibri" panose="020F0502020204030204"/>
+              <a:ea typeface="+mn-ea"/>
+              <a:cs typeface="+mn-cs"/>
+            </a:endParaRPr>
+          </a:p>
+        </p:txBody>
+      </p:sp>
+      <p:sp>
+        <p:nvSpPr>
+          <p:cNvPr id="2" name="Title 1">
+            <a:extLst>
+              <a:ext uri="{FF2B5EF4-FFF2-40B4-BE49-F238E27FC236}">
+                <a16:creationId xmlns:a16="http://schemas.microsoft.com/office/drawing/2014/main" id="{904F3157-8279-4780-8498-BC0B8741C414}"/>
+              </a:ext>
+            </a:extLst>
+          </p:cNvPr>
+          <p:cNvSpPr>
+            <a:spLocks noGrp="1"/>
+          </p:cNvSpPr>
+          <p:nvPr>
+            <p:ph type="title"/>
+          </p:nvPr>
+        </p:nvSpPr>
+        <p:spPr>
+          <a:xfrm>
+            <a:off x="841247" y="5010912"/>
+            <a:ext cx="3025131" cy="1344168"/>
+          </a:xfrm>
+        </p:spPr>
+        <p:txBody>
+          <a:bodyPr anchor="ctr">
+            <a:normAutofit/>
+          </a:bodyPr>
+          <a:lstStyle/>
+          <a:p>
+            <a:r>
+              <a:rPr lang="en-US" sz="2600" dirty="0">
+                <a:solidFill>
+                  <a:schemeClr val="bg1"/>
+                </a:solidFill>
+              </a:rPr>
+              <a:t>Methodology: Regression</a:t>
+            </a:r>
+          </a:p>
+        </p:txBody>
+      </p:sp>
+      <p:pic>
+        <p:nvPicPr>
+          <p:cNvPr id="6" name="Picture 5" descr="Chart, scatter chart&#10;&#10;Description automatically generated">
+            <a:extLst>
+              <a:ext uri="{FF2B5EF4-FFF2-40B4-BE49-F238E27FC236}">
+                <a16:creationId xmlns:a16="http://schemas.microsoft.com/office/drawing/2014/main" id="{AC76FDF6-F256-4610-A23E-B4D4A2F8C2B1}"/>
+              </a:ext>
+            </a:extLst>
+          </p:cNvPr>
+          <p:cNvPicPr>
+            <a:picLocks noChangeAspect="1"/>
+          </p:cNvPicPr>
+          <p:nvPr/>
+        </p:nvPicPr>
+        <p:blipFill>
+          <a:blip r:embed="rId2"/>
+          <a:stretch>
+            <a:fillRect/>
+          </a:stretch>
+        </p:blipFill>
+        <p:spPr>
+          <a:xfrm>
+            <a:off x="633985" y="782521"/>
+            <a:ext cx="5212080" cy="3257549"/>
+          </a:xfrm>
+          <a:prstGeom prst="rect">
+            <a:avLst/>
+          </a:prstGeom>
+        </p:spPr>
+      </p:pic>
+      <p:cxnSp>
+        <p:nvCxnSpPr>
+          <p:cNvPr id="41" name="Straight Connector 40">
+            <a:extLst>
+              <a:ext uri="{FF2B5EF4-FFF2-40B4-BE49-F238E27FC236}">
+                <a16:creationId xmlns:a16="http://schemas.microsoft.com/office/drawing/2014/main" id="{17341211-05E5-4FDD-98B1-F551CD0EAE1C}"/>
+              </a:ext>
+              <a:ext uri="{C183D7F6-B498-43B3-948B-1728B52AA6E4}">
+                <adec:decorative xmlns:adec="http://schemas.microsoft.com/office/drawing/2017/decorative" val="1"/>
+              </a:ext>
+            </a:extLst>
+          </p:cNvPr>
+          <p:cNvCxnSpPr>
+            <a:cxnSpLocks noGrp="1" noRot="1" noChangeAspect="1" noMove="1" noResize="1" noEditPoints="1" noAdjustHandles="1" noChangeArrowheads="1" noChangeShapeType="1"/>
+          </p:cNvCxnSpPr>
+          <p:nvPr>
+            <p:extLst>
+              <p:ext uri="{386F3935-93C4-4BCD-93E2-E3B085C9AB24}">
+                <p16:designElem xmlns:p16="http://schemas.microsoft.com/office/powerpoint/2015/main" val="1"/>
+              </p:ext>
+            </p:extLst>
+          </p:nvPr>
+        </p:nvCxnSpPr>
+        <p:spPr>
+          <a:xfrm flipV="1">
+            <a:off x="4059936" y="5239512"/>
+            <a:ext cx="0" cy="914400"/>
+          </a:xfrm>
+          <a:prstGeom prst="line">
+            <a:avLst/>
+          </a:prstGeom>
+          <a:ln w="19050">
+            <a:solidFill>
+              <a:schemeClr val="bg1">
+                <a:alpha val="70000"/>
+              </a:schemeClr>
+            </a:solidFill>
+          </a:ln>
+        </p:spPr>
+        <p:style>
+          <a:lnRef idx="1">
+            <a:schemeClr val="accent1"/>
+          </a:lnRef>
+          <a:fillRef idx="0">
+            <a:schemeClr val="accent1"/>
+          </a:fillRef>
+          <a:effectRef idx="0">
+            <a:schemeClr val="accent1"/>
+          </a:effectRef>
+          <a:fontRef idx="minor">
+            <a:schemeClr val="tx1"/>
+          </a:fontRef>
+        </p:style>
+      </p:cxnSp>
+      <p:sp>
+        <p:nvSpPr>
+          <p:cNvPr id="3" name="Content Placeholder 2">
+            <a:extLst>
+              <a:ext uri="{FF2B5EF4-FFF2-40B4-BE49-F238E27FC236}">
+                <a16:creationId xmlns:a16="http://schemas.microsoft.com/office/drawing/2014/main" id="{41371589-F869-43F9-B8A1-5F11DB7806AD}"/>
+              </a:ext>
+            </a:extLst>
+          </p:cNvPr>
+          <p:cNvSpPr>
+            <a:spLocks noGrp="1"/>
+          </p:cNvSpPr>
+          <p:nvPr>
+            <p:ph idx="1"/>
+          </p:nvPr>
+        </p:nvSpPr>
+        <p:spPr>
+          <a:xfrm>
+            <a:off x="4379976" y="5010912"/>
+            <a:ext cx="6976872" cy="1344168"/>
+          </a:xfrm>
+        </p:spPr>
+        <p:txBody>
+          <a:bodyPr anchor="ctr">
+            <a:normAutofit/>
+          </a:bodyPr>
+          <a:lstStyle/>
+          <a:p>
+            <a:r>
+              <a:rPr lang="en-US" sz="1800" dirty="0">
+                <a:solidFill>
+                  <a:schemeClr val="bg1"/>
+                </a:solidFill>
+              </a:rPr>
+              <a:t>Single Game Matchups:</a:t>
+            </a:r>
+          </a:p>
+          <a:p>
+            <a:pPr lvl="1"/>
+            <a:r>
+              <a:rPr lang="en-US" sz="1400" dirty="0">
+                <a:solidFill>
+                  <a:schemeClr val="bg1"/>
+                </a:solidFill>
+              </a:rPr>
+              <a:t>Target = Points Scored</a:t>
+            </a:r>
+          </a:p>
+          <a:p>
+            <a:pPr lvl="1"/>
+            <a:r>
+              <a:rPr lang="en-US" sz="1400" dirty="0">
+                <a:solidFill>
+                  <a:schemeClr val="bg1"/>
+                </a:solidFill>
+              </a:rPr>
+              <a:t>Features = </a:t>
+            </a:r>
+            <a:r>
+              <a:rPr lang="en-US" sz="1400" dirty="0" err="1">
+                <a:solidFill>
+                  <a:schemeClr val="bg1"/>
+                </a:solidFill>
+              </a:rPr>
+              <a:t>KenPom</a:t>
+            </a:r>
+            <a:r>
+              <a:rPr lang="en-US" sz="1400" dirty="0">
+                <a:solidFill>
+                  <a:schemeClr val="bg1"/>
+                </a:solidFill>
+              </a:rPr>
+              <a:t> statistics, season average stats per team</a:t>
+            </a:r>
+          </a:p>
+        </p:txBody>
+      </p:sp>
+      <p:graphicFrame>
+        <p:nvGraphicFramePr>
+          <p:cNvPr id="4" name="Table 4">
+            <a:extLst>
+              <a:ext uri="{FF2B5EF4-FFF2-40B4-BE49-F238E27FC236}">
+                <a16:creationId xmlns:a16="http://schemas.microsoft.com/office/drawing/2014/main" id="{F2EE23B1-2E85-4F41-956F-F6962B889900}"/>
+              </a:ext>
+            </a:extLst>
+          </p:cNvPr>
+          <p:cNvGraphicFramePr>
+            <a:graphicFrameLocks noGrp="1"/>
+          </p:cNvGraphicFramePr>
+          <p:nvPr>
+            <p:extLst>
+              <p:ext uri="{D42A27DB-BD31-4B8C-83A1-F6EECF244321}">
+                <p14:modId xmlns:p14="http://schemas.microsoft.com/office/powerpoint/2010/main" val="2213068824"/>
+              </p:ext>
+            </p:extLst>
+          </p:nvPr>
+        </p:nvGraphicFramePr>
+        <p:xfrm>
+          <a:off x="6345935" y="845679"/>
+          <a:ext cx="5212081" cy="3131235"/>
+        </p:xfrm>
+        <a:graphic>
+          <a:graphicData uri="http://schemas.openxmlformats.org/drawingml/2006/table">
+            <a:tbl>
+              <a:tblPr firstRow="1" bandRow="1">
+                <a:tableStyleId>{5C22544A-7EE6-4342-B048-85BDC9FD1C3A}</a:tableStyleId>
+              </a:tblPr>
+              <a:tblGrid>
+                <a:gridCol w="2023473">
+                  <a:extLst>
+                    <a:ext uri="{9D8B030D-6E8A-4147-A177-3AD203B41FA5}">
+                      <a16:colId xmlns:a16="http://schemas.microsoft.com/office/drawing/2014/main" val="464765914"/>
+                    </a:ext>
+                  </a:extLst>
+                </a:gridCol>
+                <a:gridCol w="1509488">
+                  <a:extLst>
+                    <a:ext uri="{9D8B030D-6E8A-4147-A177-3AD203B41FA5}">
+                      <a16:colId xmlns:a16="http://schemas.microsoft.com/office/drawing/2014/main" val="1520310146"/>
+                    </a:ext>
+                  </a:extLst>
+                </a:gridCol>
+                <a:gridCol w="1679120">
+                  <a:extLst>
+                    <a:ext uri="{9D8B030D-6E8A-4147-A177-3AD203B41FA5}">
+                      <a16:colId xmlns:a16="http://schemas.microsoft.com/office/drawing/2014/main" val="3830405877"/>
+                    </a:ext>
+                  </a:extLst>
+                </a:gridCol>
+              </a:tblGrid>
+              <a:tr h="448401">
+                <a:tc>
+                  <a:txBody>
+                    <a:bodyPr/>
+                    <a:lstStyle/>
+                    <a:p>
+                      <a:pPr algn="ctr"/>
+                      <a:r>
+                        <a:rPr lang="en-US" sz="1700" b="0" cap="none" spc="0" dirty="0">
+                          <a:solidFill>
+                            <a:schemeClr val="tx1"/>
+                          </a:solidFill>
+                        </a:rPr>
+                        <a:t>Model Name</a:t>
+                      </a:r>
+                    </a:p>
+                  </a:txBody>
+                  <a:tcPr marL="48056" marR="48056" marT="52651" marB="96112" anchor="ctr"/>
+                </a:tc>
+                <a:tc>
+                  <a:txBody>
+                    <a:bodyPr/>
+                    <a:lstStyle/>
+                    <a:p>
+                      <a:pPr algn="ctr"/>
+                      <a:r>
+                        <a:rPr lang="en-US" sz="1700" b="0" cap="none" spc="0" dirty="0">
+                          <a:solidFill>
+                            <a:schemeClr val="tx1"/>
+                          </a:solidFill>
+                        </a:rPr>
+                        <a:t>In-Sample R²</a:t>
+                      </a:r>
+                    </a:p>
+                  </a:txBody>
+                  <a:tcPr marL="48056" marR="48056" marT="52651" marB="96112" anchor="ctr"/>
+                </a:tc>
+                <a:tc>
+                  <a:txBody>
+                    <a:bodyPr/>
+                    <a:lstStyle/>
+                    <a:p>
+                      <a:pPr algn="ctr"/>
+                      <a:r>
+                        <a:rPr lang="en-US" sz="1700" b="0" cap="none" spc="0" dirty="0">
+                          <a:solidFill>
+                            <a:schemeClr val="tx1"/>
+                          </a:solidFill>
+                        </a:rPr>
+                        <a:t>Out-Sample R²</a:t>
+                      </a:r>
+                    </a:p>
+                  </a:txBody>
+                  <a:tcPr marL="48056" marR="48056" marT="52651" marB="96112" anchor="ctr"/>
+                </a:tc>
+                <a:extLst>
+                  <a:ext uri="{0D108BD9-81ED-4DB2-BD59-A6C34878D82A}">
+                    <a16:rowId xmlns:a16="http://schemas.microsoft.com/office/drawing/2014/main" val="2871285248"/>
+                  </a:ext>
+                </a:extLst>
+              </a:tr>
+              <a:tr h="383262">
+                <a:tc>
+                  <a:txBody>
+                    <a:bodyPr/>
+                    <a:lstStyle/>
+                    <a:p>
+                      <a:pPr algn="ctr"/>
+                      <a:r>
+                        <a:rPr lang="en-US" sz="1300" cap="none" spc="0" dirty="0">
+                          <a:solidFill>
+                            <a:schemeClr val="bg1"/>
+                          </a:solidFill>
+                        </a:rPr>
+                        <a:t>Linear Regression</a:t>
+                      </a:r>
+                    </a:p>
+                  </a:txBody>
+                  <a:tcPr marL="48056" marR="48056" marT="52651" marB="96112" anchor="ctr"/>
+                </a:tc>
+                <a:tc>
+                  <a:txBody>
+                    <a:bodyPr/>
+                    <a:lstStyle/>
+                    <a:p>
+                      <a:pPr algn="ctr"/>
+                      <a:r>
+                        <a:rPr lang="en-US" sz="1300" cap="none" spc="0">
+                          <a:solidFill>
+                            <a:schemeClr val="bg1"/>
+                          </a:solidFill>
+                        </a:rPr>
+                        <a:t>1.000000</a:t>
+                      </a:r>
+                    </a:p>
+                  </a:txBody>
+                  <a:tcPr marL="48056" marR="48056" marT="52651" marB="96112" anchor="ctr"/>
+                </a:tc>
+                <a:tc>
+                  <a:txBody>
+                    <a:bodyPr/>
+                    <a:lstStyle/>
+                    <a:p>
+                      <a:pPr algn="ctr"/>
+                      <a:r>
+                        <a:rPr lang="en-US" sz="1300" cap="none" spc="0">
+                          <a:solidFill>
+                            <a:schemeClr val="bg1"/>
+                          </a:solidFill>
+                        </a:rPr>
+                        <a:t>0.842298</a:t>
+                      </a:r>
+                    </a:p>
+                  </a:txBody>
+                  <a:tcPr marL="48056" marR="48056" marT="52651" marB="96112" anchor="ctr"/>
+                </a:tc>
+                <a:extLst>
+                  <a:ext uri="{0D108BD9-81ED-4DB2-BD59-A6C34878D82A}">
+                    <a16:rowId xmlns:a16="http://schemas.microsoft.com/office/drawing/2014/main" val="2072209893"/>
+                  </a:ext>
+                </a:extLst>
+              </a:tr>
+              <a:tr h="383262">
+                <a:tc>
+                  <a:txBody>
+                    <a:bodyPr/>
+                    <a:lstStyle/>
+                    <a:p>
+                      <a:pPr algn="ctr"/>
+                      <a:r>
+                        <a:rPr lang="en-US" sz="1300" cap="none" spc="0" dirty="0">
+                          <a:solidFill>
+                            <a:schemeClr val="bg1"/>
+                          </a:solidFill>
+                        </a:rPr>
+                        <a:t>Decision Tree</a:t>
+                      </a:r>
+                    </a:p>
+                  </a:txBody>
+                  <a:tcPr marL="48056" marR="48056" marT="52651" marB="96112" anchor="ctr"/>
+                </a:tc>
+                <a:tc>
+                  <a:txBody>
+                    <a:bodyPr/>
+                    <a:lstStyle/>
+                    <a:p>
+                      <a:pPr algn="ctr"/>
+                      <a:r>
+                        <a:rPr lang="en-US" sz="1300" cap="none" spc="0" dirty="0">
+                          <a:solidFill>
+                            <a:schemeClr val="bg1"/>
+                          </a:solidFill>
+                        </a:rPr>
+                        <a:t>1.000000</a:t>
+                      </a:r>
+                    </a:p>
+                  </a:txBody>
+                  <a:tcPr marL="48056" marR="48056" marT="52651" marB="96112" anchor="ctr"/>
+                </a:tc>
+                <a:tc>
+                  <a:txBody>
+                    <a:bodyPr/>
+                    <a:lstStyle/>
+                    <a:p>
+                      <a:pPr algn="ctr"/>
+                      <a:r>
+                        <a:rPr lang="en-US" sz="1300" cap="none" spc="0">
+                          <a:solidFill>
+                            <a:schemeClr val="bg1"/>
+                          </a:solidFill>
+                        </a:rPr>
+                        <a:t>0.216801</a:t>
+                      </a:r>
+                    </a:p>
+                  </a:txBody>
+                  <a:tcPr marL="48056" marR="48056" marT="52651" marB="96112" anchor="ctr"/>
+                </a:tc>
+                <a:extLst>
+                  <a:ext uri="{0D108BD9-81ED-4DB2-BD59-A6C34878D82A}">
+                    <a16:rowId xmlns:a16="http://schemas.microsoft.com/office/drawing/2014/main" val="608716652"/>
+                  </a:ext>
+                </a:extLst>
+              </a:tr>
+              <a:tr h="383262">
+                <a:tc>
+                  <a:txBody>
+                    <a:bodyPr/>
+                    <a:lstStyle/>
+                    <a:p>
+                      <a:pPr algn="ctr"/>
+                      <a:r>
+                        <a:rPr lang="en-US" sz="1300" cap="none" spc="0">
+                          <a:solidFill>
+                            <a:schemeClr val="bg1"/>
+                          </a:solidFill>
+                        </a:rPr>
+                        <a:t>Random Forest</a:t>
+                      </a:r>
+                    </a:p>
+                  </a:txBody>
+                  <a:tcPr marL="48056" marR="48056" marT="52651" marB="96112" anchor="ctr"/>
+                </a:tc>
+                <a:tc>
+                  <a:txBody>
+                    <a:bodyPr/>
+                    <a:lstStyle/>
+                    <a:p>
+                      <a:pPr algn="ctr"/>
+                      <a:r>
+                        <a:rPr lang="en-US" sz="1300" cap="none" spc="0" dirty="0">
+                          <a:solidFill>
+                            <a:schemeClr val="bg1"/>
+                          </a:solidFill>
+                        </a:rPr>
+                        <a:t>0.947128</a:t>
+                      </a:r>
+                    </a:p>
+                  </a:txBody>
+                  <a:tcPr marL="48056" marR="48056" marT="52651" marB="96112" anchor="ctr"/>
+                </a:tc>
+                <a:tc>
+                  <a:txBody>
+                    <a:bodyPr/>
+                    <a:lstStyle/>
+                    <a:p>
+                      <a:pPr algn="ctr"/>
+                      <a:r>
+                        <a:rPr lang="en-US" sz="1300" cap="none" spc="0">
+                          <a:solidFill>
+                            <a:schemeClr val="bg1"/>
+                          </a:solidFill>
+                        </a:rPr>
+                        <a:t>0.660921</a:t>
+                      </a:r>
+                    </a:p>
+                  </a:txBody>
+                  <a:tcPr marL="48056" marR="48056" marT="52651" marB="96112" anchor="ctr"/>
+                </a:tc>
+                <a:extLst>
+                  <a:ext uri="{0D108BD9-81ED-4DB2-BD59-A6C34878D82A}">
+                    <a16:rowId xmlns:a16="http://schemas.microsoft.com/office/drawing/2014/main" val="3674569590"/>
+                  </a:ext>
+                </a:extLst>
+              </a:tr>
+              <a:tr h="383262">
+                <a:tc>
+                  <a:txBody>
+                    <a:bodyPr/>
+                    <a:lstStyle/>
+                    <a:p>
+                      <a:pPr algn="ctr"/>
+                      <a:r>
+                        <a:rPr lang="en-US" sz="1300" cap="none" spc="0">
+                          <a:solidFill>
+                            <a:schemeClr val="bg1"/>
+                          </a:solidFill>
+                        </a:rPr>
+                        <a:t>Ada Boost</a:t>
+                      </a:r>
+                    </a:p>
+                  </a:txBody>
+                  <a:tcPr marL="48056" marR="48056" marT="52651" marB="96112" anchor="ctr"/>
+                </a:tc>
+                <a:tc>
+                  <a:txBody>
+                    <a:bodyPr/>
+                    <a:lstStyle/>
+                    <a:p>
+                      <a:pPr algn="ctr"/>
+                      <a:r>
+                        <a:rPr lang="en-US" sz="1300" cap="none" spc="0" dirty="0">
+                          <a:solidFill>
+                            <a:schemeClr val="bg1"/>
+                          </a:solidFill>
+                        </a:rPr>
+                        <a:t>0.640881</a:t>
+                      </a:r>
+                    </a:p>
+                  </a:txBody>
+                  <a:tcPr marL="48056" marR="48056" marT="52651" marB="96112" anchor="ctr"/>
+                </a:tc>
+                <a:tc>
+                  <a:txBody>
+                    <a:bodyPr/>
+                    <a:lstStyle/>
+                    <a:p>
+                      <a:pPr algn="ctr"/>
+                      <a:r>
+                        <a:rPr lang="en-US" sz="1300" cap="none" spc="0" dirty="0">
+                          <a:solidFill>
+                            <a:schemeClr val="bg1"/>
+                          </a:solidFill>
+                        </a:rPr>
+                        <a:t>0.611243</a:t>
+                      </a:r>
+                    </a:p>
+                  </a:txBody>
+                  <a:tcPr marL="48056" marR="48056" marT="52651" marB="96112" anchor="ctr"/>
+                </a:tc>
+                <a:extLst>
+                  <a:ext uri="{0D108BD9-81ED-4DB2-BD59-A6C34878D82A}">
+                    <a16:rowId xmlns:a16="http://schemas.microsoft.com/office/drawing/2014/main" val="918254367"/>
+                  </a:ext>
+                </a:extLst>
+              </a:tr>
+              <a:tr h="383262">
+                <a:tc>
+                  <a:txBody>
+                    <a:bodyPr/>
+                    <a:lstStyle/>
+                    <a:p>
+                      <a:pPr algn="ctr"/>
+                      <a:r>
+                        <a:rPr lang="en-US" sz="1300" b="1" cap="none" spc="0">
+                          <a:solidFill>
+                            <a:srgbClr val="000000"/>
+                          </a:solidFill>
+                        </a:rPr>
+                        <a:t>Gradient Boost</a:t>
+                      </a:r>
+                    </a:p>
+                  </a:txBody>
+                  <a:tcPr marL="48056" marR="48056" marT="52651" marB="96112" anchor="ctr">
+                    <a:solidFill>
+                      <a:srgbClr val="FFFF00"/>
+                    </a:solidFill>
+                  </a:tcPr>
+                </a:tc>
+                <a:tc>
+                  <a:txBody>
+                    <a:bodyPr/>
+                    <a:lstStyle/>
+                    <a:p>
+                      <a:pPr algn="ctr"/>
+                      <a:r>
+                        <a:rPr lang="en-US" sz="1300" b="1" cap="none" spc="0" dirty="0">
+                          <a:solidFill>
+                            <a:srgbClr val="000000"/>
+                          </a:solidFill>
+                        </a:rPr>
+                        <a:t>0.820716</a:t>
+                      </a:r>
+                    </a:p>
+                  </a:txBody>
+                  <a:tcPr marL="48056" marR="48056" marT="52651" marB="96112" anchor="ctr">
+                    <a:solidFill>
+                      <a:srgbClr val="FFFF00"/>
+                    </a:solidFill>
+                  </a:tcPr>
+                </a:tc>
+                <a:tc>
+                  <a:txBody>
+                    <a:bodyPr/>
+                    <a:lstStyle/>
+                    <a:p>
+                      <a:pPr algn="ctr"/>
+                      <a:r>
+                        <a:rPr lang="en-US" sz="1300" b="1" cap="none" spc="0" dirty="0">
+                          <a:solidFill>
+                            <a:srgbClr val="000000"/>
+                          </a:solidFill>
+                        </a:rPr>
+                        <a:t>0.825950</a:t>
+                      </a:r>
+                    </a:p>
+                  </a:txBody>
+                  <a:tcPr marL="48056" marR="48056" marT="52651" marB="96112" anchor="ctr">
+                    <a:solidFill>
+                      <a:srgbClr val="FFFF00"/>
+                    </a:solidFill>
+                  </a:tcPr>
+                </a:tc>
+                <a:extLst>
+                  <a:ext uri="{0D108BD9-81ED-4DB2-BD59-A6C34878D82A}">
+                    <a16:rowId xmlns:a16="http://schemas.microsoft.com/office/drawing/2014/main" val="3516867574"/>
+                  </a:ext>
+                </a:extLst>
+              </a:tr>
+              <a:tr h="383262">
+                <a:tc>
+                  <a:txBody>
+                    <a:bodyPr/>
+                    <a:lstStyle/>
+                    <a:p>
+                      <a:pPr algn="ctr"/>
+                      <a:r>
+                        <a:rPr lang="en-US" sz="1300" cap="none" spc="0" dirty="0">
+                          <a:solidFill>
+                            <a:schemeClr val="bg1"/>
+                          </a:solidFill>
+                        </a:rPr>
+                        <a:t>XTREME Gradient Boost</a:t>
+                      </a:r>
+                    </a:p>
+                  </a:txBody>
+                  <a:tcPr marL="48056" marR="48056" marT="52651" marB="96112" anchor="ctr"/>
+                </a:tc>
+                <a:tc>
+                  <a:txBody>
+                    <a:bodyPr/>
+                    <a:lstStyle/>
+                    <a:p>
+                      <a:pPr algn="ctr"/>
+                      <a:r>
+                        <a:rPr lang="en-US" sz="1300" cap="none" spc="0" dirty="0">
+                          <a:solidFill>
+                            <a:schemeClr val="bg1"/>
+                          </a:solidFill>
+                        </a:rPr>
+                        <a:t>0.992378</a:t>
+                      </a:r>
+                    </a:p>
+                  </a:txBody>
+                  <a:tcPr marL="48056" marR="48056" marT="52651" marB="96112" anchor="ctr"/>
+                </a:tc>
+                <a:tc>
+                  <a:txBody>
+                    <a:bodyPr/>
+                    <a:lstStyle/>
+                    <a:p>
+                      <a:pPr algn="ctr"/>
+                      <a:r>
+                        <a:rPr lang="en-US" sz="1300" cap="none" spc="0" dirty="0">
+                          <a:solidFill>
+                            <a:schemeClr val="bg1"/>
+                          </a:solidFill>
+                        </a:rPr>
+                        <a:t>0.735492</a:t>
+                      </a:r>
+                    </a:p>
+                  </a:txBody>
+                  <a:tcPr marL="48056" marR="48056" marT="52651" marB="96112" anchor="ctr"/>
+                </a:tc>
+                <a:extLst>
+                  <a:ext uri="{0D108BD9-81ED-4DB2-BD59-A6C34878D82A}">
+                    <a16:rowId xmlns:a16="http://schemas.microsoft.com/office/drawing/2014/main" val="1149909816"/>
+                  </a:ext>
+                </a:extLst>
+              </a:tr>
+              <a:tr h="383262">
+                <a:tc>
+                  <a:txBody>
+                    <a:bodyPr/>
+                    <a:lstStyle/>
+                    <a:p>
+                      <a:pPr algn="ctr"/>
+                      <a:r>
+                        <a:rPr lang="en-US" sz="1300" cap="none" spc="0">
+                          <a:solidFill>
+                            <a:schemeClr val="bg1"/>
+                          </a:solidFill>
+                        </a:rPr>
+                        <a:t>KNN</a:t>
+                      </a:r>
+                    </a:p>
+                  </a:txBody>
+                  <a:tcPr marL="48056" marR="48056" marT="52651" marB="96112" anchor="ctr"/>
+                </a:tc>
+                <a:tc>
+                  <a:txBody>
+                    <a:bodyPr/>
+                    <a:lstStyle/>
+                    <a:p>
+                      <a:pPr algn="ctr"/>
+                      <a:r>
+                        <a:rPr lang="en-US" sz="1300" cap="none" spc="0">
+                          <a:solidFill>
+                            <a:schemeClr val="bg1"/>
+                          </a:solidFill>
+                        </a:rPr>
+                        <a:t>0.625536</a:t>
+                      </a:r>
+                    </a:p>
+                  </a:txBody>
+                  <a:tcPr marL="48056" marR="48056" marT="52651" marB="96112" anchor="ctr"/>
+                </a:tc>
+                <a:tc>
+                  <a:txBody>
+                    <a:bodyPr/>
+                    <a:lstStyle/>
+                    <a:p>
+                      <a:pPr algn="ctr"/>
+                      <a:r>
+                        <a:rPr lang="en-US" sz="1300" cap="none" spc="0" dirty="0">
+                          <a:solidFill>
+                            <a:schemeClr val="bg1"/>
+                          </a:solidFill>
+                        </a:rPr>
+                        <a:t>0.448048</a:t>
+                      </a:r>
+                    </a:p>
+                  </a:txBody>
+                  <a:tcPr marL="48056" marR="48056" marT="52651" marB="96112" anchor="ctr"/>
+                </a:tc>
+                <a:extLst>
+                  <a:ext uri="{0D108BD9-81ED-4DB2-BD59-A6C34878D82A}">
+                    <a16:rowId xmlns:a16="http://schemas.microsoft.com/office/drawing/2014/main" val="3990379269"/>
+                  </a:ext>
+                </a:extLst>
+              </a:tr>
+            </a:tbl>
+          </a:graphicData>
+        </a:graphic>
+      </p:graphicFrame>
+    </p:spTree>
+    <p:extLst>
+      <p:ext uri="{BB962C8B-B14F-4D97-AF65-F5344CB8AC3E}">
+        <p14:creationId xmlns:p14="http://schemas.microsoft.com/office/powerpoint/2010/main" val="1913300454"/>
+      </p:ext>
+    </p:extLst>
+  </p:cSld>
+  <p:clrMapOvr>
+    <a:overrideClrMapping bg1="dk1" tx1="lt1" bg2="dk2" tx2="lt2" accent1="accent1" accent2="accent2" accent3="accent3" accent4="accent4" accent5="accent5" accent6="accent6" hlink="hlink" folHlink="folHlink"/>
+  </p:clrMapOvr>
+</p:sld>
+</file>
+
+<file path=ppt/slides/slide9.xml><?xml version="1.0" encoding="utf-8"?>
+<p:sld xmlns:a="http://schemas.openxmlformats.org/drawingml/2006/main" xmlns:r="http://schemas.openxmlformats.org/officeDocument/2006/relationships" xmlns:p="http://schemas.openxmlformats.org/presentationml/2006/main">
+  <p:cSld>
+    <p:bg>
+      <p:bgPr>
+        <a:solidFill>
+          <a:schemeClr val="bg1"/>
+        </a:solidFill>
+        <a:effectLst/>
+      </p:bgPr>
+    </p:bg>
     <p:spTree>
       <p:nvGrpSpPr>
         <p:cNvPr id="1" name=""/>
@@ -6013,10 +12488,75 @@
       </p:grpSpPr>
       <p:sp>
         <p:nvSpPr>
+          <p:cNvPr id="19" name="Rectangle 18">
+            <a:extLst>
+              <a:ext uri="{FF2B5EF4-FFF2-40B4-BE49-F238E27FC236}">
+                <a16:creationId xmlns:a16="http://schemas.microsoft.com/office/drawing/2014/main" id="{823AC064-BC96-4F32-8AE1-B2FD38754823}"/>
+              </a:ext>
+              <a:ext uri="{C183D7F6-B498-43B3-948B-1728B52AA6E4}">
+                <adec:decorative xmlns:adec="http://schemas.microsoft.com/office/drawing/2017/decorative" val="1"/>
+              </a:ext>
+            </a:extLst>
+          </p:cNvPr>
+          <p:cNvSpPr>
+            <a:spLocks noGrp="1" noRot="1" noChangeAspect="1" noMove="1" noResize="1" noEditPoints="1" noAdjustHandles="1" noChangeArrowheads="1" noChangeShapeType="1" noTextEdit="1"/>
+          </p:cNvSpPr>
+          <p:nvPr>
+            <p:extLst>
+              <p:ext uri="{386F3935-93C4-4BCD-93E2-E3B085C9AB24}">
+                <p16:designElem xmlns:p16="http://schemas.microsoft.com/office/powerpoint/2015/main" val="1"/>
+              </p:ext>
+            </p:extLst>
+          </p:nvPr>
+        </p:nvSpPr>
+        <p:spPr bwMode="ltGray">
+          <a:xfrm>
+            <a:off x="396882" y="280374"/>
+            <a:ext cx="11438793" cy="1844256"/>
+          </a:xfrm>
+          <a:prstGeom prst="rect">
+            <a:avLst/>
+          </a:prstGeom>
+          <a:solidFill>
+            <a:srgbClr val="404040"/>
+          </a:solidFill>
+          <a:ln w="127000" cap="sq" cmpd="thinThick">
+            <a:solidFill>
+              <a:srgbClr val="404040"/>
+            </a:solidFill>
+          </a:ln>
+        </p:spPr>
+        <p:style>
+          <a:lnRef idx="2">
+            <a:schemeClr val="accent1">
+              <a:shade val="50000"/>
+            </a:schemeClr>
+          </a:lnRef>
+          <a:fillRef idx="1">
+            <a:schemeClr val="accent1"/>
+          </a:fillRef>
+          <a:effectRef idx="0">
+            <a:schemeClr val="accent1"/>
+          </a:effectRef>
+          <a:fontRef idx="minor">
+            <a:schemeClr val="lt1"/>
+          </a:fontRef>
+        </p:style>
+        <p:txBody>
+          <a:bodyPr rtlCol="0" anchor="ctr"/>
+          <a:lstStyle/>
+          <a:p>
+            <a:pPr algn="ctr"/>
+            <a:endParaRPr lang="en-US"/>
+          </a:p>
+        </p:txBody>
+      </p:sp>
+      <p:sp>
+        <p:nvSpPr>
           <p:cNvPr id="2" name="Title 1">
             <a:extLst>
               <a:ext uri="{FF2B5EF4-FFF2-40B4-BE49-F238E27FC236}">
-                <a16:creationId xmlns:a16="http://schemas.microsoft.com/office/drawing/2014/main" id="{D50CFA35-B482-4830-AC2F-B6FD215D3F7C}"/>
+                <a16:creationId xmlns:a16="http://schemas.microsoft.com/office/drawing/2014/main" id="{85352FC9-57F1-4577-81CA-8A2C9B262210}"/>
               </a:ext>
             </a:extLst>
           </p:cNvPr>
@@ -6027,155 +12567,200 @@
             <p:ph type="title"/>
           </p:nvPr>
         </p:nvSpPr>
-        <p:spPr/>
+        <p:spPr>
+          <a:xfrm>
+            <a:off x="546351" y="433545"/>
+            <a:ext cx="11139854" cy="930447"/>
+          </a:xfrm>
+        </p:spPr>
         <p:txBody>
-          <a:bodyPr/>
+          <a:bodyPr vert="horz" lIns="91440" tIns="45720" rIns="91440" bIns="45720" rtlCol="0" anchor="b">
+            <a:normAutofit/>
+          </a:bodyPr>
           <a:lstStyle/>
           <a:p>
+            <a:pPr algn="ctr"/>
             <a:r>
-              <a:rPr lang="en-US" dirty="0"/>
-              <a:t>Conclusions</a:t>
+              <a:rPr lang="en-US" sz="5400">
+                <a:solidFill>
+                  <a:srgbClr val="FFFFFF"/>
+                </a:solidFill>
+              </a:rPr>
+              <a:t>Methodology: Regression</a:t>
             </a:r>
           </a:p>
         </p:txBody>
       </p:sp>
-      <p:sp>
-        <p:nvSpPr>
-          <p:cNvPr id="3" name="Content Placeholder 2">
-            <a:extLst>
-              <a:ext uri="{FF2B5EF4-FFF2-40B4-BE49-F238E27FC236}">
-                <a16:creationId xmlns:a16="http://schemas.microsoft.com/office/drawing/2014/main" id="{A934D590-9768-47F6-A8D9-B7B4449ADD61}"/>
-              </a:ext>
-            </a:extLst>
-          </p:cNvPr>
-          <p:cNvSpPr>
-            <a:spLocks noGrp="1"/>
-          </p:cNvSpPr>
+      <p:cxnSp>
+        <p:nvCxnSpPr>
+          <p:cNvPr id="25" name="Straight Connector 20">
+            <a:extLst>
+              <a:ext uri="{FF2B5EF4-FFF2-40B4-BE49-F238E27FC236}">
+                <a16:creationId xmlns:a16="http://schemas.microsoft.com/office/drawing/2014/main" id="{7E7C77BC-7138-40B1-A15B-20F57A494629}"/>
+              </a:ext>
+              <a:ext uri="{C183D7F6-B498-43B3-948B-1728B52AA6E4}">
+                <adec:decorative xmlns:adec="http://schemas.microsoft.com/office/drawing/2017/decorative" val="1"/>
+              </a:ext>
+            </a:extLst>
+          </p:cNvPr>
+          <p:cNvCxnSpPr>
+            <a:cxnSpLocks noGrp="1" noRot="1" noChangeAspect="1" noMove="1" noResize="1" noEditPoints="1" noAdjustHandles="1" noChangeArrowheads="1" noChangeShapeType="1"/>
+          </p:cNvCxnSpPr>
+          <p:nvPr>
+            <p:extLst>
+              <p:ext uri="{386F3935-93C4-4BCD-93E2-E3B085C9AB24}">
+                <p16:designElem xmlns:p16="http://schemas.microsoft.com/office/powerpoint/2015/main" val="1"/>
+              </p:ext>
+            </p:extLst>
+          </p:nvPr>
+        </p:nvCxnSpPr>
+        <p:spPr>
+          <a:xfrm>
+            <a:off x="2230078" y="1522292"/>
+            <a:ext cx="7772400" cy="0"/>
+          </a:xfrm>
+          <a:prstGeom prst="line">
+            <a:avLst/>
+          </a:prstGeom>
+          <a:ln w="22225">
+            <a:solidFill>
+              <a:srgbClr val="D9D9D9"/>
+            </a:solidFill>
+          </a:ln>
+        </p:spPr>
+        <p:style>
+          <a:lnRef idx="1">
+            <a:schemeClr val="accent1"/>
+          </a:lnRef>
+          <a:fillRef idx="0">
+            <a:schemeClr val="accent1"/>
+          </a:fillRef>
+          <a:effectRef idx="0">
+            <a:schemeClr val="accent1"/>
+          </a:effectRef>
+          <a:fontRef idx="minor">
+            <a:schemeClr val="tx1"/>
+          </a:fontRef>
+        </p:style>
+      </p:cxnSp>
+      <p:pic>
+        <p:nvPicPr>
+          <p:cNvPr id="7" name="Picture 6" descr="Text&#10;&#10;Description automatically generated">
+            <a:extLst>
+              <a:ext uri="{FF2B5EF4-FFF2-40B4-BE49-F238E27FC236}">
+                <a16:creationId xmlns:a16="http://schemas.microsoft.com/office/drawing/2014/main" id="{0D3704FC-7448-48B2-A898-10D1D132B717}"/>
+              </a:ext>
+            </a:extLst>
+          </p:cNvPr>
+          <p:cNvPicPr>
+            <a:picLocks noChangeAspect="1"/>
+          </p:cNvPicPr>
+          <p:nvPr/>
+        </p:nvPicPr>
+        <p:blipFill>
+          <a:blip r:embed="rId2"/>
+          <a:stretch>
+            <a:fillRect/>
+          </a:stretch>
+        </p:blipFill>
+        <p:spPr>
+          <a:xfrm>
+            <a:off x="6657633" y="2502425"/>
+            <a:ext cx="4773298" cy="3997637"/>
+          </a:xfrm>
+          <a:prstGeom prst="rect">
+            <a:avLst/>
+          </a:prstGeom>
+        </p:spPr>
+      </p:pic>
+      <p:cxnSp>
+        <p:nvCxnSpPr>
+          <p:cNvPr id="26" name="Straight Connector 22">
+            <a:extLst>
+              <a:ext uri="{FF2B5EF4-FFF2-40B4-BE49-F238E27FC236}">
+                <a16:creationId xmlns:a16="http://schemas.microsoft.com/office/drawing/2014/main" id="{DB146403-F3D6-484B-B2ED-97F9565D0370}"/>
+              </a:ext>
+              <a:ext uri="{C183D7F6-B498-43B3-948B-1728B52AA6E4}">
+                <adec:decorative xmlns:adec="http://schemas.microsoft.com/office/drawing/2017/decorative" val="1"/>
+              </a:ext>
+            </a:extLst>
+          </p:cNvPr>
+          <p:cNvCxnSpPr>
+            <a:cxnSpLocks noGrp="1" noRot="1" noChangeAspect="1" noMove="1" noResize="1" noEditPoints="1" noAdjustHandles="1" noChangeArrowheads="1" noChangeShapeType="1"/>
+          </p:cNvCxnSpPr>
+          <p:nvPr>
+            <p:extLst>
+              <p:ext uri="{386F3935-93C4-4BCD-93E2-E3B085C9AB24}">
+                <p16:designElem xmlns:p16="http://schemas.microsoft.com/office/powerpoint/2015/main" val="1"/>
+              </p:ext>
+            </p:extLst>
+          </p:nvPr>
+        </p:nvCxnSpPr>
+        <p:spPr>
+          <a:xfrm>
+            <a:off x="6116278" y="2596836"/>
+            <a:ext cx="0" cy="3657600"/>
+          </a:xfrm>
+          <a:prstGeom prst="line">
+            <a:avLst/>
+          </a:prstGeom>
+          <a:ln w="101600" cmpd="dbl">
+            <a:solidFill>
+              <a:srgbClr val="595959"/>
+            </a:solidFill>
+          </a:ln>
+        </p:spPr>
+        <p:style>
+          <a:lnRef idx="1">
+            <a:schemeClr val="accent1"/>
+          </a:lnRef>
+          <a:fillRef idx="0">
+            <a:schemeClr val="accent1"/>
+          </a:fillRef>
+          <a:effectRef idx="0">
+            <a:schemeClr val="accent1"/>
+          </a:effectRef>
+          <a:fontRef idx="minor">
+            <a:schemeClr val="tx1"/>
+          </a:fontRef>
+        </p:style>
+      </p:cxnSp>
+      <p:pic>
+        <p:nvPicPr>
+          <p:cNvPr id="5" name="Content Placeholder 4" descr="Text&#10;&#10;Description automatically generated">
+            <a:extLst>
+              <a:ext uri="{FF2B5EF4-FFF2-40B4-BE49-F238E27FC236}">
+                <a16:creationId xmlns:a16="http://schemas.microsoft.com/office/drawing/2014/main" id="{20F63DD2-1284-48CC-9980-F2CAEB7A4A97}"/>
+              </a:ext>
+            </a:extLst>
+          </p:cNvPr>
+          <p:cNvPicPr>
+            <a:picLocks noGrp="1" noChangeAspect="1"/>
+          </p:cNvPicPr>
           <p:nvPr>
             <p:ph idx="1"/>
           </p:nvPr>
-        </p:nvSpPr>
-        <p:spPr/>
-        <p:txBody>
-          <a:bodyPr/>
-          <a:lstStyle/>
-          <a:p>
-            <a:endParaRPr lang="en-US"/>
-          </a:p>
-        </p:txBody>
-      </p:sp>
+        </p:nvPicPr>
+        <p:blipFill>
+          <a:blip r:embed="rId3"/>
+          <a:stretch>
+            <a:fillRect/>
+          </a:stretch>
+        </p:blipFill>
+        <p:spPr>
+          <a:xfrm>
+            <a:off x="119007" y="2502425"/>
+            <a:ext cx="5455917" cy="3846421"/>
+          </a:xfrm>
+          <a:prstGeom prst="rect">
+            <a:avLst/>
+          </a:prstGeom>
+        </p:spPr>
+      </p:pic>
     </p:spTree>
     <p:extLst>
       <p:ext uri="{BB962C8B-B14F-4D97-AF65-F5344CB8AC3E}">
-        <p14:creationId xmlns:p14="http://schemas.microsoft.com/office/powerpoint/2010/main" val="2850311480"/>
-      </p:ext>
-    </p:extLst>
-  </p:cSld>
-  <p:clrMapOvr>
-    <a:masterClrMapping/>
-  </p:clrMapOvr>
-</p:sld>
-</file>
-
-<file path=ppt/slides/slide9.xml><?xml version="1.0" encoding="utf-8"?>
-<p:sld xmlns:a="http://schemas.openxmlformats.org/drawingml/2006/main" xmlns:r="http://schemas.openxmlformats.org/officeDocument/2006/relationships" xmlns:p="http://schemas.openxmlformats.org/presentationml/2006/main">
-  <p:cSld>
-    <p:spTree>
-      <p:nvGrpSpPr>
-        <p:cNvPr id="1" name=""/>
-        <p:cNvGrpSpPr/>
-        <p:nvPr/>
-      </p:nvGrpSpPr>
-      <p:grpSpPr>
-        <a:xfrm>
-          <a:off x="0" y="0"/>
-          <a:ext cx="0" cy="0"/>
-          <a:chOff x="0" y="0"/>
-          <a:chExt cx="0" cy="0"/>
-        </a:xfrm>
-      </p:grpSpPr>
-      <p:sp>
-        <p:nvSpPr>
-          <p:cNvPr id="2" name="Title 1">
-            <a:extLst>
-              <a:ext uri="{FF2B5EF4-FFF2-40B4-BE49-F238E27FC236}">
-                <a16:creationId xmlns:a16="http://schemas.microsoft.com/office/drawing/2014/main" id="{F26EB3CE-D985-4E03-BF2D-9B10418A1D79}"/>
-              </a:ext>
-            </a:extLst>
-          </p:cNvPr>
-          <p:cNvSpPr>
-            <a:spLocks noGrp="1"/>
-          </p:cNvSpPr>
-          <p:nvPr>
-            <p:ph type="title"/>
-          </p:nvPr>
-        </p:nvSpPr>
-        <p:spPr/>
-        <p:txBody>
-          <a:bodyPr/>
-          <a:lstStyle/>
-          <a:p>
-            <a:r>
-              <a:rPr lang="en-US" dirty="0"/>
-              <a:t>Limitations/Bias</a:t>
-            </a:r>
-          </a:p>
-        </p:txBody>
-      </p:sp>
-      <p:sp>
-        <p:nvSpPr>
-          <p:cNvPr id="3" name="Content Placeholder 2">
-            <a:extLst>
-              <a:ext uri="{FF2B5EF4-FFF2-40B4-BE49-F238E27FC236}">
-                <a16:creationId xmlns:a16="http://schemas.microsoft.com/office/drawing/2014/main" id="{9B697DD4-CB17-41B8-AE18-F470997F5C94}"/>
-              </a:ext>
-            </a:extLst>
-          </p:cNvPr>
-          <p:cNvSpPr>
-            <a:spLocks noGrp="1"/>
-          </p:cNvSpPr>
-          <p:nvPr>
-            <p:ph idx="1"/>
-          </p:nvPr>
-        </p:nvSpPr>
-        <p:spPr/>
-        <p:txBody>
-          <a:bodyPr/>
-          <a:lstStyle/>
-          <a:p>
-            <a:r>
-              <a:rPr lang="en-US" dirty="0"/>
-              <a:t>The model uses </a:t>
-            </a:r>
-            <a:r>
-              <a:rPr lang="en-US" b="1" i="1" dirty="0"/>
-              <a:t>known</a:t>
-            </a:r>
-            <a:r>
-              <a:rPr lang="en-US" dirty="0"/>
-              <a:t> </a:t>
-            </a:r>
-            <a:r>
-              <a:rPr lang="en-US" dirty="0" err="1"/>
-              <a:t>KenPom</a:t>
-            </a:r>
-            <a:r>
-              <a:rPr lang="en-US" dirty="0"/>
-              <a:t> data to make predictions. While historical data is helpful, the model would be limited in predicting 2022 outcomes. </a:t>
-            </a:r>
-          </a:p>
-          <a:p>
-            <a:r>
-              <a:rPr lang="en-US" dirty="0"/>
-              <a:t>There is a component that regresses to the season averages. While that is expected, the model does not capture “blow out wins” or “blow out losses.” </a:t>
-            </a:r>
-          </a:p>
-        </p:txBody>
-      </p:sp>
-    </p:spTree>
-    <p:extLst>
-      <p:ext uri="{BB962C8B-B14F-4D97-AF65-F5344CB8AC3E}">
-        <p14:creationId xmlns:p14="http://schemas.microsoft.com/office/powerpoint/2010/main" val="2607735811"/>
+        <p14:creationId xmlns:p14="http://schemas.microsoft.com/office/powerpoint/2010/main" val="86024331"/>
       </p:ext>
     </p:extLst>
   </p:cSld>

--- a/Brett_branch/Madness_Power_Point.pptx
+++ b/Brett_branch/Madness_Power_Point.pptx
@@ -3673,7 +3673,7 @@
           <a:p>
             <a:fld id="{0118E1EC-3AAA-48C4-A6EF-04100BE8E8D4}" type="datetimeFigureOut">
               <a:rPr lang="en-US" smtClean="0"/>
-              <a:t>3/28/2021</a:t>
+              <a:t>3/29/2021</a:t>
             </a:fld>
             <a:endParaRPr lang="en-US"/>
           </a:p>
@@ -3871,7 +3871,7 @@
           <a:p>
             <a:fld id="{0118E1EC-3AAA-48C4-A6EF-04100BE8E8D4}" type="datetimeFigureOut">
               <a:rPr lang="en-US" smtClean="0"/>
-              <a:t>3/28/2021</a:t>
+              <a:t>3/29/2021</a:t>
             </a:fld>
             <a:endParaRPr lang="en-US"/>
           </a:p>
@@ -4079,7 +4079,7 @@
           <a:p>
             <a:fld id="{0118E1EC-3AAA-48C4-A6EF-04100BE8E8D4}" type="datetimeFigureOut">
               <a:rPr lang="en-US" smtClean="0"/>
-              <a:t>3/28/2021</a:t>
+              <a:t>3/29/2021</a:t>
             </a:fld>
             <a:endParaRPr lang="en-US"/>
           </a:p>
@@ -4277,7 +4277,7 @@
           <a:p>
             <a:fld id="{0118E1EC-3AAA-48C4-A6EF-04100BE8E8D4}" type="datetimeFigureOut">
               <a:rPr lang="en-US" smtClean="0"/>
-              <a:t>3/28/2021</a:t>
+              <a:t>3/29/2021</a:t>
             </a:fld>
             <a:endParaRPr lang="en-US"/>
           </a:p>
@@ -4552,7 +4552,7 @@
           <a:p>
             <a:fld id="{0118E1EC-3AAA-48C4-A6EF-04100BE8E8D4}" type="datetimeFigureOut">
               <a:rPr lang="en-US" smtClean="0"/>
-              <a:t>3/28/2021</a:t>
+              <a:t>3/29/2021</a:t>
             </a:fld>
             <a:endParaRPr lang="en-US"/>
           </a:p>
@@ -4817,7 +4817,7 @@
           <a:p>
             <a:fld id="{0118E1EC-3AAA-48C4-A6EF-04100BE8E8D4}" type="datetimeFigureOut">
               <a:rPr lang="en-US" smtClean="0"/>
-              <a:t>3/28/2021</a:t>
+              <a:t>3/29/2021</a:t>
             </a:fld>
             <a:endParaRPr lang="en-US"/>
           </a:p>
@@ -5229,7 +5229,7 @@
           <a:p>
             <a:fld id="{0118E1EC-3AAA-48C4-A6EF-04100BE8E8D4}" type="datetimeFigureOut">
               <a:rPr lang="en-US" smtClean="0"/>
-              <a:t>3/28/2021</a:t>
+              <a:t>3/29/2021</a:t>
             </a:fld>
             <a:endParaRPr lang="en-US"/>
           </a:p>
@@ -5370,7 +5370,7 @@
           <a:p>
             <a:fld id="{0118E1EC-3AAA-48C4-A6EF-04100BE8E8D4}" type="datetimeFigureOut">
               <a:rPr lang="en-US" smtClean="0"/>
-              <a:t>3/28/2021</a:t>
+              <a:t>3/29/2021</a:t>
             </a:fld>
             <a:endParaRPr lang="en-US"/>
           </a:p>
@@ -5483,7 +5483,7 @@
           <a:p>
             <a:fld id="{0118E1EC-3AAA-48C4-A6EF-04100BE8E8D4}" type="datetimeFigureOut">
               <a:rPr lang="en-US" smtClean="0"/>
-              <a:t>3/28/2021</a:t>
+              <a:t>3/29/2021</a:t>
             </a:fld>
             <a:endParaRPr lang="en-US"/>
           </a:p>
@@ -5794,7 +5794,7 @@
           <a:p>
             <a:fld id="{0118E1EC-3AAA-48C4-A6EF-04100BE8E8D4}" type="datetimeFigureOut">
               <a:rPr lang="en-US" smtClean="0"/>
-              <a:t>3/28/2021</a:t>
+              <a:t>3/29/2021</a:t>
             </a:fld>
             <a:endParaRPr lang="en-US"/>
           </a:p>
@@ -6082,7 +6082,7 @@
           <a:p>
             <a:fld id="{0118E1EC-3AAA-48C4-A6EF-04100BE8E8D4}" type="datetimeFigureOut">
               <a:rPr lang="en-US" smtClean="0"/>
-              <a:t>3/28/2021</a:t>
+              <a:t>3/29/2021</a:t>
             </a:fld>
             <a:endParaRPr lang="en-US"/>
           </a:p>
@@ -6323,7 +6323,7 @@
           <a:p>
             <a:fld id="{0118E1EC-3AAA-48C4-A6EF-04100BE8E8D4}" type="datetimeFigureOut">
               <a:rPr lang="en-US" smtClean="0"/>
-              <a:t>3/28/2021</a:t>
+              <a:t>3/29/2021</a:t>
             </a:fld>
             <a:endParaRPr lang="en-US"/>
           </a:p>
@@ -9549,7 +9549,7 @@
                   <a:schemeClr val="bg1"/>
                 </a:solidFill>
               </a:rPr>
-              <a:t>Each season there are thousands of NCAA basketball games played between Division I men’s tams, culminating in March Madness®, the 68-team national championship that starts in the middle of March.</a:t>
+              <a:t>Each season there are thousands of NCAA basketball games played between Division I men’s teams, culminating in March Madness®, the 68-team national championship that starts in the middle of March.</a:t>
             </a:r>
           </a:p>
           <a:p>
